--- a/assets/images/citylearn_systems.pptx
+++ b/assets/images/citylearn_systems.pptx
@@ -5,16 +5,17 @@
     <p:sldMasterId id="2147483648" r:id="rId1"/>
   </p:sldMasterIdLst>
   <p:notesMasterIdLst>
-    <p:notesMasterId r:id="rId6"/>
+    <p:notesMasterId r:id="rId7"/>
   </p:notesMasterIdLst>
   <p:handoutMasterIdLst>
-    <p:handoutMasterId r:id="rId7"/>
+    <p:handoutMasterId r:id="rId8"/>
   </p:handoutMasterIdLst>
   <p:sldIdLst>
     <p:sldId id="833" r:id="rId2"/>
-    <p:sldId id="834" r:id="rId3"/>
-    <p:sldId id="836" r:id="rId4"/>
-    <p:sldId id="837" r:id="rId5"/>
+    <p:sldId id="838" r:id="rId3"/>
+    <p:sldId id="834" r:id="rId4"/>
+    <p:sldId id="839" r:id="rId5"/>
+    <p:sldId id="837" r:id="rId6"/>
   </p:sldIdLst>
   <p:sldSz cx="12192000" cy="6858000"/>
   <p:notesSz cx="7099300" cy="10234613"/>
@@ -252,7 +253,7 @@
           <a:p>
             <a:fld id="{C375809C-1078-40E5-8D78-A06230988E2D}" type="datetimeFigureOut">
               <a:rPr lang="en-US" smtClean="0"/>
-              <a:t>3/14/23</a:t>
+              <a:t>3/16/23</a:t>
             </a:fld>
             <a:endParaRPr lang="en-US"/>
           </a:p>
@@ -430,7 +431,7 @@
             <a:fld id="{2B843C7C-BC90-49F1-B4F6-A48532280559}" type="datetimeFigureOut">
               <a:rPr lang="de-DE" smtClean="0"/>
               <a:pPr/>
-              <a:t>14.03.23</a:t>
+              <a:t>16.03.23</a:t>
             </a:fld>
             <a:endParaRPr lang="de-DE"/>
           </a:p>
@@ -1690,11 +1691,7 @@
           <a:p>
             <a:pPr algn="ctr"/>
             <a:r>
-              <a:rPr lang="en-US" sz="1600" b="1" dirty="0">
-                <a:solidFill>
-                  <a:schemeClr val="bg1"/>
-                </a:solidFill>
-              </a:rPr>
+              <a:rPr lang="en-US" sz="1600" b="1" dirty="0"/>
               <a:t>Building N </a:t>
             </a:r>
           </a:p>
@@ -3338,11 +3335,7 @@
           <a:p>
             <a:pPr algn="ctr"/>
             <a:r>
-              <a:rPr lang="en-US" sz="1600" b="1" dirty="0">
-                <a:solidFill>
-                  <a:schemeClr val="bg1"/>
-                </a:solidFill>
-              </a:rPr>
+              <a:rPr lang="en-US" sz="1600" b="1" dirty="0"/>
               <a:t>Building 1</a:t>
             </a:r>
           </a:p>
@@ -3644,7 +3637,7 @@
             <a:pPr algn="ctr"/>
             <a:r>
               <a:rPr lang="en-US" sz="1200" b="1" dirty="0"/>
-              <a:t>Set point</a:t>
+              <a:t>Setpoint</a:t>
             </a:r>
           </a:p>
         </p:txBody>
@@ -3721,12 +3714,333 @@
           <a:chExt cx="0" cy="0"/>
         </a:xfrm>
       </p:grpSpPr>
+      <p:sp>
+        <p:nvSpPr>
+          <p:cNvPr id="5" name="Rounded Rectangle 4">
+            <a:extLst>
+              <a:ext uri="{FF2B5EF4-FFF2-40B4-BE49-F238E27FC236}">
+                <a16:creationId xmlns:a16="http://schemas.microsoft.com/office/drawing/2014/main" id="{6C5A5726-E2AB-A72A-ECAD-70F42B3A4177}"/>
+              </a:ext>
+            </a:extLst>
+          </p:cNvPr>
+          <p:cNvSpPr/>
+          <p:nvPr/>
+        </p:nvSpPr>
+        <p:spPr>
+          <a:xfrm rot="10800000">
+            <a:off x="2855641" y="631023"/>
+            <a:ext cx="3513180" cy="5606288"/>
+          </a:xfrm>
+          <a:prstGeom prst="roundRect">
+            <a:avLst>
+              <a:gd name="adj" fmla="val 6867"/>
+            </a:avLst>
+          </a:prstGeom>
+          <a:solidFill>
+            <a:schemeClr val="bg1">
+              <a:lumMod val="85000"/>
+            </a:schemeClr>
+          </a:solidFill>
+          <a:ln w="28575">
+            <a:solidFill>
+              <a:schemeClr val="tx1"/>
+            </a:solidFill>
+            <a:prstDash val="solid"/>
+          </a:ln>
+        </p:spPr>
+        <p:style>
+          <a:lnRef idx="2">
+            <a:schemeClr val="accent1">
+              <a:shade val="50000"/>
+            </a:schemeClr>
+          </a:lnRef>
+          <a:fillRef idx="1">
+            <a:schemeClr val="accent1"/>
+          </a:fillRef>
+          <a:effectRef idx="0">
+            <a:schemeClr val="accent1"/>
+          </a:effectRef>
+          <a:fontRef idx="minor">
+            <a:schemeClr val="lt1"/>
+          </a:fontRef>
+        </p:style>
+        <p:txBody>
+          <a:bodyPr rtlCol="0" anchor="ctr"/>
+          <a:lstStyle/>
+          <a:p>
+            <a:pPr algn="ctr"/>
+            <a:endParaRPr lang="en-US"/>
+          </a:p>
+        </p:txBody>
+      </p:sp>
+      <p:sp>
+        <p:nvSpPr>
+          <p:cNvPr id="6" name="TextBox 5">
+            <a:extLst>
+              <a:ext uri="{FF2B5EF4-FFF2-40B4-BE49-F238E27FC236}">
+                <a16:creationId xmlns:a16="http://schemas.microsoft.com/office/drawing/2014/main" id="{797CB7DB-245D-F7E7-5BFA-C5A2FCC5B5D9}"/>
+              </a:ext>
+            </a:extLst>
+          </p:cNvPr>
+          <p:cNvSpPr txBox="1"/>
+          <p:nvPr/>
+        </p:nvSpPr>
+        <p:spPr>
+          <a:xfrm>
+            <a:off x="4707086" y="692696"/>
+            <a:ext cx="1567954" cy="338554"/>
+          </a:xfrm>
+          <a:prstGeom prst="rect">
+            <a:avLst/>
+          </a:prstGeom>
+          <a:noFill/>
+        </p:spPr>
+        <p:txBody>
+          <a:bodyPr wrap="square" rtlCol="0">
+            <a:spAutoFit/>
+          </a:bodyPr>
+          <a:lstStyle/>
+          <a:p>
+            <a:pPr algn="ctr"/>
+            <a:r>
+              <a:rPr lang="en-US" sz="1600" b="1" dirty="0"/>
+              <a:t>Building N </a:t>
+            </a:r>
+          </a:p>
+        </p:txBody>
+      </p:sp>
+      <p:sp>
+        <p:nvSpPr>
+          <p:cNvPr id="33" name="Rounded Rectangle 32">
+            <a:extLst>
+              <a:ext uri="{FF2B5EF4-FFF2-40B4-BE49-F238E27FC236}">
+                <a16:creationId xmlns:a16="http://schemas.microsoft.com/office/drawing/2014/main" id="{BF90E792-2863-07B2-63EF-82251253A890}"/>
+              </a:ext>
+            </a:extLst>
+          </p:cNvPr>
+          <p:cNvSpPr/>
+          <p:nvPr/>
+        </p:nvSpPr>
+        <p:spPr>
+          <a:xfrm rot="10800000">
+            <a:off x="3222882" y="984705"/>
+            <a:ext cx="3513180" cy="5606288"/>
+          </a:xfrm>
+          <a:prstGeom prst="roundRect">
+            <a:avLst>
+              <a:gd name="adj" fmla="val 6867"/>
+            </a:avLst>
+          </a:prstGeom>
+          <a:solidFill>
+            <a:schemeClr val="bg1">
+              <a:lumMod val="85000"/>
+            </a:schemeClr>
+          </a:solidFill>
+          <a:ln w="28575">
+            <a:solidFill>
+              <a:schemeClr val="tx1"/>
+            </a:solidFill>
+            <a:prstDash val="solid"/>
+          </a:ln>
+        </p:spPr>
+        <p:style>
+          <a:lnRef idx="2">
+            <a:schemeClr val="accent1">
+              <a:shade val="50000"/>
+            </a:schemeClr>
+          </a:lnRef>
+          <a:fillRef idx="1">
+            <a:schemeClr val="accent1"/>
+          </a:fillRef>
+          <a:effectRef idx="0">
+            <a:schemeClr val="accent1"/>
+          </a:effectRef>
+          <a:fontRef idx="minor">
+            <a:schemeClr val="lt1"/>
+          </a:fontRef>
+        </p:style>
+        <p:txBody>
+          <a:bodyPr rtlCol="0" anchor="ctr"/>
+          <a:lstStyle/>
+          <a:p>
+            <a:pPr algn="ctr"/>
+            <a:endParaRPr lang="en-US"/>
+          </a:p>
+        </p:txBody>
+      </p:sp>
+      <p:sp>
+        <p:nvSpPr>
+          <p:cNvPr id="46" name="Rounded Rectangle 45">
+            <a:extLst>
+              <a:ext uri="{FF2B5EF4-FFF2-40B4-BE49-F238E27FC236}">
+                <a16:creationId xmlns:a16="http://schemas.microsoft.com/office/drawing/2014/main" id="{C9EED1EA-8327-3445-B343-F3C11E9B5A8D}"/>
+              </a:ext>
+            </a:extLst>
+          </p:cNvPr>
+          <p:cNvSpPr/>
+          <p:nvPr/>
+        </p:nvSpPr>
+        <p:spPr>
+          <a:xfrm>
+            <a:off x="4603920" y="2095740"/>
+            <a:ext cx="1977630" cy="1092759"/>
+          </a:xfrm>
+          <a:prstGeom prst="roundRect">
+            <a:avLst/>
+          </a:prstGeom>
+          <a:solidFill>
+            <a:schemeClr val="accent4">
+              <a:lumMod val="60000"/>
+              <a:lumOff val="40000"/>
+            </a:schemeClr>
+          </a:solidFill>
+          <a:ln w="28575">
+            <a:noFill/>
+            <a:prstDash val="sysDot"/>
+          </a:ln>
+        </p:spPr>
+        <p:style>
+          <a:lnRef idx="2">
+            <a:schemeClr val="accent1">
+              <a:shade val="50000"/>
+            </a:schemeClr>
+          </a:lnRef>
+          <a:fillRef idx="1">
+            <a:schemeClr val="accent1"/>
+          </a:fillRef>
+          <a:effectRef idx="0">
+            <a:schemeClr val="accent1"/>
+          </a:effectRef>
+          <a:fontRef idx="minor">
+            <a:schemeClr val="lt1"/>
+          </a:fontRef>
+        </p:style>
+        <p:txBody>
+          <a:bodyPr rtlCol="0" anchor="ctr"/>
+          <a:lstStyle/>
+          <a:p>
+            <a:pPr algn="ctr"/>
+            <a:endParaRPr lang="en-US"/>
+          </a:p>
+        </p:txBody>
+      </p:sp>
+      <p:sp>
+        <p:nvSpPr>
+          <p:cNvPr id="65" name="Rounded Rectangle 64">
+            <a:extLst>
+              <a:ext uri="{FF2B5EF4-FFF2-40B4-BE49-F238E27FC236}">
+                <a16:creationId xmlns:a16="http://schemas.microsoft.com/office/drawing/2014/main" id="{C4243F02-FCEB-F244-AA07-BA49983506E2}"/>
+              </a:ext>
+            </a:extLst>
+          </p:cNvPr>
+          <p:cNvSpPr/>
+          <p:nvPr/>
+        </p:nvSpPr>
+        <p:spPr>
+          <a:xfrm rot="5400000">
+            <a:off x="4206352" y="2550886"/>
+            <a:ext cx="1561584" cy="3206258"/>
+          </a:xfrm>
+          <a:prstGeom prst="roundRect">
+            <a:avLst/>
+          </a:prstGeom>
+          <a:solidFill>
+            <a:schemeClr val="accent3">
+              <a:lumMod val="60000"/>
+              <a:lumOff val="40000"/>
+            </a:schemeClr>
+          </a:solidFill>
+          <a:ln w="28575">
+            <a:noFill/>
+            <a:prstDash val="sysDot"/>
+          </a:ln>
+        </p:spPr>
+        <p:style>
+          <a:lnRef idx="2">
+            <a:schemeClr val="accent1">
+              <a:shade val="50000"/>
+            </a:schemeClr>
+          </a:lnRef>
+          <a:fillRef idx="1">
+            <a:schemeClr val="accent1"/>
+          </a:fillRef>
+          <a:effectRef idx="0">
+            <a:schemeClr val="accent1"/>
+          </a:effectRef>
+          <a:fontRef idx="minor">
+            <a:schemeClr val="lt1"/>
+          </a:fontRef>
+        </p:style>
+        <p:txBody>
+          <a:bodyPr rtlCol="0" anchor="ctr"/>
+          <a:lstStyle/>
+          <a:p>
+            <a:pPr algn="ctr"/>
+            <a:endParaRPr lang="en-US"/>
+          </a:p>
+        </p:txBody>
+      </p:sp>
+      <p:sp>
+        <p:nvSpPr>
+          <p:cNvPr id="48" name="Rounded Rectangle 47">
+            <a:extLst>
+              <a:ext uri="{FF2B5EF4-FFF2-40B4-BE49-F238E27FC236}">
+                <a16:creationId xmlns:a16="http://schemas.microsoft.com/office/drawing/2014/main" id="{87FFD480-31EC-1142-91A8-CD99B8F29361}"/>
+              </a:ext>
+            </a:extLst>
+          </p:cNvPr>
+          <p:cNvSpPr/>
+          <p:nvPr/>
+        </p:nvSpPr>
+        <p:spPr>
+          <a:xfrm>
+            <a:off x="3384014" y="5107378"/>
+            <a:ext cx="3206259" cy="1297418"/>
+          </a:xfrm>
+          <a:prstGeom prst="roundRect">
+            <a:avLst/>
+          </a:prstGeom>
+          <a:solidFill>
+            <a:schemeClr val="bg1">
+              <a:lumMod val="65000"/>
+            </a:schemeClr>
+          </a:solidFill>
+          <a:ln w="28575">
+            <a:noFill/>
+            <a:prstDash val="sysDot"/>
+          </a:ln>
+        </p:spPr>
+        <p:style>
+          <a:lnRef idx="2">
+            <a:schemeClr val="accent1">
+              <a:shade val="50000"/>
+            </a:schemeClr>
+          </a:lnRef>
+          <a:fillRef idx="1">
+            <a:schemeClr val="accent1"/>
+          </a:fillRef>
+          <a:effectRef idx="0">
+            <a:schemeClr val="accent1"/>
+          </a:effectRef>
+          <a:fontRef idx="minor">
+            <a:schemeClr val="lt1"/>
+          </a:fontRef>
+        </p:style>
+        <p:txBody>
+          <a:bodyPr rtlCol="0" anchor="ctr"/>
+          <a:lstStyle/>
+          <a:p>
+            <a:pPr algn="ctr"/>
+            <a:endParaRPr lang="en-US"/>
+          </a:p>
+        </p:txBody>
+      </p:sp>
       <p:pic>
         <p:nvPicPr>
-          <p:cNvPr id="3" name="Picture 2">
-            <a:extLst>
-              <a:ext uri="{FF2B5EF4-FFF2-40B4-BE49-F238E27FC236}">
-                <a16:creationId xmlns:a16="http://schemas.microsoft.com/office/drawing/2014/main" id="{AB05FC28-019D-0958-2994-BBBEB8CAAC95}"/>
+          <p:cNvPr id="18" name="Picture 17" descr="Icon&#10;&#10;Description automatically generated">
+            <a:extLst>
+              <a:ext uri="{FF2B5EF4-FFF2-40B4-BE49-F238E27FC236}">
+                <a16:creationId xmlns:a16="http://schemas.microsoft.com/office/drawing/2014/main" id="{DFC32E76-8391-9444-BDE1-21A6B5A24D86}"/>
               </a:ext>
             </a:extLst>
           </p:cNvPr>
@@ -3736,25 +4050,1413 @@
           <p:nvPr/>
         </p:nvPicPr>
         <p:blipFill>
-          <a:blip r:embed="rId2"/>
+          <a:blip r:embed="rId2" cstate="print">
+            <a:extLst>
+              <a:ext uri="{28A0092B-C50C-407E-A947-70E740481C1C}">
+                <a14:useLocalDpi xmlns:a14="http://schemas.microsoft.com/office/drawing/2010/main" val="0"/>
+              </a:ext>
+            </a:extLst>
+          </a:blip>
           <a:stretch>
             <a:fillRect/>
           </a:stretch>
         </p:blipFill>
         <p:spPr>
           <a:xfrm>
-            <a:off x="3155950" y="304800"/>
-            <a:ext cx="5880100" cy="6248400"/>
+            <a:off x="5743739" y="5349500"/>
+            <a:ext cx="626445" cy="626445"/>
           </a:xfrm>
           <a:prstGeom prst="rect">
             <a:avLst/>
           </a:prstGeom>
         </p:spPr>
       </p:pic>
+      <p:pic>
+        <p:nvPicPr>
+          <p:cNvPr id="22" name="Picture 21" descr="Icon&#10;&#10;Description automatically generated">
+            <a:extLst>
+              <a:ext uri="{FF2B5EF4-FFF2-40B4-BE49-F238E27FC236}">
+                <a16:creationId xmlns:a16="http://schemas.microsoft.com/office/drawing/2014/main" id="{90008645-C065-5147-AD8F-98C8059E55A7}"/>
+              </a:ext>
+            </a:extLst>
+          </p:cNvPr>
+          <p:cNvPicPr>
+            <a:picLocks noChangeAspect="1"/>
+          </p:cNvPicPr>
+          <p:nvPr/>
+        </p:nvPicPr>
+        <p:blipFill>
+          <a:blip r:embed="rId3" cstate="print">
+            <a:extLst>
+              <a:ext uri="{28A0092B-C50C-407E-A947-70E740481C1C}">
+                <a14:useLocalDpi xmlns:a14="http://schemas.microsoft.com/office/drawing/2010/main" val="0"/>
+              </a:ext>
+            </a:extLst>
+          </a:blip>
+          <a:stretch>
+            <a:fillRect/>
+          </a:stretch>
+        </p:blipFill>
+        <p:spPr>
+          <a:xfrm rot="10800000">
+            <a:off x="3460516" y="5320221"/>
+            <a:ext cx="625465" cy="625465"/>
+          </a:xfrm>
+          <a:prstGeom prst="rect">
+            <a:avLst/>
+          </a:prstGeom>
+        </p:spPr>
+      </p:pic>
+      <p:pic>
+        <p:nvPicPr>
+          <p:cNvPr id="26" name="Picture 25" descr="A picture containing icon&#10;&#10;Description automatically generated">
+            <a:extLst>
+              <a:ext uri="{FF2B5EF4-FFF2-40B4-BE49-F238E27FC236}">
+                <a16:creationId xmlns:a16="http://schemas.microsoft.com/office/drawing/2014/main" id="{361A1388-9314-AC48-BA59-69DB2D518C03}"/>
+              </a:ext>
+            </a:extLst>
+          </p:cNvPr>
+          <p:cNvPicPr>
+            <a:picLocks noChangeAspect="1"/>
+          </p:cNvPicPr>
+          <p:nvPr/>
+        </p:nvPicPr>
+        <p:blipFill>
+          <a:blip r:embed="rId4" cstate="print">
+            <a:extLst>
+              <a:ext uri="{28A0092B-C50C-407E-A947-70E740481C1C}">
+                <a14:useLocalDpi xmlns:a14="http://schemas.microsoft.com/office/drawing/2010/main" val="0"/>
+              </a:ext>
+            </a:extLst>
+          </a:blip>
+          <a:stretch>
+            <a:fillRect/>
+          </a:stretch>
+        </p:blipFill>
+        <p:spPr>
+          <a:xfrm>
+            <a:off x="5661132" y="2299651"/>
+            <a:ext cx="814996" cy="768691"/>
+          </a:xfrm>
+          <a:prstGeom prst="rect">
+            <a:avLst/>
+          </a:prstGeom>
+        </p:spPr>
+      </p:pic>
+      <p:pic>
+        <p:nvPicPr>
+          <p:cNvPr id="30" name="Picture 29" descr="A picture containing icon&#10;&#10;Description automatically generated">
+            <a:extLst>
+              <a:ext uri="{FF2B5EF4-FFF2-40B4-BE49-F238E27FC236}">
+                <a16:creationId xmlns:a16="http://schemas.microsoft.com/office/drawing/2014/main" id="{9D358902-D725-B145-BF33-3E2539609C4C}"/>
+              </a:ext>
+            </a:extLst>
+          </p:cNvPr>
+          <p:cNvPicPr>
+            <a:picLocks noChangeAspect="1"/>
+          </p:cNvPicPr>
+          <p:nvPr/>
+        </p:nvPicPr>
+        <p:blipFill>
+          <a:blip r:embed="rId5" cstate="print">
+            <a:duotone>
+              <a:schemeClr val="accent2">
+                <a:shade val="45000"/>
+                <a:satMod val="135000"/>
+              </a:schemeClr>
+              <a:prstClr val="white"/>
+            </a:duotone>
+            <a:extLst>
+              <a:ext uri="{28A0092B-C50C-407E-A947-70E740481C1C}">
+                <a14:useLocalDpi xmlns:a14="http://schemas.microsoft.com/office/drawing/2010/main" val="0"/>
+              </a:ext>
+            </a:extLst>
+          </a:blip>
+          <a:stretch>
+            <a:fillRect/>
+          </a:stretch>
+        </p:blipFill>
+        <p:spPr>
+          <a:xfrm>
+            <a:off x="4893922" y="3693311"/>
+            <a:ext cx="692289" cy="692289"/>
+          </a:xfrm>
+          <a:prstGeom prst="rect">
+            <a:avLst/>
+          </a:prstGeom>
+        </p:spPr>
+      </p:pic>
+      <p:pic>
+        <p:nvPicPr>
+          <p:cNvPr id="34" name="Picture 33" descr="A picture containing rectangle&#10;&#10;Description automatically generated">
+            <a:extLst>
+              <a:ext uri="{FF2B5EF4-FFF2-40B4-BE49-F238E27FC236}">
+                <a16:creationId xmlns:a16="http://schemas.microsoft.com/office/drawing/2014/main" id="{767B30FB-B965-D948-AAD9-B00F8CFCCC02}"/>
+              </a:ext>
+            </a:extLst>
+          </p:cNvPr>
+          <p:cNvPicPr>
+            <a:picLocks noChangeAspect="1"/>
+          </p:cNvPicPr>
+          <p:nvPr/>
+        </p:nvPicPr>
+        <p:blipFill>
+          <a:blip r:embed="rId6" cstate="print">
+            <a:extLst>
+              <a:ext uri="{28A0092B-C50C-407E-A947-70E740481C1C}">
+                <a14:useLocalDpi xmlns:a14="http://schemas.microsoft.com/office/drawing/2010/main" val="0"/>
+              </a:ext>
+            </a:extLst>
+          </a:blip>
+          <a:stretch>
+            <a:fillRect/>
+          </a:stretch>
+        </p:blipFill>
+        <p:spPr>
+          <a:xfrm>
+            <a:off x="5796430" y="3672007"/>
+            <a:ext cx="686493" cy="686493"/>
+          </a:xfrm>
+          <a:prstGeom prst="rect">
+            <a:avLst/>
+          </a:prstGeom>
+        </p:spPr>
+      </p:pic>
+      <p:pic>
+        <p:nvPicPr>
+          <p:cNvPr id="45" name="Picture 44" descr="Icon&#10;&#10;Description automatically generated">
+            <a:extLst>
+              <a:ext uri="{FF2B5EF4-FFF2-40B4-BE49-F238E27FC236}">
+                <a16:creationId xmlns:a16="http://schemas.microsoft.com/office/drawing/2014/main" id="{C9267087-CC13-8649-9F8D-1077529CF4C5}"/>
+              </a:ext>
+            </a:extLst>
+          </p:cNvPr>
+          <p:cNvPicPr>
+            <a:picLocks noChangeAspect="1"/>
+          </p:cNvPicPr>
+          <p:nvPr/>
+        </p:nvPicPr>
+        <p:blipFill>
+          <a:blip r:embed="rId7" cstate="print">
+            <a:extLst>
+              <a:ext uri="{28A0092B-C50C-407E-A947-70E740481C1C}">
+                <a14:useLocalDpi xmlns:a14="http://schemas.microsoft.com/office/drawing/2010/main" val="0"/>
+              </a:ext>
+            </a:extLst>
+          </a:blip>
+          <a:stretch>
+            <a:fillRect/>
+          </a:stretch>
+        </p:blipFill>
+        <p:spPr>
+          <a:xfrm>
+            <a:off x="4819944" y="2299650"/>
+            <a:ext cx="720080" cy="720080"/>
+          </a:xfrm>
+          <a:prstGeom prst="rect">
+            <a:avLst/>
+          </a:prstGeom>
+        </p:spPr>
+      </p:pic>
+      <p:pic>
+        <p:nvPicPr>
+          <p:cNvPr id="47" name="Picture 46" descr="Icon&#10;&#10;Description automatically generated">
+            <a:extLst>
+              <a:ext uri="{FF2B5EF4-FFF2-40B4-BE49-F238E27FC236}">
+                <a16:creationId xmlns:a16="http://schemas.microsoft.com/office/drawing/2014/main" id="{4F67AC45-B17E-A14F-9B10-F6C8D14E30DE}"/>
+              </a:ext>
+            </a:extLst>
+          </p:cNvPr>
+          <p:cNvPicPr>
+            <a:picLocks noChangeAspect="1"/>
+          </p:cNvPicPr>
+          <p:nvPr/>
+        </p:nvPicPr>
+        <p:blipFill>
+          <a:blip r:embed="rId8" cstate="print">
+            <a:extLst>
+              <a:ext uri="{28A0092B-C50C-407E-A947-70E740481C1C}">
+                <a14:useLocalDpi xmlns:a14="http://schemas.microsoft.com/office/drawing/2010/main" val="0"/>
+              </a:ext>
+            </a:extLst>
+          </a:blip>
+          <a:stretch>
+            <a:fillRect/>
+          </a:stretch>
+        </p:blipFill>
+        <p:spPr>
+          <a:xfrm>
+            <a:off x="4972683" y="5274650"/>
+            <a:ext cx="626445" cy="687391"/>
+          </a:xfrm>
+          <a:prstGeom prst="rect">
+            <a:avLst/>
+          </a:prstGeom>
+        </p:spPr>
+      </p:pic>
+      <p:pic>
+        <p:nvPicPr>
+          <p:cNvPr id="52" name="Picture 51" descr="A picture containing text, clock&#10;&#10;Description automatically generated">
+            <a:extLst>
+              <a:ext uri="{FF2B5EF4-FFF2-40B4-BE49-F238E27FC236}">
+                <a16:creationId xmlns:a16="http://schemas.microsoft.com/office/drawing/2014/main" id="{29786DD7-A38F-0C4E-9BD4-BC8A3E29B172}"/>
+              </a:ext>
+            </a:extLst>
+          </p:cNvPr>
+          <p:cNvPicPr>
+            <a:picLocks noChangeAspect="1"/>
+          </p:cNvPicPr>
+          <p:nvPr/>
+        </p:nvPicPr>
+        <p:blipFill>
+          <a:blip r:embed="rId9" cstate="print">
+            <a:biLevel thresh="75000"/>
+            <a:extLst>
+              <a:ext uri="{28A0092B-C50C-407E-A947-70E740481C1C}">
+                <a14:useLocalDpi xmlns:a14="http://schemas.microsoft.com/office/drawing/2010/main" val="0"/>
+              </a:ext>
+            </a:extLst>
+          </a:blip>
+          <a:stretch>
+            <a:fillRect/>
+          </a:stretch>
+        </p:blipFill>
+        <p:spPr>
+          <a:xfrm>
+            <a:off x="3584801" y="3712514"/>
+            <a:ext cx="669094" cy="669094"/>
+          </a:xfrm>
+          <a:prstGeom prst="rect">
+            <a:avLst/>
+          </a:prstGeom>
+          <a:noFill/>
+          <a:ln>
+            <a:noFill/>
+          </a:ln>
+        </p:spPr>
+      </p:pic>
+      <p:pic>
+        <p:nvPicPr>
+          <p:cNvPr id="54" name="Picture 53" descr="Shape&#10;&#10;Description automatically generated">
+            <a:extLst>
+              <a:ext uri="{FF2B5EF4-FFF2-40B4-BE49-F238E27FC236}">
+                <a16:creationId xmlns:a16="http://schemas.microsoft.com/office/drawing/2014/main" id="{64B91B02-6553-EA47-8B62-D314BAF551C4}"/>
+              </a:ext>
+            </a:extLst>
+          </p:cNvPr>
+          <p:cNvPicPr>
+            <a:picLocks noChangeAspect="1"/>
+          </p:cNvPicPr>
+          <p:nvPr/>
+        </p:nvPicPr>
+        <p:blipFill>
+          <a:blip r:embed="rId10" cstate="print">
+            <a:biLevel thresh="75000"/>
+            <a:extLst>
+              <a:ext uri="{28A0092B-C50C-407E-A947-70E740481C1C}">
+                <a14:useLocalDpi xmlns:a14="http://schemas.microsoft.com/office/drawing/2010/main" val="0"/>
+              </a:ext>
+            </a:extLst>
+          </a:blip>
+          <a:stretch>
+            <a:fillRect/>
+          </a:stretch>
+        </p:blipFill>
+        <p:spPr>
+          <a:xfrm>
+            <a:off x="3593447" y="1683909"/>
+            <a:ext cx="658611" cy="658611"/>
+          </a:xfrm>
+          <a:prstGeom prst="rect">
+            <a:avLst/>
+          </a:prstGeom>
+          <a:noFill/>
+          <a:ln>
+            <a:noFill/>
+          </a:ln>
+        </p:spPr>
+      </p:pic>
+      <p:pic>
+        <p:nvPicPr>
+          <p:cNvPr id="57" name="Picture 56" descr="A picture containing text, clock&#10;&#10;Description automatically generated">
+            <a:extLst>
+              <a:ext uri="{FF2B5EF4-FFF2-40B4-BE49-F238E27FC236}">
+                <a16:creationId xmlns:a16="http://schemas.microsoft.com/office/drawing/2014/main" id="{58318F54-6CDB-F446-9E02-23F62AE8C3F1}"/>
+              </a:ext>
+            </a:extLst>
+          </p:cNvPr>
+          <p:cNvPicPr>
+            <a:picLocks noChangeAspect="1"/>
+          </p:cNvPicPr>
+          <p:nvPr/>
+        </p:nvPicPr>
+        <p:blipFill>
+          <a:blip r:embed="rId11" cstate="print">
+            <a:biLevel thresh="75000"/>
+            <a:extLst>
+              <a:ext uri="{28A0092B-C50C-407E-A947-70E740481C1C}">
+                <a14:useLocalDpi xmlns:a14="http://schemas.microsoft.com/office/drawing/2010/main" val="0"/>
+              </a:ext>
+            </a:extLst>
+          </a:blip>
+          <a:stretch>
+            <a:fillRect/>
+          </a:stretch>
+        </p:blipFill>
+        <p:spPr>
+          <a:xfrm>
+            <a:off x="3605963" y="2548005"/>
+            <a:ext cx="629295" cy="629295"/>
+          </a:xfrm>
+          <a:prstGeom prst="rect">
+            <a:avLst/>
+          </a:prstGeom>
+          <a:noFill/>
+          <a:ln>
+            <a:noFill/>
+          </a:ln>
+        </p:spPr>
+      </p:pic>
+      <p:grpSp>
+        <p:nvGrpSpPr>
+          <p:cNvPr id="69" name="Group 68">
+            <a:extLst>
+              <a:ext uri="{FF2B5EF4-FFF2-40B4-BE49-F238E27FC236}">
+                <a16:creationId xmlns:a16="http://schemas.microsoft.com/office/drawing/2014/main" id="{A5FC3CDA-FD24-6847-A36C-9B2F32C54352}"/>
+              </a:ext>
+            </a:extLst>
+          </p:cNvPr>
+          <p:cNvGrpSpPr>
+            <a:grpSpLocks noChangeAspect="1"/>
+          </p:cNvGrpSpPr>
+          <p:nvPr/>
+        </p:nvGrpSpPr>
+        <p:grpSpPr>
+          <a:xfrm>
+            <a:off x="7448143" y="3440033"/>
+            <a:ext cx="1026042" cy="1024127"/>
+            <a:chOff x="6975940" y="2943131"/>
+            <a:chExt cx="526906" cy="525923"/>
+          </a:xfrm>
+        </p:grpSpPr>
+        <p:sp>
+          <p:nvSpPr>
+            <p:cNvPr id="58" name="Oval 57">
+              <a:extLst>
+                <a:ext uri="{FF2B5EF4-FFF2-40B4-BE49-F238E27FC236}">
+                  <a16:creationId xmlns:a16="http://schemas.microsoft.com/office/drawing/2014/main" id="{19BE93B2-9118-D84F-B938-70A1210CBE0B}"/>
+                </a:ext>
+              </a:extLst>
+            </p:cNvPr>
+            <p:cNvSpPr/>
+            <p:nvPr/>
+          </p:nvSpPr>
+          <p:spPr>
+            <a:xfrm>
+              <a:off x="6975940" y="2943131"/>
+              <a:ext cx="525923" cy="525923"/>
+            </a:xfrm>
+            <a:prstGeom prst="ellipse">
+              <a:avLst/>
+            </a:prstGeom>
+            <a:solidFill>
+              <a:schemeClr val="accent2">
+                <a:lumMod val="60000"/>
+                <a:lumOff val="40000"/>
+              </a:schemeClr>
+            </a:solidFill>
+            <a:ln w="28575">
+              <a:noFill/>
+              <a:prstDash val="sysDot"/>
+            </a:ln>
+          </p:spPr>
+          <p:style>
+            <a:lnRef idx="2">
+              <a:schemeClr val="accent1">
+                <a:shade val="50000"/>
+              </a:schemeClr>
+            </a:lnRef>
+            <a:fillRef idx="1">
+              <a:schemeClr val="accent1"/>
+            </a:fillRef>
+            <a:effectRef idx="0">
+              <a:schemeClr val="accent1"/>
+            </a:effectRef>
+            <a:fontRef idx="minor">
+              <a:schemeClr val="lt1"/>
+            </a:fontRef>
+          </p:style>
+          <p:txBody>
+            <a:bodyPr rtlCol="0" anchor="ctr"/>
+            <a:lstStyle/>
+            <a:p>
+              <a:pPr algn="ctr"/>
+              <a:endParaRPr lang="en-US" dirty="0"/>
+            </a:p>
+          </p:txBody>
+        </p:sp>
+        <p:sp>
+          <p:nvSpPr>
+            <p:cNvPr id="66" name="TextBox 65">
+              <a:extLst>
+                <a:ext uri="{FF2B5EF4-FFF2-40B4-BE49-F238E27FC236}">
+                  <a16:creationId xmlns:a16="http://schemas.microsoft.com/office/drawing/2014/main" id="{80D49B8D-4E17-DF4B-B258-5FD77810B91D}"/>
+                </a:ext>
+              </a:extLst>
+            </p:cNvPr>
+            <p:cNvSpPr txBox="1"/>
+            <p:nvPr/>
+          </p:nvSpPr>
+          <p:spPr>
+            <a:xfrm>
+              <a:off x="6981572" y="3049593"/>
+              <a:ext cx="521274" cy="300301"/>
+            </a:xfrm>
+            <a:prstGeom prst="rect">
+              <a:avLst/>
+            </a:prstGeom>
+            <a:noFill/>
+            <a:ln>
+              <a:noFill/>
+            </a:ln>
+          </p:spPr>
+          <p:txBody>
+            <a:bodyPr wrap="square" rtlCol="0">
+              <a:spAutoFit/>
+            </a:bodyPr>
+            <a:lstStyle/>
+            <a:p>
+              <a:pPr algn="ctr"/>
+              <a:r>
+                <a:rPr lang="en-US" sz="1600" b="1" dirty="0">
+                  <a:solidFill>
+                    <a:schemeClr val="bg1"/>
+                  </a:solidFill>
+                </a:rPr>
+                <a:t>Control</a:t>
+              </a:r>
+              <a:br>
+                <a:rPr lang="en-US" sz="1600" b="1" dirty="0">
+                  <a:solidFill>
+                    <a:schemeClr val="bg1"/>
+                  </a:solidFill>
+                </a:rPr>
+              </a:br>
+              <a:r>
+                <a:rPr lang="en-US" sz="1600" b="1" dirty="0">
+                  <a:solidFill>
+                    <a:schemeClr val="bg1"/>
+                  </a:solidFill>
+                </a:rPr>
+                <a:t>Agent</a:t>
+              </a:r>
+            </a:p>
+          </p:txBody>
+        </p:sp>
+      </p:grpSp>
+      <p:cxnSp>
+        <p:nvCxnSpPr>
+          <p:cNvPr id="71" name="Straight Arrow Connector 70">
+            <a:extLst>
+              <a:ext uri="{FF2B5EF4-FFF2-40B4-BE49-F238E27FC236}">
+                <a16:creationId xmlns:a16="http://schemas.microsoft.com/office/drawing/2014/main" id="{C9E44FD8-4E63-084F-961B-88AE24E9876F}"/>
+              </a:ext>
+            </a:extLst>
+          </p:cNvPr>
+          <p:cNvCxnSpPr>
+            <a:cxnSpLocks/>
+          </p:cNvCxnSpPr>
+          <p:nvPr/>
+        </p:nvCxnSpPr>
+        <p:spPr>
+          <a:xfrm flipH="1">
+            <a:off x="6590274" y="3938025"/>
+            <a:ext cx="859788" cy="7837"/>
+          </a:xfrm>
+          <a:prstGeom prst="straightConnector1">
+            <a:avLst/>
+          </a:prstGeom>
+          <a:ln w="28575">
+            <a:tailEnd type="triangle"/>
+          </a:ln>
+        </p:spPr>
+        <p:style>
+          <a:lnRef idx="1">
+            <a:schemeClr val="dk1"/>
+          </a:lnRef>
+          <a:fillRef idx="0">
+            <a:schemeClr val="dk1"/>
+          </a:fillRef>
+          <a:effectRef idx="0">
+            <a:schemeClr val="dk1"/>
+          </a:effectRef>
+          <a:fontRef idx="minor">
+            <a:schemeClr val="tx1"/>
+          </a:fontRef>
+        </p:style>
+      </p:cxnSp>
+      <p:sp>
+        <p:nvSpPr>
+          <p:cNvPr id="59" name="Rounded Rectangle 58">
+            <a:extLst>
+              <a:ext uri="{FF2B5EF4-FFF2-40B4-BE49-F238E27FC236}">
+                <a16:creationId xmlns:a16="http://schemas.microsoft.com/office/drawing/2014/main" id="{2BBF70C8-6E7A-344B-B3E6-9914688657C1}"/>
+              </a:ext>
+            </a:extLst>
+          </p:cNvPr>
+          <p:cNvSpPr/>
+          <p:nvPr/>
+        </p:nvSpPr>
+        <p:spPr>
+          <a:xfrm rot="10800000">
+            <a:off x="3381381" y="1179852"/>
+            <a:ext cx="1070934" cy="3766782"/>
+          </a:xfrm>
+          <a:prstGeom prst="roundRect">
+            <a:avLst>
+              <a:gd name="adj" fmla="val 25205"/>
+            </a:avLst>
+          </a:prstGeom>
+          <a:noFill/>
+          <a:ln w="28575">
+            <a:solidFill>
+              <a:schemeClr val="tx1"/>
+            </a:solidFill>
+            <a:prstDash val="sysDot"/>
+          </a:ln>
+        </p:spPr>
+        <p:style>
+          <a:lnRef idx="2">
+            <a:schemeClr val="accent1">
+              <a:shade val="50000"/>
+            </a:schemeClr>
+          </a:lnRef>
+          <a:fillRef idx="1">
+            <a:schemeClr val="accent1"/>
+          </a:fillRef>
+          <a:effectRef idx="0">
+            <a:schemeClr val="accent1"/>
+          </a:effectRef>
+          <a:fontRef idx="minor">
+            <a:schemeClr val="lt1"/>
+          </a:fontRef>
+        </p:style>
+        <p:txBody>
+          <a:bodyPr rtlCol="0" anchor="ctr"/>
+          <a:lstStyle/>
+          <a:p>
+            <a:pPr algn="ctr"/>
+            <a:endParaRPr lang="en-US"/>
+          </a:p>
+        </p:txBody>
+      </p:sp>
+      <p:pic>
+        <p:nvPicPr>
+          <p:cNvPr id="91" name="Picture 90" descr="Icon&#10;&#10;Description automatically generated with medium confidence">
+            <a:extLst>
+              <a:ext uri="{FF2B5EF4-FFF2-40B4-BE49-F238E27FC236}">
+                <a16:creationId xmlns:a16="http://schemas.microsoft.com/office/drawing/2014/main" id="{192A2240-2C54-F146-89BD-0345A91DD1D4}"/>
+              </a:ext>
+            </a:extLst>
+          </p:cNvPr>
+          <p:cNvPicPr>
+            <a:picLocks noChangeAspect="1"/>
+          </p:cNvPicPr>
+          <p:nvPr/>
+        </p:nvPicPr>
+        <p:blipFill>
+          <a:blip r:embed="rId12" cstate="print">
+            <a:extLst>
+              <a:ext uri="{28A0092B-C50C-407E-A947-70E740481C1C}">
+                <a14:useLocalDpi xmlns:a14="http://schemas.microsoft.com/office/drawing/2010/main" val="0"/>
+              </a:ext>
+            </a:extLst>
+          </a:blip>
+          <a:stretch>
+            <a:fillRect/>
+          </a:stretch>
+        </p:blipFill>
+        <p:spPr>
+          <a:xfrm>
+            <a:off x="3964571" y="5297614"/>
+            <a:ext cx="687391" cy="687391"/>
+          </a:xfrm>
+          <a:prstGeom prst="rect">
+            <a:avLst/>
+          </a:prstGeom>
+        </p:spPr>
+      </p:pic>
+      <p:sp>
+        <p:nvSpPr>
+          <p:cNvPr id="92" name="TextBox 91">
+            <a:extLst>
+              <a:ext uri="{FF2B5EF4-FFF2-40B4-BE49-F238E27FC236}">
+                <a16:creationId xmlns:a16="http://schemas.microsoft.com/office/drawing/2014/main" id="{9B7003EF-ADEA-7F45-A407-72B7FF1A2E41}"/>
+              </a:ext>
+            </a:extLst>
+          </p:cNvPr>
+          <p:cNvSpPr txBox="1"/>
+          <p:nvPr/>
+        </p:nvSpPr>
+        <p:spPr>
+          <a:xfrm>
+            <a:off x="6599332" y="3470103"/>
+            <a:ext cx="1008837" cy="461665"/>
+          </a:xfrm>
+          <a:prstGeom prst="rect">
+            <a:avLst/>
+          </a:prstGeom>
+          <a:noFill/>
+        </p:spPr>
+        <p:txBody>
+          <a:bodyPr wrap="square" rtlCol="0">
+            <a:spAutoFit/>
+          </a:bodyPr>
+          <a:lstStyle/>
+          <a:p>
+            <a:pPr algn="ctr"/>
+            <a:r>
+              <a:rPr lang="en-US" sz="1200" b="1" dirty="0"/>
+              <a:t>Charge/</a:t>
+            </a:r>
+          </a:p>
+          <a:p>
+            <a:pPr algn="ctr"/>
+            <a:r>
+              <a:rPr lang="en-US" sz="1200" b="1" dirty="0"/>
+              <a:t>Discharge</a:t>
+            </a:r>
+          </a:p>
+        </p:txBody>
+      </p:sp>
+      <p:sp>
+        <p:nvSpPr>
+          <p:cNvPr id="100" name="TextBox 99">
+            <a:extLst>
+              <a:ext uri="{FF2B5EF4-FFF2-40B4-BE49-F238E27FC236}">
+                <a16:creationId xmlns:a16="http://schemas.microsoft.com/office/drawing/2014/main" id="{726FCBAA-212F-5C4A-91E6-B84329B3E7AB}"/>
+              </a:ext>
+            </a:extLst>
+          </p:cNvPr>
+          <p:cNvSpPr txBox="1"/>
+          <p:nvPr/>
+        </p:nvSpPr>
+        <p:spPr>
+          <a:xfrm>
+            <a:off x="3126886" y="1179853"/>
+            <a:ext cx="1567954" cy="492443"/>
+          </a:xfrm>
+          <a:prstGeom prst="rect">
+            <a:avLst/>
+          </a:prstGeom>
+          <a:noFill/>
+        </p:spPr>
+        <p:txBody>
+          <a:bodyPr wrap="square" rtlCol="0">
+            <a:spAutoFit/>
+          </a:bodyPr>
+          <a:lstStyle/>
+          <a:p>
+            <a:pPr algn="ctr"/>
+            <a:r>
+              <a:rPr lang="en-US" sz="1300" b="1" dirty="0"/>
+              <a:t>Electricity</a:t>
+            </a:r>
+            <a:br>
+              <a:rPr lang="en-US" sz="1300" b="1" dirty="0"/>
+            </a:br>
+            <a:r>
+              <a:rPr lang="en-US" sz="1300" b="1" dirty="0"/>
+              <a:t>Source</a:t>
+            </a:r>
+          </a:p>
+        </p:txBody>
+      </p:sp>
+      <p:sp>
+        <p:nvSpPr>
+          <p:cNvPr id="101" name="TextBox 100">
+            <a:extLst>
+              <a:ext uri="{FF2B5EF4-FFF2-40B4-BE49-F238E27FC236}">
+                <a16:creationId xmlns:a16="http://schemas.microsoft.com/office/drawing/2014/main" id="{DF342DB9-6BAA-2A47-9561-FE5619719DF4}"/>
+              </a:ext>
+            </a:extLst>
+          </p:cNvPr>
+          <p:cNvSpPr txBox="1"/>
+          <p:nvPr/>
+        </p:nvSpPr>
+        <p:spPr>
+          <a:xfrm>
+            <a:off x="5066271" y="3373222"/>
+            <a:ext cx="1567954" cy="292388"/>
+          </a:xfrm>
+          <a:prstGeom prst="rect">
+            <a:avLst/>
+          </a:prstGeom>
+          <a:noFill/>
+        </p:spPr>
+        <p:txBody>
+          <a:bodyPr wrap="square" rtlCol="0">
+            <a:spAutoFit/>
+          </a:bodyPr>
+          <a:lstStyle/>
+          <a:p>
+            <a:pPr algn="ctr"/>
+            <a:r>
+              <a:rPr lang="en-US" sz="1300" b="1" dirty="0"/>
+              <a:t>Energy Storage</a:t>
+            </a:r>
+          </a:p>
+        </p:txBody>
+      </p:sp>
+      <p:sp>
+        <p:nvSpPr>
+          <p:cNvPr id="105" name="TextBox 104">
+            <a:extLst>
+              <a:ext uri="{FF2B5EF4-FFF2-40B4-BE49-F238E27FC236}">
+                <a16:creationId xmlns:a16="http://schemas.microsoft.com/office/drawing/2014/main" id="{574F4CC3-7AB5-6C41-B6E5-CB9CC0C1F924}"/>
+              </a:ext>
+            </a:extLst>
+          </p:cNvPr>
+          <p:cNvSpPr txBox="1"/>
+          <p:nvPr/>
+        </p:nvSpPr>
+        <p:spPr>
+          <a:xfrm>
+            <a:off x="5322837" y="5085329"/>
+            <a:ext cx="1567954" cy="292388"/>
+          </a:xfrm>
+          <a:prstGeom prst="rect">
+            <a:avLst/>
+          </a:prstGeom>
+          <a:noFill/>
+        </p:spPr>
+        <p:txBody>
+          <a:bodyPr wrap="square" rtlCol="0">
+            <a:spAutoFit/>
+          </a:bodyPr>
+          <a:lstStyle/>
+          <a:p>
+            <a:pPr algn="ctr"/>
+            <a:r>
+              <a:rPr lang="en-US" sz="1300" b="1" dirty="0"/>
+              <a:t>End Use</a:t>
+            </a:r>
+          </a:p>
+        </p:txBody>
+      </p:sp>
+      <p:sp>
+        <p:nvSpPr>
+          <p:cNvPr id="49" name="TextBox 48">
+            <a:extLst>
+              <a:ext uri="{FF2B5EF4-FFF2-40B4-BE49-F238E27FC236}">
+                <a16:creationId xmlns:a16="http://schemas.microsoft.com/office/drawing/2014/main" id="{048AE03A-19F3-F947-B67B-CFA930787DDA}"/>
+              </a:ext>
+            </a:extLst>
+          </p:cNvPr>
+          <p:cNvSpPr txBox="1"/>
+          <p:nvPr/>
+        </p:nvSpPr>
+        <p:spPr>
+          <a:xfrm>
+            <a:off x="4877155" y="2071880"/>
+            <a:ext cx="1567954" cy="292388"/>
+          </a:xfrm>
+          <a:prstGeom prst="rect">
+            <a:avLst/>
+          </a:prstGeom>
+          <a:noFill/>
+        </p:spPr>
+        <p:txBody>
+          <a:bodyPr wrap="square" rtlCol="0">
+            <a:spAutoFit/>
+          </a:bodyPr>
+          <a:lstStyle/>
+          <a:p>
+            <a:pPr algn="r"/>
+            <a:r>
+              <a:rPr lang="en-US" sz="1300" b="1" dirty="0"/>
+              <a:t>Heat Supply</a:t>
+            </a:r>
+          </a:p>
+        </p:txBody>
+      </p:sp>
+      <p:sp>
+        <p:nvSpPr>
+          <p:cNvPr id="2" name="TextBox 1">
+            <a:extLst>
+              <a:ext uri="{FF2B5EF4-FFF2-40B4-BE49-F238E27FC236}">
+                <a16:creationId xmlns:a16="http://schemas.microsoft.com/office/drawing/2014/main" id="{D1EB0535-B98A-919D-8C1E-F26F1AF95F45}"/>
+              </a:ext>
+            </a:extLst>
+          </p:cNvPr>
+          <p:cNvSpPr txBox="1"/>
+          <p:nvPr/>
+        </p:nvSpPr>
+        <p:spPr>
+          <a:xfrm>
+            <a:off x="4647118" y="2950747"/>
+            <a:ext cx="1070934" cy="261610"/>
+          </a:xfrm>
+          <a:prstGeom prst="rect">
+            <a:avLst/>
+          </a:prstGeom>
+          <a:noFill/>
+        </p:spPr>
+        <p:txBody>
+          <a:bodyPr wrap="square" rtlCol="0">
+            <a:spAutoFit/>
+          </a:bodyPr>
+          <a:lstStyle/>
+          <a:p>
+            <a:pPr algn="ctr"/>
+            <a:r>
+              <a:rPr lang="en-US" sz="1100" i="1" dirty="0">
+                <a:solidFill>
+                  <a:schemeClr val="tx2">
+                    <a:lumMod val="75000"/>
+                  </a:schemeClr>
+                </a:solidFill>
+              </a:rPr>
+              <a:t>Electric heater</a:t>
+            </a:r>
+          </a:p>
+        </p:txBody>
+      </p:sp>
+      <p:sp>
+        <p:nvSpPr>
+          <p:cNvPr id="4" name="TextBox 3">
+            <a:extLst>
+              <a:ext uri="{FF2B5EF4-FFF2-40B4-BE49-F238E27FC236}">
+                <a16:creationId xmlns:a16="http://schemas.microsoft.com/office/drawing/2014/main" id="{252C9C18-A638-9EEE-A0B4-9773A9F57451}"/>
+              </a:ext>
+            </a:extLst>
+          </p:cNvPr>
+          <p:cNvSpPr txBox="1"/>
+          <p:nvPr/>
+        </p:nvSpPr>
+        <p:spPr>
+          <a:xfrm>
+            <a:off x="5540024" y="2949766"/>
+            <a:ext cx="1070934" cy="261610"/>
+          </a:xfrm>
+          <a:prstGeom prst="rect">
+            <a:avLst/>
+          </a:prstGeom>
+          <a:noFill/>
+        </p:spPr>
+        <p:txBody>
+          <a:bodyPr wrap="square" rtlCol="0">
+            <a:spAutoFit/>
+          </a:bodyPr>
+          <a:lstStyle/>
+          <a:p>
+            <a:pPr algn="ctr"/>
+            <a:r>
+              <a:rPr lang="en-US" sz="1100" i="1" dirty="0">
+                <a:solidFill>
+                  <a:schemeClr val="tx2">
+                    <a:lumMod val="75000"/>
+                  </a:schemeClr>
+                </a:solidFill>
+              </a:rPr>
+              <a:t>Heat pump</a:t>
+            </a:r>
+          </a:p>
+        </p:txBody>
+      </p:sp>
+      <p:sp>
+        <p:nvSpPr>
+          <p:cNvPr id="7" name="TextBox 6">
+            <a:extLst>
+              <a:ext uri="{FF2B5EF4-FFF2-40B4-BE49-F238E27FC236}">
+                <a16:creationId xmlns:a16="http://schemas.microsoft.com/office/drawing/2014/main" id="{E1B90769-86B4-05AE-8B6D-924A27DDE5FA}"/>
+              </a:ext>
+            </a:extLst>
+          </p:cNvPr>
+          <p:cNvSpPr txBox="1"/>
+          <p:nvPr/>
+        </p:nvSpPr>
+        <p:spPr>
+          <a:xfrm>
+            <a:off x="3581027" y="5973910"/>
+            <a:ext cx="1070934" cy="430887"/>
+          </a:xfrm>
+          <a:prstGeom prst="rect">
+            <a:avLst/>
+          </a:prstGeom>
+          <a:noFill/>
+        </p:spPr>
+        <p:txBody>
+          <a:bodyPr wrap="square" rtlCol="0">
+            <a:spAutoFit/>
+          </a:bodyPr>
+          <a:lstStyle/>
+          <a:p>
+            <a:pPr algn="ctr"/>
+            <a:r>
+              <a:rPr lang="en-US" sz="1100" i="1" dirty="0">
+                <a:solidFill>
+                  <a:schemeClr val="tx2">
+                    <a:lumMod val="75000"/>
+                  </a:schemeClr>
+                </a:solidFill>
+              </a:rPr>
+              <a:t>Non-shiftable</a:t>
+            </a:r>
+            <a:br>
+              <a:rPr lang="en-US" sz="1100" i="1" dirty="0">
+                <a:solidFill>
+                  <a:schemeClr val="tx2">
+                    <a:lumMod val="75000"/>
+                  </a:schemeClr>
+                </a:solidFill>
+              </a:rPr>
+            </a:br>
+            <a:r>
+              <a:rPr lang="en-US" sz="1100" i="1" dirty="0">
+                <a:solidFill>
+                  <a:schemeClr val="tx2">
+                    <a:lumMod val="75000"/>
+                  </a:schemeClr>
+                </a:solidFill>
+              </a:rPr>
+              <a:t>plug loads</a:t>
+            </a:r>
+          </a:p>
+        </p:txBody>
+      </p:sp>
+      <p:sp>
+        <p:nvSpPr>
+          <p:cNvPr id="9" name="TextBox 8">
+            <a:extLst>
+              <a:ext uri="{FF2B5EF4-FFF2-40B4-BE49-F238E27FC236}">
+                <a16:creationId xmlns:a16="http://schemas.microsoft.com/office/drawing/2014/main" id="{D8F974D3-4415-7E20-BD2A-79FA7D6A5E19}"/>
+              </a:ext>
+            </a:extLst>
+          </p:cNvPr>
+          <p:cNvSpPr txBox="1"/>
+          <p:nvPr/>
+        </p:nvSpPr>
+        <p:spPr>
+          <a:xfrm>
+            <a:off x="4639343" y="5973910"/>
+            <a:ext cx="1070934" cy="430887"/>
+          </a:xfrm>
+          <a:prstGeom prst="rect">
+            <a:avLst/>
+          </a:prstGeom>
+          <a:noFill/>
+        </p:spPr>
+        <p:txBody>
+          <a:bodyPr wrap="square" rtlCol="0">
+            <a:spAutoFit/>
+          </a:bodyPr>
+          <a:lstStyle/>
+          <a:p>
+            <a:pPr algn="ctr"/>
+            <a:r>
+              <a:rPr lang="en-US" sz="1100" i="1" dirty="0">
+                <a:solidFill>
+                  <a:schemeClr val="tx2">
+                    <a:lumMod val="75000"/>
+                  </a:schemeClr>
+                </a:solidFill>
+              </a:rPr>
+              <a:t>Domestic hot water heating</a:t>
+            </a:r>
+          </a:p>
+        </p:txBody>
+      </p:sp>
+      <p:sp>
+        <p:nvSpPr>
+          <p:cNvPr id="10" name="TextBox 9">
+            <a:extLst>
+              <a:ext uri="{FF2B5EF4-FFF2-40B4-BE49-F238E27FC236}">
+                <a16:creationId xmlns:a16="http://schemas.microsoft.com/office/drawing/2014/main" id="{000F29E1-48F7-3074-B783-B00BCE4CFCF5}"/>
+              </a:ext>
+            </a:extLst>
+          </p:cNvPr>
+          <p:cNvSpPr txBox="1"/>
+          <p:nvPr/>
+        </p:nvSpPr>
+        <p:spPr>
+          <a:xfrm>
+            <a:off x="5571347" y="5962348"/>
+            <a:ext cx="1070934" cy="430887"/>
+          </a:xfrm>
+          <a:prstGeom prst="rect">
+            <a:avLst/>
+          </a:prstGeom>
+          <a:noFill/>
+        </p:spPr>
+        <p:txBody>
+          <a:bodyPr wrap="square" rtlCol="0">
+            <a:spAutoFit/>
+          </a:bodyPr>
+          <a:lstStyle/>
+          <a:p>
+            <a:pPr algn="ctr"/>
+            <a:r>
+              <a:rPr lang="en-US" sz="1100" i="1" dirty="0">
+                <a:solidFill>
+                  <a:schemeClr val="tx2">
+                    <a:lumMod val="75000"/>
+                  </a:schemeClr>
+                </a:solidFill>
+              </a:rPr>
+              <a:t>Space cooling &amp; heating</a:t>
+            </a:r>
+          </a:p>
+        </p:txBody>
+      </p:sp>
+      <p:sp>
+        <p:nvSpPr>
+          <p:cNvPr id="12" name="TextBox 11">
+            <a:extLst>
+              <a:ext uri="{FF2B5EF4-FFF2-40B4-BE49-F238E27FC236}">
+                <a16:creationId xmlns:a16="http://schemas.microsoft.com/office/drawing/2014/main" id="{8D0BE420-4D5F-561C-844C-D581547A8F7B}"/>
+              </a:ext>
+            </a:extLst>
+          </p:cNvPr>
+          <p:cNvSpPr txBox="1"/>
+          <p:nvPr/>
+        </p:nvSpPr>
+        <p:spPr>
+          <a:xfrm>
+            <a:off x="5704008" y="4344679"/>
+            <a:ext cx="847929" cy="430887"/>
+          </a:xfrm>
+          <a:prstGeom prst="rect">
+            <a:avLst/>
+          </a:prstGeom>
+          <a:noFill/>
+        </p:spPr>
+        <p:txBody>
+          <a:bodyPr wrap="square" rtlCol="0">
+            <a:spAutoFit/>
+          </a:bodyPr>
+          <a:lstStyle/>
+          <a:p>
+            <a:pPr algn="ctr"/>
+            <a:r>
+              <a:rPr lang="en-US" sz="1100" i="1" dirty="0">
+                <a:solidFill>
+                  <a:schemeClr val="tx2">
+                    <a:lumMod val="75000"/>
+                  </a:schemeClr>
+                </a:solidFill>
+              </a:rPr>
+              <a:t>Cooling </a:t>
+            </a:r>
+            <a:br>
+              <a:rPr lang="en-US" sz="1100" i="1" dirty="0">
+                <a:solidFill>
+                  <a:schemeClr val="tx2">
+                    <a:lumMod val="75000"/>
+                  </a:schemeClr>
+                </a:solidFill>
+              </a:rPr>
+            </a:br>
+            <a:r>
+              <a:rPr lang="en-US" sz="1100" i="1" dirty="0">
+                <a:solidFill>
+                  <a:schemeClr val="tx2">
+                    <a:lumMod val="75000"/>
+                  </a:schemeClr>
+                </a:solidFill>
+              </a:rPr>
+              <a:t>storage</a:t>
+            </a:r>
+          </a:p>
+        </p:txBody>
+      </p:sp>
+      <p:sp>
+        <p:nvSpPr>
+          <p:cNvPr id="16" name="TextBox 15">
+            <a:extLst>
+              <a:ext uri="{FF2B5EF4-FFF2-40B4-BE49-F238E27FC236}">
+                <a16:creationId xmlns:a16="http://schemas.microsoft.com/office/drawing/2014/main" id="{90F35BE7-FB33-C349-F7B4-C2FC19C110DF}"/>
+              </a:ext>
+            </a:extLst>
+          </p:cNvPr>
+          <p:cNvSpPr txBox="1"/>
+          <p:nvPr/>
+        </p:nvSpPr>
+        <p:spPr>
+          <a:xfrm>
+            <a:off x="4511824" y="4346470"/>
+            <a:ext cx="1296144" cy="600164"/>
+          </a:xfrm>
+          <a:prstGeom prst="rect">
+            <a:avLst/>
+          </a:prstGeom>
+          <a:noFill/>
+        </p:spPr>
+        <p:txBody>
+          <a:bodyPr wrap="square" rtlCol="0">
+            <a:spAutoFit/>
+          </a:bodyPr>
+          <a:lstStyle/>
+          <a:p>
+            <a:pPr algn="ctr"/>
+            <a:r>
+              <a:rPr lang="en-US" sz="1100" i="1" dirty="0">
+                <a:solidFill>
+                  <a:schemeClr val="tx2">
+                    <a:lumMod val="75000"/>
+                  </a:schemeClr>
+                </a:solidFill>
+              </a:rPr>
+              <a:t>Domestic hot water and/or space heating storage</a:t>
+            </a:r>
+          </a:p>
+        </p:txBody>
+      </p:sp>
+      <p:sp>
+        <p:nvSpPr>
+          <p:cNvPr id="17" name="TextBox 16">
+            <a:extLst>
+              <a:ext uri="{FF2B5EF4-FFF2-40B4-BE49-F238E27FC236}">
+                <a16:creationId xmlns:a16="http://schemas.microsoft.com/office/drawing/2014/main" id="{9C55B49F-DBBD-88D0-665D-B3DC36E09168}"/>
+              </a:ext>
+            </a:extLst>
+          </p:cNvPr>
+          <p:cNvSpPr txBox="1"/>
+          <p:nvPr/>
+        </p:nvSpPr>
+        <p:spPr>
+          <a:xfrm>
+            <a:off x="3503713" y="4343902"/>
+            <a:ext cx="847929" cy="261610"/>
+          </a:xfrm>
+          <a:prstGeom prst="rect">
+            <a:avLst/>
+          </a:prstGeom>
+          <a:noFill/>
+        </p:spPr>
+        <p:txBody>
+          <a:bodyPr wrap="square" rtlCol="0">
+            <a:spAutoFit/>
+          </a:bodyPr>
+          <a:lstStyle/>
+          <a:p>
+            <a:pPr algn="ctr"/>
+            <a:r>
+              <a:rPr lang="en-US" sz="1100" i="1" dirty="0">
+                <a:solidFill>
+                  <a:schemeClr val="tx2">
+                    <a:lumMod val="75000"/>
+                  </a:schemeClr>
+                </a:solidFill>
+              </a:rPr>
+              <a:t>Battery</a:t>
+            </a:r>
+          </a:p>
+        </p:txBody>
+      </p:sp>
+      <p:sp>
+        <p:nvSpPr>
+          <p:cNvPr id="19" name="TextBox 18">
+            <a:extLst>
+              <a:ext uri="{FF2B5EF4-FFF2-40B4-BE49-F238E27FC236}">
+                <a16:creationId xmlns:a16="http://schemas.microsoft.com/office/drawing/2014/main" id="{E19866B2-A014-797A-4A67-91F2F1EA08B7}"/>
+              </a:ext>
+            </a:extLst>
+          </p:cNvPr>
+          <p:cNvSpPr txBox="1"/>
+          <p:nvPr/>
+        </p:nvSpPr>
+        <p:spPr>
+          <a:xfrm>
+            <a:off x="3492467" y="2301115"/>
+            <a:ext cx="847929" cy="261610"/>
+          </a:xfrm>
+          <a:prstGeom prst="rect">
+            <a:avLst/>
+          </a:prstGeom>
+          <a:noFill/>
+        </p:spPr>
+        <p:txBody>
+          <a:bodyPr wrap="square" rtlCol="0">
+            <a:spAutoFit/>
+          </a:bodyPr>
+          <a:lstStyle/>
+          <a:p>
+            <a:pPr algn="ctr"/>
+            <a:r>
+              <a:rPr lang="en-US" sz="1100" i="1" dirty="0">
+                <a:solidFill>
+                  <a:schemeClr val="tx2">
+                    <a:lumMod val="75000"/>
+                  </a:schemeClr>
+                </a:solidFill>
+              </a:rPr>
+              <a:t>Grid</a:t>
+            </a:r>
+          </a:p>
+        </p:txBody>
+      </p:sp>
+      <p:sp>
+        <p:nvSpPr>
+          <p:cNvPr id="20" name="TextBox 19">
+            <a:extLst>
+              <a:ext uri="{FF2B5EF4-FFF2-40B4-BE49-F238E27FC236}">
+                <a16:creationId xmlns:a16="http://schemas.microsoft.com/office/drawing/2014/main" id="{F95030F2-951A-1464-98B5-4778F06F2ECD}"/>
+              </a:ext>
+            </a:extLst>
+          </p:cNvPr>
+          <p:cNvSpPr txBox="1"/>
+          <p:nvPr/>
+        </p:nvSpPr>
+        <p:spPr>
+          <a:xfrm>
+            <a:off x="3496645" y="3154141"/>
+            <a:ext cx="847929" cy="261610"/>
+          </a:xfrm>
+          <a:prstGeom prst="rect">
+            <a:avLst/>
+          </a:prstGeom>
+          <a:noFill/>
+        </p:spPr>
+        <p:txBody>
+          <a:bodyPr wrap="square" rtlCol="0">
+            <a:spAutoFit/>
+          </a:bodyPr>
+          <a:lstStyle/>
+          <a:p>
+            <a:pPr algn="ctr"/>
+            <a:r>
+              <a:rPr lang="en-US" sz="1100" i="1" dirty="0">
+                <a:solidFill>
+                  <a:schemeClr val="tx2">
+                    <a:lumMod val="75000"/>
+                  </a:schemeClr>
+                </a:solidFill>
+              </a:rPr>
+              <a:t>Solar PV</a:t>
+            </a:r>
+          </a:p>
+        </p:txBody>
+      </p:sp>
+      <p:sp>
+        <p:nvSpPr>
+          <p:cNvPr id="21" name="TextBox 20">
+            <a:extLst>
+              <a:ext uri="{FF2B5EF4-FFF2-40B4-BE49-F238E27FC236}">
+                <a16:creationId xmlns:a16="http://schemas.microsoft.com/office/drawing/2014/main" id="{9646944C-E545-CC65-C376-35CE2B679906}"/>
+              </a:ext>
+            </a:extLst>
+          </p:cNvPr>
+          <p:cNvSpPr txBox="1"/>
+          <p:nvPr/>
+        </p:nvSpPr>
+        <p:spPr>
+          <a:xfrm>
+            <a:off x="6599332" y="2359913"/>
+            <a:ext cx="1008837" cy="276999"/>
+          </a:xfrm>
+          <a:prstGeom prst="rect">
+            <a:avLst/>
+          </a:prstGeom>
+          <a:noFill/>
+        </p:spPr>
+        <p:txBody>
+          <a:bodyPr wrap="square" rtlCol="0">
+            <a:spAutoFit/>
+          </a:bodyPr>
+          <a:lstStyle/>
+          <a:p>
+            <a:pPr algn="ctr"/>
+            <a:r>
+              <a:rPr lang="en-US" sz="1200" b="1" dirty="0"/>
+              <a:t>Power</a:t>
+            </a:r>
+          </a:p>
+        </p:txBody>
+      </p:sp>
+      <p:cxnSp>
+        <p:nvCxnSpPr>
+          <p:cNvPr id="24" name="Straight Arrow Connector 23">
+            <a:extLst>
+              <a:ext uri="{FF2B5EF4-FFF2-40B4-BE49-F238E27FC236}">
+                <a16:creationId xmlns:a16="http://schemas.microsoft.com/office/drawing/2014/main" id="{2331EED1-A828-CDC3-1182-038326048AE0}"/>
+              </a:ext>
+            </a:extLst>
+          </p:cNvPr>
+          <p:cNvCxnSpPr>
+            <a:cxnSpLocks/>
+            <a:stCxn id="58" idx="0"/>
+            <a:endCxn id="46" idx="3"/>
+          </p:cNvCxnSpPr>
+          <p:nvPr/>
+        </p:nvCxnSpPr>
+        <p:spPr>
+          <a:xfrm rot="16200000" flipV="1">
+            <a:off x="6871924" y="2351748"/>
+            <a:ext cx="797913" cy="1378657"/>
+          </a:xfrm>
+          <a:prstGeom prst="bentConnector2">
+            <a:avLst/>
+          </a:prstGeom>
+          <a:ln w="28575">
+            <a:tailEnd type="triangle"/>
+          </a:ln>
+        </p:spPr>
+        <p:style>
+          <a:lnRef idx="1">
+            <a:schemeClr val="dk1"/>
+          </a:lnRef>
+          <a:fillRef idx="0">
+            <a:schemeClr val="dk1"/>
+          </a:fillRef>
+          <a:effectRef idx="0">
+            <a:schemeClr val="dk1"/>
+          </a:effectRef>
+          <a:fontRef idx="minor">
+            <a:schemeClr val="tx1"/>
+          </a:fontRef>
+        </p:style>
+      </p:cxnSp>
+      <p:sp>
+        <p:nvSpPr>
+          <p:cNvPr id="35" name="TextBox 34">
+            <a:extLst>
+              <a:ext uri="{FF2B5EF4-FFF2-40B4-BE49-F238E27FC236}">
+                <a16:creationId xmlns:a16="http://schemas.microsoft.com/office/drawing/2014/main" id="{C7FA50B3-91A7-8B9A-3D20-AD2E9C97EF1A}"/>
+              </a:ext>
+            </a:extLst>
+          </p:cNvPr>
+          <p:cNvSpPr txBox="1"/>
+          <p:nvPr/>
+        </p:nvSpPr>
+        <p:spPr>
+          <a:xfrm>
+            <a:off x="5074327" y="1063768"/>
+            <a:ext cx="1567954" cy="338554"/>
+          </a:xfrm>
+          <a:prstGeom prst="rect">
+            <a:avLst/>
+          </a:prstGeom>
+          <a:noFill/>
+        </p:spPr>
+        <p:txBody>
+          <a:bodyPr wrap="square" rtlCol="0">
+            <a:spAutoFit/>
+          </a:bodyPr>
+          <a:lstStyle/>
+          <a:p>
+            <a:pPr algn="ctr"/>
+            <a:r>
+              <a:rPr lang="en-US" sz="1600" b="1" dirty="0"/>
+              <a:t>Building 1</a:t>
+            </a:r>
+          </a:p>
+        </p:txBody>
+      </p:sp>
     </p:spTree>
     <p:extLst>
       <p:ext uri="{BB962C8B-B14F-4D97-AF65-F5344CB8AC3E}">
-        <p14:creationId xmlns:p14="http://schemas.microsoft.com/office/powerpoint/2010/main" val="3317829936"/>
+        <p14:creationId xmlns:p14="http://schemas.microsoft.com/office/powerpoint/2010/main" val="979065800"/>
       </p:ext>
     </p:extLst>
   </p:cSld>
@@ -3781,6 +5483,66 @@
           <a:chExt cx="0" cy="0"/>
         </a:xfrm>
       </p:grpSpPr>
+      <p:pic>
+        <p:nvPicPr>
+          <p:cNvPr id="2" name="Picture 1">
+            <a:extLst>
+              <a:ext uri="{FF2B5EF4-FFF2-40B4-BE49-F238E27FC236}">
+                <a16:creationId xmlns:a16="http://schemas.microsoft.com/office/drawing/2014/main" id="{ED7714F7-D8C6-E1C1-EA3B-684CCB0824A6}"/>
+              </a:ext>
+            </a:extLst>
+          </p:cNvPr>
+          <p:cNvPicPr>
+            <a:picLocks noChangeAspect="1"/>
+          </p:cNvPicPr>
+          <p:nvPr/>
+        </p:nvPicPr>
+        <p:blipFill>
+          <a:blip r:embed="rId2"/>
+          <a:stretch>
+            <a:fillRect/>
+          </a:stretch>
+        </p:blipFill>
+        <p:spPr>
+          <a:xfrm>
+            <a:off x="3276600" y="425450"/>
+            <a:ext cx="5638800" cy="6007100"/>
+          </a:xfrm>
+          <a:prstGeom prst="rect">
+            <a:avLst/>
+          </a:prstGeom>
+        </p:spPr>
+      </p:pic>
+    </p:spTree>
+    <p:extLst>
+      <p:ext uri="{BB962C8B-B14F-4D97-AF65-F5344CB8AC3E}">
+        <p14:creationId xmlns:p14="http://schemas.microsoft.com/office/powerpoint/2010/main" val="3317829936"/>
+      </p:ext>
+    </p:extLst>
+  </p:cSld>
+  <p:clrMapOvr>
+    <a:masterClrMapping/>
+  </p:clrMapOvr>
+</p:sld>
+</file>
+
+<file path=ppt/slides/slide4.xml><?xml version="1.0" encoding="utf-8"?>
+<p:sld xmlns:a="http://schemas.openxmlformats.org/drawingml/2006/main" xmlns:r="http://schemas.openxmlformats.org/officeDocument/2006/relationships" xmlns:p="http://schemas.openxmlformats.org/presentationml/2006/main">
+  <p:cSld>
+    <p:spTree>
+      <p:nvGrpSpPr>
+        <p:cNvPr id="1" name=""/>
+        <p:cNvGrpSpPr/>
+        <p:nvPr/>
+      </p:nvGrpSpPr>
+      <p:grpSpPr>
+        <a:xfrm>
+          <a:off x="0" y="0"/>
+          <a:ext cx="0" cy="0"/>
+          <a:chOff x="0" y="0"/>
+          <a:chExt cx="0" cy="0"/>
+        </a:xfrm>
+      </p:grpSpPr>
       <p:sp>
         <p:nvSpPr>
           <p:cNvPr id="263" name="Rounded Rectangle 262">
@@ -3795,8 +5557,8 @@
         </p:nvSpPr>
         <p:spPr>
           <a:xfrm rot="5400000">
-            <a:off x="5575482" y="-1059967"/>
-            <a:ext cx="2500643" cy="8228359"/>
+            <a:off x="5222084" y="45732"/>
+            <a:ext cx="2467909" cy="7488835"/>
           </a:xfrm>
           <a:prstGeom prst="roundRect">
             <a:avLst>
@@ -3853,8 +5615,8 @@
         </p:nvSpPr>
         <p:spPr>
           <a:xfrm rot="5400000">
-            <a:off x="5997712" y="1090454"/>
-            <a:ext cx="1656183" cy="8228359"/>
+            <a:off x="5627948" y="2179788"/>
+            <a:ext cx="1656183" cy="7488832"/>
           </a:xfrm>
           <a:prstGeom prst="roundRect">
             <a:avLst>
@@ -3911,8 +5673,8 @@
         </p:nvSpPr>
         <p:spPr>
           <a:xfrm rot="5400000">
-            <a:off x="6118006" y="-3073727"/>
-            <a:ext cx="1415593" cy="8228359"/>
+            <a:off x="5275447" y="-2447189"/>
+            <a:ext cx="2361188" cy="7488834"/>
           </a:xfrm>
           <a:prstGeom prst="roundRect">
             <a:avLst>
@@ -3968,8 +5730,8 @@
         </p:nvSpPr>
         <p:spPr>
           <a:xfrm rot="5400000">
-            <a:off x="9866787" y="844227"/>
-            <a:ext cx="792088" cy="792088"/>
+            <a:off x="9107152" y="481931"/>
+            <a:ext cx="792088" cy="962471"/>
           </a:xfrm>
           <a:prstGeom prst="roundRect">
             <a:avLst>
@@ -4023,8 +5785,8 @@
         </p:nvSpPr>
         <p:spPr>
           <a:xfrm rot="10800000">
-            <a:off x="5683397" y="866444"/>
-            <a:ext cx="3888432" cy="739065"/>
+            <a:off x="5683394" y="589336"/>
+            <a:ext cx="3076895" cy="739065"/>
           </a:xfrm>
           <a:prstGeom prst="roundRect">
             <a:avLst>
@@ -4078,7 +5840,7 @@
         </p:nvSpPr>
         <p:spPr>
           <a:xfrm rot="5400000">
-            <a:off x="3897101" y="121374"/>
+            <a:off x="3897101" y="-139643"/>
             <a:ext cx="757360" cy="2225317"/>
           </a:xfrm>
           <a:prstGeom prst="roundRect">
@@ -4133,7 +5895,7 @@
         </p:nvSpPr>
         <p:spPr>
           <a:xfrm>
-            <a:off x="6763516" y="994362"/>
+            <a:off x="6763516" y="717258"/>
             <a:ext cx="864095" cy="504056"/>
           </a:xfrm>
           <a:prstGeom prst="roundRect">
@@ -4182,7 +5944,7 @@
                   <a:schemeClr val="tx1"/>
                 </a:solidFill>
               </a:rPr>
-              <a:t> model </a:t>
+              <a:t> Model </a:t>
             </a:r>
             <a:br>
               <a:rPr lang="en-US" sz="900" b="1" dirty="0">
@@ -4232,7 +5994,7 @@
         </p:nvSpPr>
         <p:spPr>
           <a:xfrm>
-            <a:off x="5827412" y="994362"/>
+            <a:off x="5827412" y="717258"/>
             <a:ext cx="755953" cy="504056"/>
           </a:xfrm>
           <a:prstGeom prst="roundRect">
@@ -4273,7 +6035,7 @@
                   <a:schemeClr val="tx1"/>
                 </a:solidFill>
               </a:rPr>
-              <a:t>Building metadata (.parquet)</a:t>
+              <a:t>Building Metadata (.parquet)</a:t>
             </a:r>
           </a:p>
         </p:txBody>
@@ -4292,7 +6054,7 @@
         </p:nvSpPr>
         <p:spPr>
           <a:xfrm>
-            <a:off x="7843636" y="995253"/>
+            <a:off x="7843636" y="718149"/>
             <a:ext cx="755957" cy="504056"/>
           </a:xfrm>
           <a:prstGeom prst="roundRect">
@@ -4333,7 +6095,7 @@
                   <a:schemeClr val="tx1"/>
                 </a:solidFill>
               </a:rPr>
-              <a:t>Building schedules</a:t>
+              <a:t>Building Schedules</a:t>
             </a:r>
             <a:br>
               <a:rPr lang="en-US" sz="900" b="1" dirty="0">
@@ -4355,10 +6117,10 @@
       </p:sp>
       <p:sp>
         <p:nvSpPr>
-          <p:cNvPr id="25" name="Rounded Rectangle 24">
-            <a:extLst>
-              <a:ext uri="{FF2B5EF4-FFF2-40B4-BE49-F238E27FC236}">
-                <a16:creationId xmlns:a16="http://schemas.microsoft.com/office/drawing/2014/main" id="{607F76D4-264A-C9AE-7131-D8D768D72690}"/>
+          <p:cNvPr id="27" name="Rounded Rectangle 26">
+            <a:extLst>
+              <a:ext uri="{FF2B5EF4-FFF2-40B4-BE49-F238E27FC236}">
+                <a16:creationId xmlns:a16="http://schemas.microsoft.com/office/drawing/2014/main" id="{16A78B77-08CB-62AA-A454-A419D0061281}"/>
               </a:ext>
             </a:extLst>
           </p:cNvPr>
@@ -4367,8 +6129,8 @@
         </p:nvSpPr>
         <p:spPr>
           <a:xfrm>
-            <a:off x="8742012" y="995253"/>
-            <a:ext cx="685801" cy="504056"/>
+            <a:off x="9120336" y="661497"/>
+            <a:ext cx="753742" cy="285837"/>
           </a:xfrm>
           <a:prstGeom prst="roundRect">
             <a:avLst/>
@@ -4408,32 +6170,17 @@
                   <a:schemeClr val="tx1"/>
                 </a:solidFill>
               </a:rPr>
-              <a:t>Weather </a:t>
-            </a:r>
-            <a:br>
-              <a:rPr lang="en-US" sz="900" b="1" dirty="0">
-                <a:solidFill>
-                  <a:schemeClr val="tx1"/>
-                </a:solidFill>
-              </a:rPr>
-            </a:br>
-            <a:r>
-              <a:rPr lang="en-US" sz="900" b="1" dirty="0">
-                <a:solidFill>
-                  <a:schemeClr val="tx1"/>
-                </a:solidFill>
-              </a:rPr>
-              <a:t>(.csv)</a:t>
-            </a:r>
-          </a:p>
-        </p:txBody>
-      </p:sp>
-      <p:sp>
-        <p:nvSpPr>
-          <p:cNvPr id="27" name="Rounded Rectangle 26">
-            <a:extLst>
-              <a:ext uri="{FF2B5EF4-FFF2-40B4-BE49-F238E27FC236}">
-                <a16:creationId xmlns:a16="http://schemas.microsoft.com/office/drawing/2014/main" id="{16A78B77-08CB-62AA-A454-A419D0061281}"/>
+              <a:t>TMY3</a:t>
+            </a:r>
+          </a:p>
+        </p:txBody>
+      </p:sp>
+      <p:sp>
+        <p:nvSpPr>
+          <p:cNvPr id="28" name="Rounded Rectangle 27">
+            <a:extLst>
+              <a:ext uri="{FF2B5EF4-FFF2-40B4-BE49-F238E27FC236}">
+                <a16:creationId xmlns:a16="http://schemas.microsoft.com/office/drawing/2014/main" id="{CA213396-D9E9-E0C1-7FA5-3AFC055769A5}"/>
               </a:ext>
             </a:extLst>
           </p:cNvPr>
@@ -4442,8 +6189,8 @@
         </p:nvSpPr>
         <p:spPr>
           <a:xfrm>
-            <a:off x="10009206" y="960966"/>
-            <a:ext cx="532388" cy="285837"/>
+            <a:off x="9120336" y="982923"/>
+            <a:ext cx="753742" cy="285837"/>
           </a:xfrm>
           <a:prstGeom prst="roundRect">
             <a:avLst/>
@@ -4478,22 +6225,27 @@
           <a:p>
             <a:pPr algn="ctr"/>
             <a:r>
-              <a:rPr lang="en-US" sz="900" b="1" dirty="0">
+              <a:rPr lang="en-US" sz="900" b="1" dirty="0" err="1">
                 <a:solidFill>
                   <a:schemeClr val="tx1"/>
                 </a:solidFill>
               </a:rPr>
-              <a:t>TMY</a:t>
-            </a:r>
-          </a:p>
-        </p:txBody>
-      </p:sp>
-      <p:sp>
-        <p:nvSpPr>
-          <p:cNvPr id="28" name="Rounded Rectangle 27">
-            <a:extLst>
-              <a:ext uri="{FF2B5EF4-FFF2-40B4-BE49-F238E27FC236}">
-                <a16:creationId xmlns:a16="http://schemas.microsoft.com/office/drawing/2014/main" id="{CA213396-D9E9-E0C1-7FA5-3AFC055769A5}"/>
+              <a:t>Meteostat</a:t>
+            </a:r>
+            <a:endParaRPr lang="en-US" sz="900" b="1" dirty="0">
+              <a:solidFill>
+                <a:schemeClr val="tx1"/>
+              </a:solidFill>
+            </a:endParaRPr>
+          </a:p>
+        </p:txBody>
+      </p:sp>
+      <p:sp>
+        <p:nvSpPr>
+          <p:cNvPr id="30" name="Rounded Rectangle 29">
+            <a:extLst>
+              <a:ext uri="{FF2B5EF4-FFF2-40B4-BE49-F238E27FC236}">
+                <a16:creationId xmlns:a16="http://schemas.microsoft.com/office/drawing/2014/main" id="{E86B9150-8F03-B001-D37A-7B59F0DCFDBB}"/>
               </a:ext>
             </a:extLst>
           </p:cNvPr>
@@ -4502,8 +6254,8 @@
         </p:nvSpPr>
         <p:spPr>
           <a:xfrm>
-            <a:off x="10009206" y="1282392"/>
-            <a:ext cx="532388" cy="285837"/>
+            <a:off x="4509802" y="711137"/>
+            <a:ext cx="746630" cy="504056"/>
           </a:xfrm>
           <a:prstGeom prst="roundRect">
             <a:avLst/>
@@ -4543,17 +6295,17 @@
                   <a:schemeClr val="tx1"/>
                 </a:solidFill>
               </a:rPr>
-              <a:t>NOAA</a:t>
-            </a:r>
-          </a:p>
-        </p:txBody>
-      </p:sp>
-      <p:sp>
-        <p:nvSpPr>
-          <p:cNvPr id="30" name="Rounded Rectangle 29">
-            <a:extLst>
-              <a:ext uri="{FF2B5EF4-FFF2-40B4-BE49-F238E27FC236}">
-                <a16:creationId xmlns:a16="http://schemas.microsoft.com/office/drawing/2014/main" id="{E86B9150-8F03-B001-D37A-7B59F0DCFDBB}"/>
+              <a:t>K-means Clustering</a:t>
+            </a:r>
+          </a:p>
+        </p:txBody>
+      </p:sp>
+      <p:sp>
+        <p:nvSpPr>
+          <p:cNvPr id="33" name="Rounded Rectangle 32">
+            <a:extLst>
+              <a:ext uri="{FF2B5EF4-FFF2-40B4-BE49-F238E27FC236}">
+                <a16:creationId xmlns:a16="http://schemas.microsoft.com/office/drawing/2014/main" id="{F76D5F61-4F81-2884-0420-2637C297334F}"/>
               </a:ext>
             </a:extLst>
           </p:cNvPr>
@@ -4562,8 +6314,8 @@
         </p:nvSpPr>
         <p:spPr>
           <a:xfrm>
-            <a:off x="4509802" y="988241"/>
-            <a:ext cx="746630" cy="504056"/>
+            <a:off x="3277103" y="713324"/>
+            <a:ext cx="1019719" cy="504056"/>
           </a:xfrm>
           <a:prstGeom prst="roundRect">
             <a:avLst/>
@@ -4598,30 +6350,22 @@
           <a:p>
             <a:pPr algn="ctr"/>
             <a:r>
-              <a:rPr lang="en-US" sz="900" b="1" dirty="0" err="1">
-                <a:solidFill>
-                  <a:schemeClr val="tx1"/>
-                </a:solidFill>
-              </a:rPr>
-              <a:t>Kmeans</a:t>
-            </a:r>
-            <a:r>
               <a:rPr lang="en-US" sz="900" b="1" dirty="0">
                 <a:solidFill>
                   <a:schemeClr val="tx1"/>
                 </a:solidFill>
               </a:rPr>
-              <a:t> Clustering</a:t>
-            </a:r>
-          </a:p>
-        </p:txBody>
-      </p:sp>
-      <p:sp>
-        <p:nvSpPr>
-          <p:cNvPr id="33" name="Rounded Rectangle 32">
-            <a:extLst>
-              <a:ext uri="{FF2B5EF4-FFF2-40B4-BE49-F238E27FC236}">
-                <a16:creationId xmlns:a16="http://schemas.microsoft.com/office/drawing/2014/main" id="{F76D5F61-4F81-2884-0420-2637C297334F}"/>
+              <a:t>Representative Buildings</a:t>
+            </a:r>
+          </a:p>
+        </p:txBody>
+      </p:sp>
+      <p:sp>
+        <p:nvSpPr>
+          <p:cNvPr id="34" name="Rounded Rectangle 33">
+            <a:extLst>
+              <a:ext uri="{FF2B5EF4-FFF2-40B4-BE49-F238E27FC236}">
+                <a16:creationId xmlns:a16="http://schemas.microsoft.com/office/drawing/2014/main" id="{B288CFF4-AB1F-80F8-EDDC-2E443E2355FD}"/>
               </a:ext>
             </a:extLst>
           </p:cNvPr>
@@ -4630,8 +6374,8 @@
         </p:nvSpPr>
         <p:spPr>
           <a:xfrm>
-            <a:off x="3277103" y="990428"/>
-            <a:ext cx="1019719" cy="504056"/>
+            <a:off x="9021960" y="1674202"/>
+            <a:ext cx="962472" cy="504056"/>
           </a:xfrm>
           <a:prstGeom prst="roundRect">
             <a:avLst/>
@@ -4641,7 +6385,7 @@
             <a:solidFill>
               <a:schemeClr val="tx1"/>
             </a:solidFill>
-            <a:prstDash val="solid"/>
+            <a:prstDash val="sysDot"/>
           </a:ln>
         </p:spPr>
         <p:style>
@@ -4666,66 +6410,6 @@
           <a:p>
             <a:pPr algn="ctr"/>
             <a:r>
-              <a:rPr lang="en-US" sz="900" b="1" dirty="0">
-                <a:solidFill>
-                  <a:schemeClr val="tx1"/>
-                </a:solidFill>
-              </a:rPr>
-              <a:t>Representative Neighborhoods</a:t>
-            </a:r>
-          </a:p>
-        </p:txBody>
-      </p:sp>
-      <p:sp>
-        <p:nvSpPr>
-          <p:cNvPr id="34" name="Rounded Rectangle 33">
-            <a:extLst>
-              <a:ext uri="{FF2B5EF4-FFF2-40B4-BE49-F238E27FC236}">
-                <a16:creationId xmlns:a16="http://schemas.microsoft.com/office/drawing/2014/main" id="{B288CFF4-AB1F-80F8-EDDC-2E443E2355FD}"/>
-              </a:ext>
-            </a:extLst>
-          </p:cNvPr>
-          <p:cNvSpPr/>
-          <p:nvPr/>
-        </p:nvSpPr>
-        <p:spPr>
-          <a:xfrm>
-            <a:off x="8779743" y="2000277"/>
-            <a:ext cx="1879132" cy="504056"/>
-          </a:xfrm>
-          <a:prstGeom prst="roundRect">
-            <a:avLst/>
-          </a:prstGeom>
-          <a:noFill/>
-          <a:ln w="28575">
-            <a:solidFill>
-              <a:schemeClr val="tx1"/>
-            </a:solidFill>
-            <a:prstDash val="sysDot"/>
-          </a:ln>
-        </p:spPr>
-        <p:style>
-          <a:lnRef idx="2">
-            <a:schemeClr val="accent1">
-              <a:shade val="50000"/>
-            </a:schemeClr>
-          </a:lnRef>
-          <a:fillRef idx="1">
-            <a:schemeClr val="accent1"/>
-          </a:fillRef>
-          <a:effectRef idx="0">
-            <a:schemeClr val="accent1"/>
-          </a:effectRef>
-          <a:fontRef idx="minor">
-            <a:schemeClr val="lt1"/>
-          </a:fontRef>
-        </p:style>
-        <p:txBody>
-          <a:bodyPr rtlCol="0" anchor="ctr"/>
-          <a:lstStyle/>
-          <a:p>
-            <a:pPr algn="ctr"/>
-            <a:r>
               <a:rPr lang="en-US" sz="1200" b="1" dirty="0">
                 <a:solidFill>
                   <a:schemeClr val="tx1"/>
@@ -4784,9 +6468,9 @@
           <p:nvPr/>
         </p:nvCxnSpPr>
         <p:spPr>
-          <a:xfrm flipH="1" flipV="1">
-            <a:off x="5388440" y="1234033"/>
-            <a:ext cx="438972" cy="12357"/>
+          <a:xfrm flipH="1">
+            <a:off x="5388440" y="969286"/>
+            <a:ext cx="438972" cy="3730"/>
           </a:xfrm>
           <a:prstGeom prst="straightConnector1">
             <a:avLst/>
@@ -4821,20 +6505,20 @@
           </p:cNvPr>
           <p:cNvCxnSpPr>
             <a:cxnSpLocks/>
-            <a:stCxn id="26" idx="2"/>
             <a:endCxn id="31" idx="2"/>
           </p:cNvCxnSpPr>
           <p:nvPr/>
         </p:nvCxnSpPr>
         <p:spPr>
-          <a:xfrm rot="16200000" flipH="1" flipV="1">
-            <a:off x="5211573" y="-1182007"/>
-            <a:ext cx="367589" cy="4464490"/>
-          </a:xfrm>
-          <a:prstGeom prst="bentConnector4">
+          <a:xfrm rot="10800000" flipV="1">
+            <a:off x="3163124" y="589336"/>
+            <a:ext cx="3940991" cy="383680"/>
+          </a:xfrm>
+          <a:prstGeom prst="bentConnector5">
             <a:avLst>
-              <a:gd name="adj1" fmla="val -96368"/>
-              <a:gd name="adj2" fmla="val 104317"/>
+              <a:gd name="adj1" fmla="val 79"/>
+              <a:gd name="adj2" fmla="val -73954"/>
+              <a:gd name="adj3" fmla="val 103138"/>
             </a:avLst>
           </a:prstGeom>
           <a:ln w="28575">
@@ -4859,10 +6543,10 @@
       </p:cxnSp>
       <p:sp>
         <p:nvSpPr>
-          <p:cNvPr id="48" name="Right Brace 47">
-            <a:extLst>
-              <a:ext uri="{FF2B5EF4-FFF2-40B4-BE49-F238E27FC236}">
-                <a16:creationId xmlns:a16="http://schemas.microsoft.com/office/drawing/2014/main" id="{0CD95A93-C09B-A000-EFEF-FE44D5149100}"/>
+          <p:cNvPr id="52" name="Rounded Rectangle 51">
+            <a:extLst>
+              <a:ext uri="{FF2B5EF4-FFF2-40B4-BE49-F238E27FC236}">
+                <a16:creationId xmlns:a16="http://schemas.microsoft.com/office/drawing/2014/main" id="{3C0475E2-17D1-3169-C7B7-CA2993F9F26C}"/>
               </a:ext>
             </a:extLst>
           </p:cNvPr>
@@ -4870,56 +6554,8 @@
           <p:nvPr/>
         </p:nvSpPr>
         <p:spPr>
-          <a:xfrm rot="5400000">
-            <a:off x="9495515" y="1242232"/>
-            <a:ext cx="363962" cy="1152127"/>
-          </a:xfrm>
-          <a:prstGeom prst="rightBrace">
-            <a:avLst>
-              <a:gd name="adj1" fmla="val 0"/>
-              <a:gd name="adj2" fmla="val 47767"/>
-            </a:avLst>
-          </a:prstGeom>
-          <a:ln w="28575"/>
-        </p:spPr>
-        <p:style>
-          <a:lnRef idx="1">
-            <a:schemeClr val="dk1"/>
-          </a:lnRef>
-          <a:fillRef idx="0">
-            <a:schemeClr val="dk1"/>
-          </a:fillRef>
-          <a:effectRef idx="0">
-            <a:schemeClr val="dk1"/>
-          </a:effectRef>
-          <a:fontRef idx="minor">
-            <a:schemeClr val="tx1"/>
-          </a:fontRef>
-        </p:style>
-        <p:txBody>
-          <a:bodyPr rtlCol="0" anchor="ctr"/>
-          <a:lstStyle/>
-          <a:p>
-            <a:pPr algn="ctr"/>
-            <a:endParaRPr lang="en-US"/>
-          </a:p>
-        </p:txBody>
-      </p:sp>
-      <p:sp>
-        <p:nvSpPr>
-          <p:cNvPr id="52" name="Rounded Rectangle 51">
-            <a:extLst>
-              <a:ext uri="{FF2B5EF4-FFF2-40B4-BE49-F238E27FC236}">
-                <a16:creationId xmlns:a16="http://schemas.microsoft.com/office/drawing/2014/main" id="{3C0475E2-17D1-3169-C7B7-CA2993F9F26C}"/>
-              </a:ext>
-            </a:extLst>
-          </p:cNvPr>
-          <p:cNvSpPr/>
-          <p:nvPr/>
-        </p:nvSpPr>
-        <p:spPr>
-          <a:xfrm>
-            <a:off x="5683397" y="2000277"/>
+          <a:xfrm>
+            <a:off x="5035327" y="2719847"/>
             <a:ext cx="2808314" cy="504056"/>
           </a:xfrm>
           <a:prstGeom prst="roundRect">
@@ -5000,14 +6636,14 @@
           </p:cNvPr>
           <p:cNvCxnSpPr>
             <a:cxnSpLocks/>
-            <a:endCxn id="52" idx="3"/>
+            <a:endCxn id="13" idx="3"/>
           </p:cNvCxnSpPr>
           <p:nvPr/>
         </p:nvCxnSpPr>
         <p:spPr>
-          <a:xfrm flipH="1" flipV="1">
-            <a:off x="8491711" y="2252305"/>
-            <a:ext cx="284031" cy="3059"/>
+          <a:xfrm flipH="1">
+            <a:off x="6849977" y="1927760"/>
+            <a:ext cx="2171983" cy="1687"/>
           </a:xfrm>
           <a:prstGeom prst="straightConnector1">
             <a:avLst/>
@@ -5048,7 +6684,7 @@
         </p:nvCxnSpPr>
         <p:spPr>
           <a:xfrm>
-            <a:off x="7087554" y="1612712"/>
+            <a:off x="6439484" y="2332282"/>
             <a:ext cx="0" cy="387565"/>
           </a:xfrm>
           <a:prstGeom prst="straightConnector1">
@@ -5087,7 +6723,7 @@
         </p:nvSpPr>
         <p:spPr>
           <a:xfrm>
-            <a:off x="5683398" y="2825675"/>
+            <a:off x="5035328" y="3545245"/>
             <a:ext cx="2808314" cy="504056"/>
           </a:xfrm>
           <a:prstGeom prst="roundRect">
@@ -5136,7 +6772,7 @@
                   <a:schemeClr val="tx1"/>
                 </a:solidFill>
               </a:rPr>
-              <a:t> model (.</a:t>
+              <a:t> Model (.</a:t>
             </a:r>
             <a:r>
               <a:rPr lang="en-US" sz="1200" b="1" dirty="0" err="1">
@@ -5157,48 +6793,6 @@
           </a:p>
         </p:txBody>
       </p:sp>
-      <p:cxnSp>
-        <p:nvCxnSpPr>
-          <p:cNvPr id="72" name="Straight Arrow Connector 71">
-            <a:extLst>
-              <a:ext uri="{FF2B5EF4-FFF2-40B4-BE49-F238E27FC236}">
-                <a16:creationId xmlns:a16="http://schemas.microsoft.com/office/drawing/2014/main" id="{5CECC286-4E52-62B8-05A1-8302C0C056D7}"/>
-              </a:ext>
-            </a:extLst>
-          </p:cNvPr>
-          <p:cNvCxnSpPr>
-            <a:cxnSpLocks/>
-          </p:cNvCxnSpPr>
-          <p:nvPr/>
-        </p:nvCxnSpPr>
-        <p:spPr>
-          <a:xfrm>
-            <a:off x="9101433" y="1499309"/>
-            <a:ext cx="0" cy="137006"/>
-          </a:xfrm>
-          <a:prstGeom prst="straightConnector1">
-            <a:avLst/>
-          </a:prstGeom>
-          <a:ln w="28575">
-            <a:headEnd type="none" w="med" len="med"/>
-            <a:tailEnd type="none" w="med" len="med"/>
-          </a:ln>
-        </p:spPr>
-        <p:style>
-          <a:lnRef idx="1">
-            <a:schemeClr val="dk1"/>
-          </a:lnRef>
-          <a:fillRef idx="0">
-            <a:schemeClr val="dk1"/>
-          </a:fillRef>
-          <a:effectRef idx="0">
-            <a:schemeClr val="dk1"/>
-          </a:effectRef>
-          <a:fontRef idx="minor">
-            <a:schemeClr val="tx1"/>
-          </a:fontRef>
-        </p:style>
-      </p:cxnSp>
       <p:sp>
         <p:nvSpPr>
           <p:cNvPr id="75" name="Rounded Rectangle 74">
@@ -5213,7 +6807,7 @@
         </p:nvSpPr>
         <p:spPr>
           <a:xfrm>
-            <a:off x="6394098" y="3732092"/>
+            <a:off x="5746028" y="4451662"/>
             <a:ext cx="593944" cy="376741"/>
           </a:xfrm>
           <a:prstGeom prst="roundRect">
@@ -5288,7 +6882,7 @@
         </p:nvSpPr>
         <p:spPr>
           <a:xfrm>
-            <a:off x="7124996" y="3725209"/>
+            <a:off x="6528050" y="4444779"/>
             <a:ext cx="593944" cy="376741"/>
           </a:xfrm>
           <a:prstGeom prst="roundRect">
@@ -5348,7 +6942,7 @@
         </p:nvSpPr>
         <p:spPr>
           <a:xfrm rot="5400000">
-            <a:off x="6837054" y="3164125"/>
+            <a:off x="6188984" y="3883695"/>
             <a:ext cx="500997" cy="1512166"/>
           </a:xfrm>
           <a:prstGeom prst="roundRect">
@@ -5403,8 +6997,8 @@
         </p:nvSpPr>
         <p:spPr>
           <a:xfrm>
-            <a:off x="8203237" y="3656455"/>
-            <a:ext cx="1800640" cy="504056"/>
+            <a:off x="7555167" y="4376025"/>
+            <a:ext cx="1565169" cy="504056"/>
           </a:xfrm>
           <a:prstGeom prst="roundRect">
             <a:avLst/>
@@ -5463,8 +7057,8 @@
         </p:nvSpPr>
         <p:spPr>
           <a:xfrm>
-            <a:off x="4246110" y="4592562"/>
-            <a:ext cx="5757769" cy="432048"/>
+            <a:off x="4163613" y="5312132"/>
+            <a:ext cx="4956724" cy="432048"/>
           </a:xfrm>
           <a:prstGeom prst="parallelogram">
             <a:avLst/>
@@ -5522,8 +7116,8 @@
         </p:nvSpPr>
         <p:spPr>
           <a:xfrm>
-            <a:off x="4246110" y="5456661"/>
-            <a:ext cx="5757769" cy="432048"/>
+            <a:off x="4163613" y="6176231"/>
+            <a:ext cx="4956724" cy="432048"/>
           </a:xfrm>
           <a:prstGeom prst="parallelogram">
             <a:avLst/>
@@ -5585,7 +7179,7 @@
         </p:nvCxnSpPr>
         <p:spPr>
           <a:xfrm>
-            <a:off x="7124995" y="5024610"/>
+            <a:off x="6641975" y="5744180"/>
             <a:ext cx="0" cy="432051"/>
           </a:xfrm>
           <a:prstGeom prst="straightConnector1">
@@ -5624,8 +7218,8 @@
         </p:nvSpPr>
         <p:spPr>
           <a:xfrm>
-            <a:off x="5251351" y="3666650"/>
-            <a:ext cx="990274" cy="493861"/>
+            <a:off x="4163613" y="4386220"/>
+            <a:ext cx="1140299" cy="493861"/>
           </a:xfrm>
           <a:prstGeom prst="roundRect">
             <a:avLst/>
@@ -5660,7 +7254,7 @@
           <a:p>
             <a:pPr algn="ctr"/>
             <a:r>
-              <a:rPr lang="en-US" sz="900" b="1" dirty="0">
+              <a:rPr lang="en-US" sz="1200" b="1" dirty="0">
                 <a:solidFill>
                   <a:schemeClr val="tx1"/>
                 </a:solidFill>
@@ -5668,14 +7262,14 @@
               <a:t>Systems</a:t>
             </a:r>
             <a:br>
-              <a:rPr lang="en-US" sz="900" b="1" dirty="0">
+              <a:rPr lang="en-US" sz="1200" b="1" dirty="0">
                 <a:solidFill>
                   <a:schemeClr val="tx1"/>
                 </a:solidFill>
               </a:rPr>
             </a:br>
             <a:r>
-              <a:rPr lang="en-US" sz="900" b="1" dirty="0">
+              <a:rPr lang="en-US" sz="1200" b="1" dirty="0">
                 <a:solidFill>
                   <a:schemeClr val="tx1"/>
                 </a:solidFill>
@@ -5699,7 +7293,7 @@
         </p:nvSpPr>
         <p:spPr>
           <a:xfrm rot="5400000">
-            <a:off x="3951744" y="1139647"/>
+            <a:off x="3951744" y="779098"/>
             <a:ext cx="648073" cy="2225317"/>
           </a:xfrm>
           <a:prstGeom prst="roundRect">
@@ -5754,8 +7348,8 @@
         </p:nvSpPr>
         <p:spPr>
           <a:xfrm>
-            <a:off x="4243239" y="2000277"/>
-            <a:ext cx="1014671" cy="504056"/>
+            <a:off x="4243239" y="1639728"/>
+            <a:ext cx="1078458" cy="504056"/>
           </a:xfrm>
           <a:prstGeom prst="roundRect">
             <a:avLst/>
@@ -5810,7 +7404,7 @@
                   <a:schemeClr val="tx1"/>
                 </a:solidFill>
               </a:rPr>
-              <a:t>Set point profiles</a:t>
+              <a:t>Thermostat Setpoints</a:t>
             </a:r>
           </a:p>
         </p:txBody>
@@ -5829,8 +7423,8 @@
         </p:nvSpPr>
         <p:spPr>
           <a:xfrm>
-            <a:off x="3266319" y="2000277"/>
-            <a:ext cx="760896" cy="504056"/>
+            <a:off x="3235126" y="1639728"/>
+            <a:ext cx="792089" cy="504056"/>
           </a:xfrm>
           <a:prstGeom prst="roundRect">
             <a:avLst/>
@@ -5886,15 +7480,14 @@
           </p:cNvPr>
           <p:cNvCxnSpPr>
             <a:cxnSpLocks/>
-            <a:stCxn id="139" idx="0"/>
-            <a:endCxn id="52" idx="1"/>
+            <a:endCxn id="13" idx="1"/>
           </p:cNvCxnSpPr>
           <p:nvPr/>
         </p:nvCxnSpPr>
         <p:spPr>
-          <a:xfrm flipV="1">
-            <a:off x="5388439" y="2252305"/>
-            <a:ext cx="294958" cy="1"/>
+          <a:xfrm>
+            <a:off x="5411223" y="1927760"/>
+            <a:ext cx="612769" cy="1687"/>
           </a:xfrm>
           <a:prstGeom prst="straightConnector1">
             <a:avLst/>
@@ -5936,7 +7529,7 @@
         </p:nvCxnSpPr>
         <p:spPr>
           <a:xfrm>
-            <a:off x="7087554" y="2504333"/>
+            <a:off x="6439484" y="3223903"/>
             <a:ext cx="1" cy="321342"/>
           </a:xfrm>
           <a:prstGeom prst="straightConnector1">
@@ -5979,8 +7572,8 @@
         </p:nvCxnSpPr>
         <p:spPr>
           <a:xfrm flipH="1">
-            <a:off x="4275780" y="1612713"/>
-            <a:ext cx="1" cy="315556"/>
+            <a:off x="4275780" y="1351696"/>
+            <a:ext cx="1" cy="216024"/>
           </a:xfrm>
           <a:prstGeom prst="straightConnector1">
             <a:avLst/>
@@ -6021,7 +7614,7 @@
         </p:nvCxnSpPr>
         <p:spPr>
           <a:xfrm flipH="1">
-            <a:off x="7087553" y="3339049"/>
+            <a:off x="6439483" y="4058619"/>
             <a:ext cx="1" cy="330661"/>
           </a:xfrm>
           <a:prstGeom prst="straightConnector1">
@@ -6063,7 +7656,7 @@
         </p:nvCxnSpPr>
         <p:spPr>
           <a:xfrm>
-            <a:off x="6691070" y="4108833"/>
+            <a:off x="6043000" y="4828403"/>
             <a:ext cx="1" cy="500998"/>
           </a:xfrm>
           <a:prstGeom prst="straightConnector1">
@@ -6099,13 +7692,14 @@
           </p:cNvPr>
           <p:cNvCxnSpPr>
             <a:cxnSpLocks/>
+            <a:stCxn id="135" idx="2"/>
           </p:cNvCxnSpPr>
           <p:nvPr/>
         </p:nvCxnSpPr>
         <p:spPr>
-          <a:xfrm>
-            <a:off x="5755406" y="4141363"/>
-            <a:ext cx="1" cy="468468"/>
+          <a:xfrm flipH="1">
+            <a:off x="4726238" y="4880081"/>
+            <a:ext cx="7525" cy="449320"/>
           </a:xfrm>
           <a:prstGeom prst="straightConnector1">
             <a:avLst/>
@@ -6146,124 +7740,8 @@
         </p:nvCxnSpPr>
         <p:spPr>
           <a:xfrm>
-            <a:off x="9103557" y="4160511"/>
-            <a:ext cx="0" cy="449320"/>
-          </a:xfrm>
-          <a:prstGeom prst="straightConnector1">
-            <a:avLst/>
-          </a:prstGeom>
-          <a:ln w="28575">
-            <a:tailEnd type="triangle"/>
-          </a:ln>
-        </p:spPr>
-        <p:style>
-          <a:lnRef idx="1">
-            <a:schemeClr val="dk1"/>
-          </a:lnRef>
-          <a:fillRef idx="0">
-            <a:schemeClr val="dk1"/>
-          </a:fillRef>
-          <a:effectRef idx="0">
-            <a:schemeClr val="dk1"/>
-          </a:effectRef>
-          <a:fontRef idx="minor">
-            <a:schemeClr val="tx1"/>
-          </a:fontRef>
-        </p:style>
-      </p:cxnSp>
-      <p:sp>
-        <p:nvSpPr>
-          <p:cNvPr id="218" name="Rounded Rectangle 217">
-            <a:extLst>
-              <a:ext uri="{FF2B5EF4-FFF2-40B4-BE49-F238E27FC236}">
-                <a16:creationId xmlns:a16="http://schemas.microsoft.com/office/drawing/2014/main" id="{BAB73F33-5A5D-77FC-5015-7EDB02B59C5E}"/>
-              </a:ext>
-            </a:extLst>
-          </p:cNvPr>
-          <p:cNvSpPr/>
-          <p:nvPr/>
-        </p:nvSpPr>
-        <p:spPr>
-          <a:xfrm>
-            <a:off x="4246109" y="3680026"/>
-            <a:ext cx="915397" cy="493861"/>
-          </a:xfrm>
-          <a:prstGeom prst="roundRect">
-            <a:avLst/>
-          </a:prstGeom>
-          <a:noFill/>
-          <a:ln w="28575">
-            <a:solidFill>
-              <a:schemeClr val="tx1"/>
-            </a:solidFill>
-            <a:prstDash val="solid"/>
-          </a:ln>
-        </p:spPr>
-        <p:style>
-          <a:lnRef idx="2">
-            <a:schemeClr val="accent1">
-              <a:shade val="50000"/>
-            </a:schemeClr>
-          </a:lnRef>
-          <a:fillRef idx="1">
-            <a:schemeClr val="accent1"/>
-          </a:fillRef>
-          <a:effectRef idx="0">
-            <a:schemeClr val="accent1"/>
-          </a:effectRef>
-          <a:fontRef idx="minor">
-            <a:schemeClr val="lt1"/>
-          </a:fontRef>
-        </p:style>
-        <p:txBody>
-          <a:bodyPr rtlCol="0" anchor="ctr"/>
-          <a:lstStyle/>
-          <a:p>
-            <a:pPr algn="ctr"/>
-            <a:r>
-              <a:rPr lang="en-US" sz="900" b="1" dirty="0">
-                <a:solidFill>
-                  <a:schemeClr val="tx1"/>
-                </a:solidFill>
-              </a:rPr>
-              <a:t>Other Input</a:t>
-            </a:r>
-            <a:br>
-              <a:rPr lang="en-US" sz="900" b="1" dirty="0">
-                <a:solidFill>
-                  <a:schemeClr val="tx1"/>
-                </a:solidFill>
-              </a:rPr>
-            </a:br>
-            <a:r>
-              <a:rPr lang="en-US" sz="900" b="1" dirty="0">
-                <a:solidFill>
-                  <a:schemeClr val="tx1"/>
-                </a:solidFill>
-              </a:rPr>
-              <a:t>Data</a:t>
-            </a:r>
-          </a:p>
-        </p:txBody>
-      </p:sp>
-      <p:cxnSp>
-        <p:nvCxnSpPr>
-          <p:cNvPr id="219" name="Straight Arrow Connector 218">
-            <a:extLst>
-              <a:ext uri="{FF2B5EF4-FFF2-40B4-BE49-F238E27FC236}">
-                <a16:creationId xmlns:a16="http://schemas.microsoft.com/office/drawing/2014/main" id="{70CC067B-D9C8-D39A-5189-2FD45D5B0BAB}"/>
-              </a:ext>
-            </a:extLst>
-          </p:cNvPr>
-          <p:cNvCxnSpPr>
-            <a:cxnSpLocks/>
-          </p:cNvCxnSpPr>
-          <p:nvPr/>
-        </p:nvCxnSpPr>
-        <p:spPr>
-          <a:xfrm>
-            <a:off x="4666370" y="4156493"/>
-            <a:ext cx="1" cy="468468"/>
+            <a:off x="8337752" y="4880081"/>
+            <a:ext cx="1" cy="449320"/>
           </a:xfrm>
           <a:prstGeom prst="straightConnector1">
             <a:avLst/>
@@ -6303,10 +7781,10 @@
         </p:nvGrpSpPr>
         <p:grpSpPr>
           <a:xfrm>
-            <a:off x="3157086" y="4497621"/>
-            <a:ext cx="706675" cy="621930"/>
+            <a:off x="3163122" y="5167900"/>
+            <a:ext cx="777240" cy="802716"/>
             <a:chOff x="6937314" y="2943131"/>
-            <a:chExt cx="597585" cy="525923"/>
+            <a:chExt cx="597585" cy="617173"/>
           </a:xfrm>
           <a:noFill/>
         </p:grpSpPr>
@@ -6378,7 +7856,7 @@
           <p:spPr>
             <a:xfrm>
               <a:off x="6937314" y="3013747"/>
-              <a:ext cx="597585" cy="390398"/>
+              <a:ext cx="597585" cy="546557"/>
             </a:xfrm>
             <a:prstGeom prst="rect">
               <a:avLst/>
@@ -6405,7 +7883,7 @@
               </a:br>
               <a:r>
                 <a:rPr lang="en-US" sz="1200" b="1" dirty="0"/>
-                <a:t>Agent</a:t>
+                <a:t>Agent(s)</a:t>
               </a:r>
             </a:p>
           </p:txBody>
@@ -6429,7 +7907,7 @@
         </p:nvCxnSpPr>
         <p:spPr>
           <a:xfrm>
-            <a:off x="4027215" y="2252305"/>
+            <a:off x="4027215" y="1891756"/>
             <a:ext cx="216024" cy="0"/>
           </a:xfrm>
           <a:prstGeom prst="straightConnector1">
@@ -6472,7 +7950,7 @@
         </p:nvCxnSpPr>
         <p:spPr>
           <a:xfrm flipV="1">
-            <a:off x="4296822" y="1240269"/>
+            <a:off x="4296822" y="963165"/>
             <a:ext cx="212980" cy="2187"/>
           </a:xfrm>
           <a:prstGeom prst="straightConnector1">
@@ -6509,15 +7987,14 @@
           </p:cNvPr>
           <p:cNvCxnSpPr>
             <a:cxnSpLocks/>
-            <a:stCxn id="224" idx="6"/>
             <a:endCxn id="97" idx="5"/>
           </p:cNvCxnSpPr>
           <p:nvPr/>
         </p:nvCxnSpPr>
         <p:spPr>
           <a:xfrm>
-            <a:off x="3824688" y="4808586"/>
-            <a:ext cx="475428" cy="0"/>
+            <a:off x="3891875" y="5528156"/>
+            <a:ext cx="325744" cy="0"/>
           </a:xfrm>
           <a:prstGeom prst="straightConnector1">
             <a:avLst/>
@@ -6559,7 +8036,7 @@
         </p:nvCxnSpPr>
         <p:spPr>
           <a:xfrm>
-            <a:off x="7855894" y="3908483"/>
+            <a:off x="7207824" y="4628053"/>
             <a:ext cx="347343" cy="0"/>
           </a:xfrm>
           <a:prstGeom prst="straightConnector1">
@@ -6598,8 +8075,8 @@
         </p:nvSpPr>
         <p:spPr>
           <a:xfrm>
-            <a:off x="5683397" y="567869"/>
-            <a:ext cx="1210909" cy="276999"/>
+            <a:off x="5983221" y="282196"/>
+            <a:ext cx="1138773" cy="276999"/>
           </a:xfrm>
           <a:prstGeom prst="rect">
             <a:avLst/>
@@ -6618,7 +8095,7 @@
                   <a:srgbClr val="C00000"/>
                 </a:solidFill>
               </a:rPr>
-              <a:t>EULPS Database</a:t>
+              <a:t>EULP Database</a:t>
             </a:r>
           </a:p>
         </p:txBody>
@@ -6637,7 +8114,7 @@
         </p:nvSpPr>
         <p:spPr>
           <a:xfrm>
-            <a:off x="3163122" y="562903"/>
+            <a:off x="3163122" y="285799"/>
             <a:ext cx="1332416" cy="276999"/>
           </a:xfrm>
           <a:prstGeom prst="rect">
@@ -6676,7 +8153,7 @@
         </p:nvSpPr>
         <p:spPr>
           <a:xfrm>
-            <a:off x="3178834" y="2560553"/>
+            <a:off x="3163122" y="2185432"/>
             <a:ext cx="1275862" cy="276999"/>
           </a:xfrm>
           <a:prstGeom prst="rect">
@@ -6723,8 +8200,8 @@
         </p:nvSpPr>
         <p:spPr>
           <a:xfrm>
-            <a:off x="1271464" y="657742"/>
-            <a:ext cx="1417376" cy="584775"/>
+            <a:off x="1271401" y="855818"/>
+            <a:ext cx="1417439" cy="830997"/>
           </a:xfrm>
           <a:prstGeom prst="rect">
             <a:avLst/>
@@ -6740,13 +8217,20 @@
             <a:pPr algn="r"/>
             <a:r>
               <a:rPr lang="en-US" sz="1600" b="1" dirty="0"/>
-              <a:t>Neighborhood</a:t>
+              <a:t>Phase 1:</a:t>
             </a:r>
             <a:br>
               <a:rPr lang="en-US" sz="1600" b="1" dirty="0"/>
             </a:br>
             <a:r>
-              <a:rPr lang="en-US" sz="1600" b="1" dirty="0"/>
+              <a:rPr lang="en-US" sz="1600" dirty="0"/>
+              <a:t>Neighborhood</a:t>
+            </a:r>
+            <a:br>
+              <a:rPr lang="en-US" sz="1600" dirty="0"/>
+            </a:br>
+            <a:r>
+              <a:rPr lang="en-US" sz="1600" dirty="0"/>
               <a:t> Design</a:t>
             </a:r>
           </a:p>
@@ -6766,8 +8250,8 @@
         </p:nvSpPr>
         <p:spPr>
           <a:xfrm>
-            <a:off x="1354821" y="2343211"/>
-            <a:ext cx="1334019" cy="1323439"/>
+            <a:off x="1354757" y="3124601"/>
+            <a:ext cx="1334083" cy="1569660"/>
           </a:xfrm>
           <a:prstGeom prst="rect">
             <a:avLst/>
@@ -6783,34 +8267,41 @@
             <a:pPr algn="r"/>
             <a:r>
               <a:rPr lang="en-US" sz="1600" b="1" dirty="0"/>
+              <a:t>Phase 2:</a:t>
+            </a:r>
+            <a:br>
+              <a:rPr lang="en-US" sz="1600" b="1" dirty="0"/>
+            </a:br>
+            <a:r>
+              <a:rPr lang="en-US" sz="1600" dirty="0"/>
               <a:t>Building Load</a:t>
             </a:r>
           </a:p>
           <a:p>
             <a:pPr algn="r"/>
             <a:r>
-              <a:rPr lang="en-US" sz="1600" b="1" dirty="0"/>
+              <a:rPr lang="en-US" sz="1600" dirty="0"/>
               <a:t>Simulation</a:t>
             </a:r>
           </a:p>
           <a:p>
             <a:pPr algn="r"/>
             <a:r>
-              <a:rPr lang="en-US" sz="1600" b="1" dirty="0"/>
+              <a:rPr lang="en-US" sz="1600" dirty="0"/>
               <a:t>&amp; CityLearn</a:t>
             </a:r>
           </a:p>
           <a:p>
             <a:pPr algn="r"/>
             <a:r>
-              <a:rPr lang="en-US" sz="1600" b="1" dirty="0"/>
+              <a:rPr lang="en-US" sz="1600" dirty="0"/>
               <a:t>Dataset</a:t>
             </a:r>
           </a:p>
           <a:p>
             <a:pPr algn="r"/>
             <a:r>
-              <a:rPr lang="en-US" sz="1600" b="1" dirty="0"/>
+              <a:rPr lang="en-US" sz="1600" dirty="0"/>
               <a:t>Preparation</a:t>
             </a:r>
           </a:p>
@@ -6830,8 +8321,8 @@
         </p:nvSpPr>
         <p:spPr>
           <a:xfrm>
-            <a:off x="971429" y="4808586"/>
-            <a:ext cx="1776576" cy="584775"/>
+            <a:off x="1497573" y="5436434"/>
+            <a:ext cx="1214050" cy="1077218"/>
           </a:xfrm>
           <a:prstGeom prst="rect">
             <a:avLst/>
@@ -6847,13 +8338,27 @@
             <a:pPr algn="r"/>
             <a:r>
               <a:rPr lang="en-US" sz="1600" b="1" dirty="0"/>
-              <a:t>Control Simulation</a:t>
+              <a:t>Phase 3:</a:t>
             </a:r>
             <a:br>
               <a:rPr lang="en-US" sz="1600" b="1" dirty="0"/>
             </a:br>
             <a:r>
-              <a:rPr lang="en-US" sz="1600" b="1" dirty="0"/>
+              <a:rPr lang="en-US" sz="1600" dirty="0"/>
+              <a:t>Control</a:t>
+            </a:r>
+          </a:p>
+          <a:p>
+            <a:pPr algn="r"/>
+            <a:r>
+              <a:rPr lang="en-US" sz="1600" dirty="0"/>
+              <a:t>Simulation</a:t>
+            </a:r>
+            <a:br>
+              <a:rPr lang="en-US" sz="1600" dirty="0"/>
+            </a:br>
+            <a:r>
+              <a:rPr lang="en-US" sz="1600" dirty="0"/>
               <a:t>&amp; Reporting</a:t>
             </a:r>
           </a:p>
@@ -6873,8 +8378,8 @@
         </p:nvSpPr>
         <p:spPr>
           <a:xfrm>
-            <a:off x="9855215" y="393736"/>
-            <a:ext cx="885114" cy="461665"/>
+            <a:off x="8123225" y="287474"/>
+            <a:ext cx="1402756" cy="276999"/>
           </a:xfrm>
           <a:prstGeom prst="rect">
             <a:avLst/>
@@ -6894,26 +8399,218 @@
                   <a:srgbClr val="C00000"/>
                 </a:solidFill>
               </a:rPr>
-              <a:t>Secondary </a:t>
-            </a:r>
-          </a:p>
-          <a:p>
-            <a:pPr algn="r"/>
-            <a:r>
-              <a:rPr lang="en-US" sz="1200" b="1" dirty="0">
-                <a:solidFill>
-                  <a:srgbClr val="C00000"/>
-                </a:solidFill>
-              </a:rPr>
-              <a:t>Weather </a:t>
-            </a:r>
-          </a:p>
-        </p:txBody>
-      </p:sp>
+              <a:t>Weather Database </a:t>
+            </a:r>
+          </a:p>
+        </p:txBody>
+      </p:sp>
+      <p:cxnSp>
+        <p:nvCxnSpPr>
+          <p:cNvPr id="10" name="Straight Arrow Connector 9">
+            <a:extLst>
+              <a:ext uri="{FF2B5EF4-FFF2-40B4-BE49-F238E27FC236}">
+                <a16:creationId xmlns:a16="http://schemas.microsoft.com/office/drawing/2014/main" id="{047B226A-AA1B-85FF-17BB-5C4D4FBFE531}"/>
+              </a:ext>
+            </a:extLst>
+          </p:cNvPr>
+          <p:cNvCxnSpPr>
+            <a:cxnSpLocks/>
+            <a:stCxn id="29" idx="3"/>
+            <a:endCxn id="34" idx="0"/>
+          </p:cNvCxnSpPr>
+          <p:nvPr/>
+        </p:nvCxnSpPr>
+        <p:spPr>
+          <a:xfrm>
+            <a:off x="9503196" y="1359211"/>
+            <a:ext cx="0" cy="314991"/>
+          </a:xfrm>
+          <a:prstGeom prst="straightConnector1">
+            <a:avLst/>
+          </a:prstGeom>
+          <a:ln w="28575">
+            <a:tailEnd type="triangle"/>
+          </a:ln>
+        </p:spPr>
+        <p:style>
+          <a:lnRef idx="1">
+            <a:schemeClr val="dk1"/>
+          </a:lnRef>
+          <a:fillRef idx="0">
+            <a:schemeClr val="dk1"/>
+          </a:fillRef>
+          <a:effectRef idx="0">
+            <a:schemeClr val="dk1"/>
+          </a:effectRef>
+          <a:fontRef idx="minor">
+            <a:schemeClr val="tx1"/>
+          </a:fontRef>
+        </p:style>
+      </p:cxnSp>
+      <p:pic>
+        <p:nvPicPr>
+          <p:cNvPr id="9" name="Picture 8" descr="Logo, company name&#10;&#10;Description automatically generated">
+            <a:extLst>
+              <a:ext uri="{FF2B5EF4-FFF2-40B4-BE49-F238E27FC236}">
+                <a16:creationId xmlns:a16="http://schemas.microsoft.com/office/drawing/2014/main" id="{10142BE9-4AF7-06AE-5962-1B0F6B953C3B}"/>
+              </a:ext>
+            </a:extLst>
+          </p:cNvPr>
+          <p:cNvPicPr>
+            <a:picLocks noChangeAspect="1"/>
+          </p:cNvPicPr>
+          <p:nvPr/>
+        </p:nvPicPr>
+        <p:blipFill>
+          <a:blip r:embed="rId2">
+            <a:extLst>
+              <a:ext uri="{28A0092B-C50C-407E-A947-70E740481C1C}">
+                <a14:useLocalDpi xmlns:a14="http://schemas.microsoft.com/office/drawing/2010/main" val="0"/>
+              </a:ext>
+              <a:ext uri="{837473B0-CC2E-450A-ABE3-18F120FF3D39}">
+                <a1611:picAttrSrcUrl xmlns:a1611="http://schemas.microsoft.com/office/drawing/2016/11/main" r:id="rId3"/>
+              </a:ext>
+            </a:extLst>
+          </a:blip>
+          <a:stretch>
+            <a:fillRect/>
+          </a:stretch>
+        </p:blipFill>
+        <p:spPr>
+          <a:xfrm>
+            <a:off x="6240016" y="1552169"/>
+            <a:ext cx="464842" cy="220335"/>
+          </a:xfrm>
+          <a:prstGeom prst="rect">
+            <a:avLst/>
+          </a:prstGeom>
+        </p:spPr>
+      </p:pic>
+      <p:pic>
+        <p:nvPicPr>
+          <p:cNvPr id="13" name="Picture 12" descr="Shape&#10;&#10;Description automatically generated with low confidence">
+            <a:extLst>
+              <a:ext uri="{FF2B5EF4-FFF2-40B4-BE49-F238E27FC236}">
+                <a16:creationId xmlns:a16="http://schemas.microsoft.com/office/drawing/2014/main" id="{F912ADC7-0E78-602A-1CED-B009B5CFA180}"/>
+              </a:ext>
+            </a:extLst>
+          </p:cNvPr>
+          <p:cNvPicPr>
+            <a:picLocks noChangeAspect="1"/>
+          </p:cNvPicPr>
+          <p:nvPr/>
+        </p:nvPicPr>
+        <p:blipFill>
+          <a:blip r:embed="rId4">
+            <a:extLst>
+              <a:ext uri="{28A0092B-C50C-407E-A947-70E740481C1C}">
+                <a14:useLocalDpi xmlns:a14="http://schemas.microsoft.com/office/drawing/2010/main" val="0"/>
+              </a:ext>
+            </a:extLst>
+          </a:blip>
+          <a:stretch>
+            <a:fillRect/>
+          </a:stretch>
+        </p:blipFill>
+        <p:spPr>
+          <a:xfrm>
+            <a:off x="6023992" y="1516454"/>
+            <a:ext cx="825985" cy="825985"/>
+          </a:xfrm>
+          <a:prstGeom prst="rect">
+            <a:avLst/>
+          </a:prstGeom>
+        </p:spPr>
+      </p:pic>
+      <p:cxnSp>
+        <p:nvCxnSpPr>
+          <p:cNvPr id="14" name="Straight Arrow Connector 13">
+            <a:extLst>
+              <a:ext uri="{FF2B5EF4-FFF2-40B4-BE49-F238E27FC236}">
+                <a16:creationId xmlns:a16="http://schemas.microsoft.com/office/drawing/2014/main" id="{0E3EA4B3-D710-8B8E-FB02-158A401CAF06}"/>
+              </a:ext>
+            </a:extLst>
+          </p:cNvPr>
+          <p:cNvCxnSpPr>
+            <a:cxnSpLocks/>
+            <a:endCxn id="13" idx="0"/>
+          </p:cNvCxnSpPr>
+          <p:nvPr/>
+        </p:nvCxnSpPr>
+        <p:spPr>
+          <a:xfrm>
+            <a:off x="6436985" y="1331325"/>
+            <a:ext cx="0" cy="185129"/>
+          </a:xfrm>
+          <a:prstGeom prst="straightConnector1">
+            <a:avLst/>
+          </a:prstGeom>
+          <a:ln w="28575">
+            <a:tailEnd type="triangle"/>
+          </a:ln>
+        </p:spPr>
+        <p:style>
+          <a:lnRef idx="1">
+            <a:schemeClr val="dk1"/>
+          </a:lnRef>
+          <a:fillRef idx="0">
+            <a:schemeClr val="dk1"/>
+          </a:fillRef>
+          <a:effectRef idx="0">
+            <a:schemeClr val="dk1"/>
+          </a:effectRef>
+          <a:fontRef idx="minor">
+            <a:schemeClr val="tx1"/>
+          </a:fontRef>
+        </p:style>
+      </p:cxnSp>
+      <p:cxnSp>
+        <p:nvCxnSpPr>
+          <p:cNvPr id="73" name="Straight Arrow Connector 23">
+            <a:extLst>
+              <a:ext uri="{FF2B5EF4-FFF2-40B4-BE49-F238E27FC236}">
+                <a16:creationId xmlns:a16="http://schemas.microsoft.com/office/drawing/2014/main" id="{59F48DB0-D763-1C0E-9CE3-0E5EE41E57C0}"/>
+              </a:ext>
+            </a:extLst>
+          </p:cNvPr>
+          <p:cNvCxnSpPr>
+            <a:cxnSpLocks/>
+            <a:stCxn id="29" idx="1"/>
+          </p:cNvCxnSpPr>
+          <p:nvPr/>
+        </p:nvCxnSpPr>
+        <p:spPr>
+          <a:xfrm rot="16200000" flipV="1">
+            <a:off x="8174328" y="-761746"/>
+            <a:ext cx="258656" cy="2399081"/>
+          </a:xfrm>
+          <a:prstGeom prst="bentConnector2">
+            <a:avLst/>
+          </a:prstGeom>
+          <a:ln w="28575">
+            <a:headEnd type="triangle" w="med" len="med"/>
+            <a:tailEnd type="none" w="med" len="med"/>
+          </a:ln>
+        </p:spPr>
+        <p:style>
+          <a:lnRef idx="1">
+            <a:schemeClr val="dk1"/>
+          </a:lnRef>
+          <a:fillRef idx="0">
+            <a:schemeClr val="dk1"/>
+          </a:fillRef>
+          <a:effectRef idx="0">
+            <a:schemeClr val="dk1"/>
+          </a:effectRef>
+          <a:fontRef idx="minor">
+            <a:schemeClr val="tx1"/>
+          </a:fontRef>
+        </p:style>
+      </p:cxnSp>
     </p:spTree>
     <p:extLst>
       <p:ext uri="{BB962C8B-B14F-4D97-AF65-F5344CB8AC3E}">
-        <p14:creationId xmlns:p14="http://schemas.microsoft.com/office/powerpoint/2010/main" val="3675332556"/>
+        <p14:creationId xmlns:p14="http://schemas.microsoft.com/office/powerpoint/2010/main" val="2722509427"/>
       </p:ext>
     </p:extLst>
   </p:cSld>
@@ -6923,7 +8620,7 @@
 </p:sld>
 </file>
 
-<file path=ppt/slides/slide4.xml><?xml version="1.0" encoding="utf-8"?>
+<file path=ppt/slides/slide5.xml><?xml version="1.0" encoding="utf-8"?>
 <p:sld xmlns:a="http://schemas.openxmlformats.org/drawingml/2006/main" xmlns:r="http://schemas.openxmlformats.org/officeDocument/2006/relationships" xmlns:p="http://schemas.openxmlformats.org/presentationml/2006/main">
   <p:cSld>
     <p:spTree>
@@ -6942,10 +8639,10 @@
       </p:grpSpPr>
       <p:pic>
         <p:nvPicPr>
-          <p:cNvPr id="4" name="Picture 3">
-            <a:extLst>
-              <a:ext uri="{FF2B5EF4-FFF2-40B4-BE49-F238E27FC236}">
-                <a16:creationId xmlns:a16="http://schemas.microsoft.com/office/drawing/2014/main" id="{D8AB75C7-3E24-915F-E57D-B94A41AC7AC2}"/>
+          <p:cNvPr id="71" name="Picture 70">
+            <a:extLst>
+              <a:ext uri="{FF2B5EF4-FFF2-40B4-BE49-F238E27FC236}">
+                <a16:creationId xmlns:a16="http://schemas.microsoft.com/office/drawing/2014/main" id="{E888D89C-48C0-655D-3E76-EFFB1F712FC0}"/>
               </a:ext>
             </a:extLst>
           </p:cNvPr>
@@ -6962,8 +8659,8 @@
         </p:blipFill>
         <p:spPr>
           <a:xfrm>
-            <a:off x="1919536" y="692696"/>
-            <a:ext cx="7772400" cy="4434317"/>
+            <a:off x="2209800" y="537844"/>
+            <a:ext cx="7772400" cy="5782311"/>
           </a:xfrm>
           <a:prstGeom prst="rect">
             <a:avLst/>

--- a/assets/images/citylearn_systems.pptx
+++ b/assets/images/citylearn_systems.pptx
@@ -5,17 +5,19 @@
     <p:sldMasterId id="2147483648" r:id="rId1"/>
   </p:sldMasterIdLst>
   <p:notesMasterIdLst>
-    <p:notesMasterId r:id="rId7"/>
+    <p:notesMasterId r:id="rId9"/>
   </p:notesMasterIdLst>
   <p:handoutMasterIdLst>
-    <p:handoutMasterId r:id="rId8"/>
+    <p:handoutMasterId r:id="rId10"/>
   </p:handoutMasterIdLst>
   <p:sldIdLst>
     <p:sldId id="833" r:id="rId2"/>
     <p:sldId id="838" r:id="rId3"/>
     <p:sldId id="834" r:id="rId4"/>
     <p:sldId id="839" r:id="rId5"/>
-    <p:sldId id="837" r:id="rId6"/>
+    <p:sldId id="840" r:id="rId6"/>
+    <p:sldId id="837" r:id="rId7"/>
+    <p:sldId id="841" r:id="rId8"/>
   </p:sldIdLst>
   <p:sldSz cx="12192000" cy="6858000"/>
   <p:notesSz cx="7099300" cy="10234613"/>
@@ -253,7 +255,7 @@
           <a:p>
             <a:fld id="{C375809C-1078-40E5-8D78-A06230988E2D}" type="datetimeFigureOut">
               <a:rPr lang="en-US" smtClean="0"/>
-              <a:t>3/16/23</a:t>
+              <a:t>3/20/23</a:t>
             </a:fld>
             <a:endParaRPr lang="en-US"/>
           </a:p>
@@ -431,7 +433,7 @@
             <a:fld id="{2B843C7C-BC90-49F1-B4F6-A48532280559}" type="datetimeFigureOut">
               <a:rPr lang="de-DE" smtClean="0"/>
               <a:pPr/>
-              <a:t>16.03.23</a:t>
+              <a:t>20.03.23</a:t>
             </a:fld>
             <a:endParaRPr lang="de-DE"/>
           </a:p>
@@ -8637,12 +8639,2688 @@
           <a:chExt cx="0" cy="0"/>
         </a:xfrm>
       </p:grpSpPr>
+      <p:sp>
+        <p:nvSpPr>
+          <p:cNvPr id="263" name="Rounded Rectangle 262">
+            <a:extLst>
+              <a:ext uri="{FF2B5EF4-FFF2-40B4-BE49-F238E27FC236}">
+                <a16:creationId xmlns:a16="http://schemas.microsoft.com/office/drawing/2014/main" id="{06B5219B-EF2E-DEA6-96CF-4E0422F9F15B}"/>
+              </a:ext>
+            </a:extLst>
+          </p:cNvPr>
+          <p:cNvSpPr/>
+          <p:nvPr/>
+        </p:nvSpPr>
+        <p:spPr>
+          <a:xfrm rot="5400000">
+            <a:off x="6232405" y="584684"/>
+            <a:ext cx="1656185" cy="5328593"/>
+          </a:xfrm>
+          <a:prstGeom prst="roundRect">
+            <a:avLst>
+              <a:gd name="adj" fmla="val 17419"/>
+            </a:avLst>
+          </a:prstGeom>
+          <a:solidFill>
+            <a:schemeClr val="accent6">
+              <a:lumMod val="40000"/>
+              <a:lumOff val="60000"/>
+            </a:schemeClr>
+          </a:solidFill>
+          <a:ln w="28575">
+            <a:noFill/>
+            <a:prstDash val="sysDot"/>
+          </a:ln>
+        </p:spPr>
+        <p:style>
+          <a:lnRef idx="2">
+            <a:schemeClr val="accent1">
+              <a:shade val="50000"/>
+            </a:schemeClr>
+          </a:lnRef>
+          <a:fillRef idx="1">
+            <a:schemeClr val="accent1"/>
+          </a:fillRef>
+          <a:effectRef idx="0">
+            <a:schemeClr val="accent1"/>
+          </a:effectRef>
+          <a:fontRef idx="minor">
+            <a:schemeClr val="lt1"/>
+          </a:fontRef>
+        </p:style>
+        <p:txBody>
+          <a:bodyPr rtlCol="0" anchor="ctr"/>
+          <a:lstStyle/>
+          <a:p>
+            <a:pPr algn="ctr"/>
+            <a:endParaRPr lang="en-US" dirty="0"/>
+          </a:p>
+        </p:txBody>
+      </p:sp>
+      <p:sp>
+        <p:nvSpPr>
+          <p:cNvPr id="262" name="Rounded Rectangle 261">
+            <a:extLst>
+              <a:ext uri="{FF2B5EF4-FFF2-40B4-BE49-F238E27FC236}">
+                <a16:creationId xmlns:a16="http://schemas.microsoft.com/office/drawing/2014/main" id="{150E61E8-D45A-BE83-591B-4A1C3976CC5B}"/>
+              </a:ext>
+            </a:extLst>
+          </p:cNvPr>
+          <p:cNvSpPr/>
+          <p:nvPr/>
+        </p:nvSpPr>
+        <p:spPr>
+          <a:xfrm rot="5400000">
+            <a:off x="6232406" y="2312876"/>
+            <a:ext cx="1656183" cy="5328595"/>
+          </a:xfrm>
+          <a:prstGeom prst="roundRect">
+            <a:avLst>
+              <a:gd name="adj" fmla="val 16711"/>
+            </a:avLst>
+          </a:prstGeom>
+          <a:solidFill>
+            <a:schemeClr val="accent3">
+              <a:lumMod val="60000"/>
+              <a:lumOff val="40000"/>
+            </a:schemeClr>
+          </a:solidFill>
+          <a:ln w="28575">
+            <a:noFill/>
+            <a:prstDash val="sysDot"/>
+          </a:ln>
+        </p:spPr>
+        <p:style>
+          <a:lnRef idx="2">
+            <a:schemeClr val="accent1">
+              <a:shade val="50000"/>
+            </a:schemeClr>
+          </a:lnRef>
+          <a:fillRef idx="1">
+            <a:schemeClr val="accent1"/>
+          </a:fillRef>
+          <a:effectRef idx="0">
+            <a:schemeClr val="accent1"/>
+          </a:effectRef>
+          <a:fontRef idx="minor">
+            <a:schemeClr val="lt1"/>
+          </a:fontRef>
+        </p:style>
+        <p:txBody>
+          <a:bodyPr rtlCol="0" anchor="ctr"/>
+          <a:lstStyle/>
+          <a:p>
+            <a:pPr algn="ctr"/>
+            <a:endParaRPr lang="en-US"/>
+          </a:p>
+        </p:txBody>
+      </p:sp>
+      <p:sp>
+        <p:nvSpPr>
+          <p:cNvPr id="261" name="Rounded Rectangle 260">
+            <a:extLst>
+              <a:ext uri="{FF2B5EF4-FFF2-40B4-BE49-F238E27FC236}">
+                <a16:creationId xmlns:a16="http://schemas.microsoft.com/office/drawing/2014/main" id="{99CB883B-2F03-779F-FB5B-494DA2DFAA4A}"/>
+              </a:ext>
+            </a:extLst>
+          </p:cNvPr>
+          <p:cNvSpPr/>
+          <p:nvPr/>
+        </p:nvSpPr>
+        <p:spPr>
+          <a:xfrm rot="5400000">
+            <a:off x="5951919" y="-1439077"/>
+            <a:ext cx="2217174" cy="5328592"/>
+          </a:xfrm>
+          <a:prstGeom prst="roundRect">
+            <a:avLst>
+              <a:gd name="adj" fmla="val 15159"/>
+            </a:avLst>
+          </a:prstGeom>
+          <a:solidFill>
+            <a:schemeClr val="bg1">
+              <a:lumMod val="75000"/>
+            </a:schemeClr>
+          </a:solidFill>
+          <a:ln w="28575">
+            <a:noFill/>
+            <a:prstDash val="sysDot"/>
+          </a:ln>
+        </p:spPr>
+        <p:style>
+          <a:lnRef idx="2">
+            <a:schemeClr val="accent1">
+              <a:shade val="50000"/>
+            </a:schemeClr>
+          </a:lnRef>
+          <a:fillRef idx="1">
+            <a:schemeClr val="accent1"/>
+          </a:fillRef>
+          <a:effectRef idx="0">
+            <a:schemeClr val="accent1"/>
+          </a:effectRef>
+          <a:fontRef idx="minor">
+            <a:schemeClr val="lt1"/>
+          </a:fontRef>
+        </p:style>
+        <p:txBody>
+          <a:bodyPr rtlCol="0" anchor="ctr"/>
+          <a:lstStyle/>
+          <a:p>
+            <a:pPr algn="ctr"/>
+            <a:endParaRPr lang="en-US" sz="1400"/>
+          </a:p>
+        </p:txBody>
+      </p:sp>
+      <p:sp>
+        <p:nvSpPr>
+          <p:cNvPr id="26" name="Rounded Rectangle 25">
+            <a:extLst>
+              <a:ext uri="{FF2B5EF4-FFF2-40B4-BE49-F238E27FC236}">
+                <a16:creationId xmlns:a16="http://schemas.microsoft.com/office/drawing/2014/main" id="{369C9C37-E3A6-1824-2F9C-0F09402196C4}"/>
+              </a:ext>
+            </a:extLst>
+          </p:cNvPr>
+          <p:cNvSpPr/>
+          <p:nvPr/>
+        </p:nvSpPr>
+        <p:spPr>
+          <a:xfrm rot="10800000">
+            <a:off x="6503881" y="342005"/>
+            <a:ext cx="3076895" cy="842379"/>
+          </a:xfrm>
+          <a:prstGeom prst="roundRect">
+            <a:avLst>
+              <a:gd name="adj" fmla="val 25205"/>
+            </a:avLst>
+          </a:prstGeom>
+          <a:noFill/>
+          <a:ln w="28575">
+            <a:solidFill>
+              <a:schemeClr val="tx1"/>
+            </a:solidFill>
+            <a:prstDash val="solid"/>
+          </a:ln>
+        </p:spPr>
+        <p:style>
+          <a:lnRef idx="2">
+            <a:schemeClr val="accent1">
+              <a:shade val="50000"/>
+            </a:schemeClr>
+          </a:lnRef>
+          <a:fillRef idx="1">
+            <a:schemeClr val="accent1"/>
+          </a:fillRef>
+          <a:effectRef idx="0">
+            <a:schemeClr val="accent1"/>
+          </a:effectRef>
+          <a:fontRef idx="minor">
+            <a:schemeClr val="lt1"/>
+          </a:fontRef>
+        </p:style>
+        <p:txBody>
+          <a:bodyPr rtlCol="0" anchor="ctr"/>
+          <a:lstStyle/>
+          <a:p>
+            <a:pPr algn="ctr"/>
+            <a:endParaRPr lang="en-US"/>
+          </a:p>
+        </p:txBody>
+      </p:sp>
+      <p:sp>
+        <p:nvSpPr>
+          <p:cNvPr id="22" name="Rounded Rectangle 21">
+            <a:extLst>
+              <a:ext uri="{FF2B5EF4-FFF2-40B4-BE49-F238E27FC236}">
+                <a16:creationId xmlns:a16="http://schemas.microsoft.com/office/drawing/2014/main" id="{13F58CB5-1896-5305-0347-A17723674B6D}"/>
+              </a:ext>
+            </a:extLst>
+          </p:cNvPr>
+          <p:cNvSpPr/>
+          <p:nvPr/>
+        </p:nvSpPr>
+        <p:spPr>
+          <a:xfrm>
+            <a:off x="7584004" y="573242"/>
+            <a:ext cx="864095" cy="504056"/>
+          </a:xfrm>
+          <a:prstGeom prst="roundRect">
+            <a:avLst/>
+          </a:prstGeom>
+          <a:noFill/>
+          <a:ln w="28575">
+            <a:solidFill>
+              <a:schemeClr val="tx1"/>
+            </a:solidFill>
+            <a:prstDash val="solid"/>
+          </a:ln>
+        </p:spPr>
+        <p:style>
+          <a:lnRef idx="2">
+            <a:schemeClr val="accent1">
+              <a:shade val="50000"/>
+            </a:schemeClr>
+          </a:lnRef>
+          <a:fillRef idx="1">
+            <a:schemeClr val="accent1"/>
+          </a:fillRef>
+          <a:effectRef idx="0">
+            <a:schemeClr val="accent1"/>
+          </a:effectRef>
+          <a:fontRef idx="minor">
+            <a:schemeClr val="lt1"/>
+          </a:fontRef>
+        </p:style>
+        <p:txBody>
+          <a:bodyPr rtlCol="0" anchor="ctr"/>
+          <a:lstStyle/>
+          <a:p>
+            <a:pPr algn="ctr"/>
+            <a:r>
+              <a:rPr lang="en-US" sz="900" b="1" dirty="0" err="1">
+                <a:solidFill>
+                  <a:schemeClr val="tx1"/>
+                </a:solidFill>
+              </a:rPr>
+              <a:t>OpenStudio</a:t>
+            </a:r>
+            <a:r>
+              <a:rPr lang="en-US" sz="900" b="1" dirty="0">
+                <a:solidFill>
+                  <a:schemeClr val="tx1"/>
+                </a:solidFill>
+              </a:rPr>
+              <a:t> Model </a:t>
+            </a:r>
+            <a:br>
+              <a:rPr lang="en-US" sz="900" b="1" dirty="0">
+                <a:solidFill>
+                  <a:schemeClr val="tx1"/>
+                </a:solidFill>
+              </a:rPr>
+            </a:br>
+            <a:r>
+              <a:rPr lang="en-US" sz="900" b="1" dirty="0">
+                <a:solidFill>
+                  <a:schemeClr val="tx1"/>
+                </a:solidFill>
+              </a:rPr>
+              <a:t>(.</a:t>
+            </a:r>
+            <a:r>
+              <a:rPr lang="en-US" sz="900" b="1" dirty="0" err="1">
+                <a:solidFill>
+                  <a:schemeClr val="tx1"/>
+                </a:solidFill>
+              </a:rPr>
+              <a:t>osm</a:t>
+            </a:r>
+            <a:r>
+              <a:rPr lang="en-US" sz="900" b="1" dirty="0">
+                <a:solidFill>
+                  <a:schemeClr val="tx1"/>
+                </a:solidFill>
+              </a:rPr>
+              <a:t>)</a:t>
+            </a:r>
+          </a:p>
+        </p:txBody>
+      </p:sp>
+      <p:sp>
+        <p:nvSpPr>
+          <p:cNvPr id="23" name="Rounded Rectangle 22">
+            <a:extLst>
+              <a:ext uri="{FF2B5EF4-FFF2-40B4-BE49-F238E27FC236}">
+                <a16:creationId xmlns:a16="http://schemas.microsoft.com/office/drawing/2014/main" id="{CEF52992-28E8-F33A-EE54-9A02CAA5D7D5}"/>
+              </a:ext>
+            </a:extLst>
+          </p:cNvPr>
+          <p:cNvSpPr/>
+          <p:nvPr/>
+        </p:nvSpPr>
+        <p:spPr>
+          <a:xfrm>
+            <a:off x="6647900" y="573242"/>
+            <a:ext cx="755953" cy="504056"/>
+          </a:xfrm>
+          <a:prstGeom prst="roundRect">
+            <a:avLst/>
+          </a:prstGeom>
+          <a:noFill/>
+          <a:ln w="28575">
+            <a:solidFill>
+              <a:schemeClr val="tx1"/>
+            </a:solidFill>
+            <a:prstDash val="solid"/>
+          </a:ln>
+        </p:spPr>
+        <p:style>
+          <a:lnRef idx="2">
+            <a:schemeClr val="accent1">
+              <a:shade val="50000"/>
+            </a:schemeClr>
+          </a:lnRef>
+          <a:fillRef idx="1">
+            <a:schemeClr val="accent1"/>
+          </a:fillRef>
+          <a:effectRef idx="0">
+            <a:schemeClr val="accent1"/>
+          </a:effectRef>
+          <a:fontRef idx="minor">
+            <a:schemeClr val="lt1"/>
+          </a:fontRef>
+        </p:style>
+        <p:txBody>
+          <a:bodyPr rtlCol="0" anchor="ctr"/>
+          <a:lstStyle/>
+          <a:p>
+            <a:pPr algn="ctr"/>
+            <a:r>
+              <a:rPr lang="en-US" sz="900" b="1" dirty="0">
+                <a:solidFill>
+                  <a:schemeClr val="tx1"/>
+                </a:solidFill>
+              </a:rPr>
+              <a:t>Building Metadata (.parquet)</a:t>
+            </a:r>
+          </a:p>
+        </p:txBody>
+      </p:sp>
+      <p:sp>
+        <p:nvSpPr>
+          <p:cNvPr id="24" name="Rounded Rectangle 23">
+            <a:extLst>
+              <a:ext uri="{FF2B5EF4-FFF2-40B4-BE49-F238E27FC236}">
+                <a16:creationId xmlns:a16="http://schemas.microsoft.com/office/drawing/2014/main" id="{2250A50D-0F84-29F8-22DA-E7E669CA11B2}"/>
+              </a:ext>
+            </a:extLst>
+          </p:cNvPr>
+          <p:cNvSpPr/>
+          <p:nvPr/>
+        </p:nvSpPr>
+        <p:spPr>
+          <a:xfrm>
+            <a:off x="8664124" y="574133"/>
+            <a:ext cx="755957" cy="504056"/>
+          </a:xfrm>
+          <a:prstGeom prst="roundRect">
+            <a:avLst/>
+          </a:prstGeom>
+          <a:noFill/>
+          <a:ln w="28575">
+            <a:solidFill>
+              <a:schemeClr val="tx1"/>
+            </a:solidFill>
+            <a:prstDash val="solid"/>
+          </a:ln>
+        </p:spPr>
+        <p:style>
+          <a:lnRef idx="2">
+            <a:schemeClr val="accent1">
+              <a:shade val="50000"/>
+            </a:schemeClr>
+          </a:lnRef>
+          <a:fillRef idx="1">
+            <a:schemeClr val="accent1"/>
+          </a:fillRef>
+          <a:effectRef idx="0">
+            <a:schemeClr val="accent1"/>
+          </a:effectRef>
+          <a:fontRef idx="minor">
+            <a:schemeClr val="lt1"/>
+          </a:fontRef>
+        </p:style>
+        <p:txBody>
+          <a:bodyPr rtlCol="0" anchor="ctr"/>
+          <a:lstStyle/>
+          <a:p>
+            <a:pPr algn="ctr"/>
+            <a:r>
+              <a:rPr lang="en-US" sz="900" b="1" dirty="0">
+                <a:solidFill>
+                  <a:schemeClr val="tx1"/>
+                </a:solidFill>
+              </a:rPr>
+              <a:t>Building Schedules</a:t>
+            </a:r>
+            <a:br>
+              <a:rPr lang="en-US" sz="900" b="1" dirty="0">
+                <a:solidFill>
+                  <a:schemeClr val="tx1"/>
+                </a:solidFill>
+              </a:rPr>
+            </a:br>
+            <a:r>
+              <a:rPr lang="en-US" sz="900" b="1" dirty="0">
+                <a:solidFill>
+                  <a:schemeClr val="tx1"/>
+                </a:solidFill>
+              </a:rPr>
+              <a:t> (.csv)</a:t>
+            </a:r>
+          </a:p>
+        </p:txBody>
+      </p:sp>
+      <p:sp>
+        <p:nvSpPr>
+          <p:cNvPr id="33" name="Rounded Rectangle 32">
+            <a:extLst>
+              <a:ext uri="{FF2B5EF4-FFF2-40B4-BE49-F238E27FC236}">
+                <a16:creationId xmlns:a16="http://schemas.microsoft.com/office/drawing/2014/main" id="{F76D5F61-4F81-2884-0420-2637C297334F}"/>
+              </a:ext>
+            </a:extLst>
+          </p:cNvPr>
+          <p:cNvSpPr/>
+          <p:nvPr/>
+        </p:nvSpPr>
+        <p:spPr>
+          <a:xfrm>
+            <a:off x="4612230" y="569308"/>
+            <a:ext cx="1640656" cy="504056"/>
+          </a:xfrm>
+          <a:prstGeom prst="roundRect">
+            <a:avLst/>
+          </a:prstGeom>
+          <a:noFill/>
+          <a:ln w="28575">
+            <a:solidFill>
+              <a:schemeClr val="tx1"/>
+            </a:solidFill>
+            <a:prstDash val="solid"/>
+          </a:ln>
+        </p:spPr>
+        <p:style>
+          <a:lnRef idx="2">
+            <a:schemeClr val="accent1">
+              <a:shade val="50000"/>
+            </a:schemeClr>
+          </a:lnRef>
+          <a:fillRef idx="1">
+            <a:schemeClr val="accent1"/>
+          </a:fillRef>
+          <a:effectRef idx="0">
+            <a:schemeClr val="accent1"/>
+          </a:effectRef>
+          <a:fontRef idx="minor">
+            <a:schemeClr val="lt1"/>
+          </a:fontRef>
+        </p:style>
+        <p:txBody>
+          <a:bodyPr rtlCol="0" anchor="ctr"/>
+          <a:lstStyle/>
+          <a:p>
+            <a:pPr algn="ctr"/>
+            <a:r>
+              <a:rPr lang="en-US" sz="1200" b="1" dirty="0">
+                <a:solidFill>
+                  <a:schemeClr val="tx1"/>
+                </a:solidFill>
+              </a:rPr>
+              <a:t>Representative Building Selection</a:t>
+            </a:r>
+          </a:p>
+        </p:txBody>
+      </p:sp>
+      <p:sp>
+        <p:nvSpPr>
+          <p:cNvPr id="34" name="Rounded Rectangle 33">
+            <a:extLst>
+              <a:ext uri="{FF2B5EF4-FFF2-40B4-BE49-F238E27FC236}">
+                <a16:creationId xmlns:a16="http://schemas.microsoft.com/office/drawing/2014/main" id="{B288CFF4-AB1F-80F8-EDDC-2E443E2355FD}"/>
+              </a:ext>
+            </a:extLst>
+          </p:cNvPr>
+          <p:cNvSpPr/>
+          <p:nvPr/>
+        </p:nvSpPr>
+        <p:spPr>
+          <a:xfrm>
+            <a:off x="8618314" y="1530186"/>
+            <a:ext cx="962472" cy="504056"/>
+          </a:xfrm>
+          <a:prstGeom prst="roundRect">
+            <a:avLst/>
+          </a:prstGeom>
+          <a:noFill/>
+          <a:ln w="28575">
+            <a:solidFill>
+              <a:schemeClr val="tx1"/>
+            </a:solidFill>
+            <a:prstDash val="solid"/>
+          </a:ln>
+        </p:spPr>
+        <p:style>
+          <a:lnRef idx="2">
+            <a:schemeClr val="accent1">
+              <a:shade val="50000"/>
+            </a:schemeClr>
+          </a:lnRef>
+          <a:fillRef idx="1">
+            <a:schemeClr val="accent1"/>
+          </a:fillRef>
+          <a:effectRef idx="0">
+            <a:schemeClr val="accent1"/>
+          </a:effectRef>
+          <a:fontRef idx="minor">
+            <a:schemeClr val="lt1"/>
+          </a:fontRef>
+        </p:style>
+        <p:txBody>
+          <a:bodyPr rtlCol="0" anchor="ctr"/>
+          <a:lstStyle/>
+          <a:p>
+            <a:pPr algn="ctr"/>
+            <a:r>
+              <a:rPr lang="en-US" sz="1200" b="1" dirty="0">
+                <a:solidFill>
+                  <a:schemeClr val="tx1"/>
+                </a:solidFill>
+              </a:rPr>
+              <a:t>Weather </a:t>
+            </a:r>
+            <a:br>
+              <a:rPr lang="en-US" sz="1200" b="1" dirty="0">
+                <a:solidFill>
+                  <a:schemeClr val="tx1"/>
+                </a:solidFill>
+              </a:rPr>
+            </a:br>
+            <a:r>
+              <a:rPr lang="en-US" sz="1200" b="1" dirty="0">
+                <a:solidFill>
+                  <a:schemeClr val="tx1"/>
+                </a:solidFill>
+              </a:rPr>
+              <a:t>Database</a:t>
+            </a:r>
+          </a:p>
+        </p:txBody>
+      </p:sp>
+      <p:cxnSp>
+        <p:nvCxnSpPr>
+          <p:cNvPr id="35" name="Straight Arrow Connector 34">
+            <a:extLst>
+              <a:ext uri="{FF2B5EF4-FFF2-40B4-BE49-F238E27FC236}">
+                <a16:creationId xmlns:a16="http://schemas.microsoft.com/office/drawing/2014/main" id="{C7C35276-13BD-E7A4-3695-98178FCF7472}"/>
+              </a:ext>
+            </a:extLst>
+          </p:cNvPr>
+          <p:cNvCxnSpPr>
+            <a:cxnSpLocks/>
+            <a:endCxn id="33" idx="3"/>
+          </p:cNvCxnSpPr>
+          <p:nvPr/>
+        </p:nvCxnSpPr>
+        <p:spPr>
+          <a:xfrm flipH="1">
+            <a:off x="6252886" y="821336"/>
+            <a:ext cx="375565" cy="0"/>
+          </a:xfrm>
+          <a:prstGeom prst="straightConnector1">
+            <a:avLst/>
+          </a:prstGeom>
+          <a:ln w="28575">
+            <a:headEnd type="triangle" w="med" len="med"/>
+            <a:tailEnd type="none" w="med" len="med"/>
+          </a:ln>
+        </p:spPr>
+        <p:style>
+          <a:lnRef idx="1">
+            <a:schemeClr val="dk1"/>
+          </a:lnRef>
+          <a:fillRef idx="0">
+            <a:schemeClr val="dk1"/>
+          </a:fillRef>
+          <a:effectRef idx="0">
+            <a:schemeClr val="dk1"/>
+          </a:effectRef>
+          <a:fontRef idx="minor">
+            <a:schemeClr val="tx1"/>
+          </a:fontRef>
+        </p:style>
+      </p:cxnSp>
+      <p:cxnSp>
+        <p:nvCxnSpPr>
+          <p:cNvPr id="53" name="Straight Arrow Connector 52">
+            <a:extLst>
+              <a:ext uri="{FF2B5EF4-FFF2-40B4-BE49-F238E27FC236}">
+                <a16:creationId xmlns:a16="http://schemas.microsoft.com/office/drawing/2014/main" id="{527740D1-4F6E-4829-7012-8022CA124199}"/>
+              </a:ext>
+            </a:extLst>
+          </p:cNvPr>
+          <p:cNvCxnSpPr>
+            <a:cxnSpLocks/>
+            <a:stCxn id="34" idx="1"/>
+            <a:endCxn id="13" idx="3"/>
+          </p:cNvCxnSpPr>
+          <p:nvPr/>
+        </p:nvCxnSpPr>
+        <p:spPr>
+          <a:xfrm flipH="1">
+            <a:off x="7670465" y="1782214"/>
+            <a:ext cx="947849" cy="3217"/>
+          </a:xfrm>
+          <a:prstGeom prst="straightConnector1">
+            <a:avLst/>
+          </a:prstGeom>
+          <a:ln w="28575">
+            <a:tailEnd type="triangle"/>
+          </a:ln>
+        </p:spPr>
+        <p:style>
+          <a:lnRef idx="1">
+            <a:schemeClr val="dk1"/>
+          </a:lnRef>
+          <a:fillRef idx="0">
+            <a:schemeClr val="dk1"/>
+          </a:fillRef>
+          <a:effectRef idx="0">
+            <a:schemeClr val="dk1"/>
+          </a:effectRef>
+          <a:fontRef idx="minor">
+            <a:schemeClr val="tx1"/>
+          </a:fontRef>
+        </p:style>
+      </p:cxnSp>
+      <p:cxnSp>
+        <p:nvCxnSpPr>
+          <p:cNvPr id="55" name="Straight Arrow Connector 54">
+            <a:extLst>
+              <a:ext uri="{FF2B5EF4-FFF2-40B4-BE49-F238E27FC236}">
+                <a16:creationId xmlns:a16="http://schemas.microsoft.com/office/drawing/2014/main" id="{2246CB12-CF65-F12A-ED15-EB6AC5339DC4}"/>
+              </a:ext>
+            </a:extLst>
+          </p:cNvPr>
+          <p:cNvCxnSpPr>
+            <a:cxnSpLocks/>
+            <a:stCxn id="13" idx="2"/>
+            <a:endCxn id="62" idx="0"/>
+          </p:cNvCxnSpPr>
+          <p:nvPr/>
+        </p:nvCxnSpPr>
+        <p:spPr>
+          <a:xfrm>
+            <a:off x="7257473" y="2198423"/>
+            <a:ext cx="0" cy="477411"/>
+          </a:xfrm>
+          <a:prstGeom prst="straightConnector1">
+            <a:avLst/>
+          </a:prstGeom>
+          <a:ln w="28575">
+            <a:tailEnd type="triangle"/>
+          </a:ln>
+        </p:spPr>
+        <p:style>
+          <a:lnRef idx="1">
+            <a:schemeClr val="dk1"/>
+          </a:lnRef>
+          <a:fillRef idx="0">
+            <a:schemeClr val="dk1"/>
+          </a:fillRef>
+          <a:effectRef idx="0">
+            <a:schemeClr val="dk1"/>
+          </a:effectRef>
+          <a:fontRef idx="minor">
+            <a:schemeClr val="tx1"/>
+          </a:fontRef>
+        </p:style>
+      </p:cxnSp>
+      <p:sp>
+        <p:nvSpPr>
+          <p:cNvPr id="62" name="Rounded Rectangle 61">
+            <a:extLst>
+              <a:ext uri="{FF2B5EF4-FFF2-40B4-BE49-F238E27FC236}">
+                <a16:creationId xmlns:a16="http://schemas.microsoft.com/office/drawing/2014/main" id="{099CF519-35B8-8B43-9F85-3C000AD28E81}"/>
+              </a:ext>
+            </a:extLst>
+          </p:cNvPr>
+          <p:cNvSpPr/>
+          <p:nvPr/>
+        </p:nvSpPr>
+        <p:spPr>
+          <a:xfrm>
+            <a:off x="5716035" y="2675834"/>
+            <a:ext cx="3082875" cy="504056"/>
+          </a:xfrm>
+          <a:prstGeom prst="roundRect">
+            <a:avLst/>
+          </a:prstGeom>
+          <a:noFill/>
+          <a:ln w="28575">
+            <a:solidFill>
+              <a:schemeClr val="tx1"/>
+            </a:solidFill>
+            <a:prstDash val="solid"/>
+          </a:ln>
+        </p:spPr>
+        <p:style>
+          <a:lnRef idx="2">
+            <a:schemeClr val="accent1">
+              <a:shade val="50000"/>
+            </a:schemeClr>
+          </a:lnRef>
+          <a:fillRef idx="1">
+            <a:schemeClr val="accent1"/>
+          </a:fillRef>
+          <a:effectRef idx="0">
+            <a:schemeClr val="accent1"/>
+          </a:effectRef>
+          <a:fontRef idx="minor">
+            <a:schemeClr val="lt1"/>
+          </a:fontRef>
+        </p:style>
+        <p:txBody>
+          <a:bodyPr rtlCol="0" anchor="ctr"/>
+          <a:lstStyle/>
+          <a:p>
+            <a:pPr algn="ctr"/>
+            <a:r>
+              <a:rPr lang="en-US" sz="1200" b="1" dirty="0" err="1">
+                <a:solidFill>
+                  <a:schemeClr val="tx1"/>
+                </a:solidFill>
+              </a:rPr>
+              <a:t>EnergyPlus</a:t>
+            </a:r>
+            <a:r>
+              <a:rPr lang="en-US" sz="1200" b="1" dirty="0">
+                <a:solidFill>
+                  <a:schemeClr val="tx1"/>
+                </a:solidFill>
+              </a:rPr>
+              <a:t> Simulations</a:t>
+            </a:r>
+          </a:p>
+        </p:txBody>
+      </p:sp>
+      <p:sp>
+        <p:nvSpPr>
+          <p:cNvPr id="75" name="Rounded Rectangle 74">
+            <a:extLst>
+              <a:ext uri="{FF2B5EF4-FFF2-40B4-BE49-F238E27FC236}">
+                <a16:creationId xmlns:a16="http://schemas.microsoft.com/office/drawing/2014/main" id="{692CA36F-4C29-57A7-026A-D2C7D31C5F28}"/>
+              </a:ext>
+            </a:extLst>
+          </p:cNvPr>
+          <p:cNvSpPr/>
+          <p:nvPr/>
+        </p:nvSpPr>
+        <p:spPr>
+          <a:xfrm>
+            <a:off x="6960096" y="3439188"/>
+            <a:ext cx="613930" cy="504056"/>
+          </a:xfrm>
+          <a:prstGeom prst="roundRect">
+            <a:avLst/>
+          </a:prstGeom>
+          <a:noFill/>
+          <a:ln w="28575">
+            <a:solidFill>
+              <a:schemeClr val="tx1"/>
+            </a:solidFill>
+            <a:prstDash val="solid"/>
+          </a:ln>
+        </p:spPr>
+        <p:style>
+          <a:lnRef idx="2">
+            <a:schemeClr val="accent1">
+              <a:shade val="50000"/>
+            </a:schemeClr>
+          </a:lnRef>
+          <a:fillRef idx="1">
+            <a:schemeClr val="accent1"/>
+          </a:fillRef>
+          <a:effectRef idx="0">
+            <a:schemeClr val="accent1"/>
+          </a:effectRef>
+          <a:fontRef idx="minor">
+            <a:schemeClr val="lt1"/>
+          </a:fontRef>
+        </p:style>
+        <p:txBody>
+          <a:bodyPr rtlCol="0" anchor="ctr"/>
+          <a:lstStyle/>
+          <a:p>
+            <a:pPr algn="ctr"/>
+            <a:r>
+              <a:rPr lang="en-US" sz="1200" b="1" dirty="0">
+                <a:solidFill>
+                  <a:schemeClr val="tx1"/>
+                </a:solidFill>
+              </a:rPr>
+              <a:t>Loads</a:t>
+            </a:r>
+          </a:p>
+        </p:txBody>
+      </p:sp>
+      <p:sp>
+        <p:nvSpPr>
+          <p:cNvPr id="91" name="Rounded Rectangle 90">
+            <a:extLst>
+              <a:ext uri="{FF2B5EF4-FFF2-40B4-BE49-F238E27FC236}">
+                <a16:creationId xmlns:a16="http://schemas.microsoft.com/office/drawing/2014/main" id="{B6B7DA5D-7347-A6E8-55CD-B679C3DBC836}"/>
+              </a:ext>
+            </a:extLst>
+          </p:cNvPr>
+          <p:cNvSpPr/>
+          <p:nvPr/>
+        </p:nvSpPr>
+        <p:spPr>
+          <a:xfrm>
+            <a:off x="7936539" y="3428993"/>
+            <a:ext cx="882302" cy="504056"/>
+          </a:xfrm>
+          <a:prstGeom prst="roundRect">
+            <a:avLst/>
+          </a:prstGeom>
+          <a:noFill/>
+          <a:ln w="28575">
+            <a:solidFill>
+              <a:schemeClr val="tx1"/>
+            </a:solidFill>
+            <a:prstDash val="sysDot"/>
+          </a:ln>
+        </p:spPr>
+        <p:style>
+          <a:lnRef idx="2">
+            <a:schemeClr val="accent1">
+              <a:shade val="50000"/>
+            </a:schemeClr>
+          </a:lnRef>
+          <a:fillRef idx="1">
+            <a:schemeClr val="accent1"/>
+          </a:fillRef>
+          <a:effectRef idx="0">
+            <a:schemeClr val="accent1"/>
+          </a:effectRef>
+          <a:fontRef idx="minor">
+            <a:schemeClr val="lt1"/>
+          </a:fontRef>
+        </p:style>
+        <p:txBody>
+          <a:bodyPr rtlCol="0" anchor="ctr"/>
+          <a:lstStyle/>
+          <a:p>
+            <a:pPr algn="ctr"/>
+            <a:r>
+              <a:rPr lang="en-US" sz="1200" b="1" dirty="0">
+                <a:solidFill>
+                  <a:schemeClr val="tx1"/>
+                </a:solidFill>
+              </a:rPr>
+              <a:t>Dynamics</a:t>
+            </a:r>
+            <a:br>
+              <a:rPr lang="en-US" sz="1200" b="1" dirty="0">
+                <a:solidFill>
+                  <a:schemeClr val="tx1"/>
+                </a:solidFill>
+              </a:rPr>
+            </a:br>
+            <a:r>
+              <a:rPr lang="en-US" sz="1200" b="1" dirty="0">
+                <a:solidFill>
+                  <a:schemeClr val="tx1"/>
+                </a:solidFill>
+              </a:rPr>
+              <a:t>Model</a:t>
+            </a:r>
+          </a:p>
+        </p:txBody>
+      </p:sp>
+      <p:sp>
+        <p:nvSpPr>
+          <p:cNvPr id="97" name="Parallelogram 96">
+            <a:extLst>
+              <a:ext uri="{FF2B5EF4-FFF2-40B4-BE49-F238E27FC236}">
+                <a16:creationId xmlns:a16="http://schemas.microsoft.com/office/drawing/2014/main" id="{3CBD4115-D9F4-408C-A1E3-E4AEEB4FBC7F}"/>
+              </a:ext>
+            </a:extLst>
+          </p:cNvPr>
+          <p:cNvSpPr/>
+          <p:nvPr/>
+        </p:nvSpPr>
+        <p:spPr>
+          <a:xfrm>
+            <a:off x="5735960" y="4365100"/>
+            <a:ext cx="3082881" cy="432048"/>
+          </a:xfrm>
+          <a:prstGeom prst="parallelogram">
+            <a:avLst/>
+          </a:prstGeom>
+          <a:noFill/>
+          <a:ln>
+            <a:solidFill>
+              <a:schemeClr val="tx1"/>
+            </a:solidFill>
+          </a:ln>
+        </p:spPr>
+        <p:style>
+          <a:lnRef idx="2">
+            <a:schemeClr val="accent1">
+              <a:shade val="50000"/>
+            </a:schemeClr>
+          </a:lnRef>
+          <a:fillRef idx="1">
+            <a:schemeClr val="accent1"/>
+          </a:fillRef>
+          <a:effectRef idx="0">
+            <a:schemeClr val="accent1"/>
+          </a:effectRef>
+          <a:fontRef idx="minor">
+            <a:schemeClr val="lt1"/>
+          </a:fontRef>
+        </p:style>
+        <p:txBody>
+          <a:bodyPr rtlCol="0" anchor="ctr"/>
+          <a:lstStyle/>
+          <a:p>
+            <a:pPr algn="ctr"/>
+            <a:r>
+              <a:rPr lang="en-US" b="1" dirty="0">
+                <a:solidFill>
+                  <a:schemeClr val="tx1"/>
+                </a:solidFill>
+              </a:rPr>
+              <a:t>CityLearn</a:t>
+            </a:r>
+          </a:p>
+        </p:txBody>
+      </p:sp>
+      <p:sp>
+        <p:nvSpPr>
+          <p:cNvPr id="111" name="Parallelogram 110">
+            <a:extLst>
+              <a:ext uri="{FF2B5EF4-FFF2-40B4-BE49-F238E27FC236}">
+                <a16:creationId xmlns:a16="http://schemas.microsoft.com/office/drawing/2014/main" id="{77672B89-1C6D-2963-7224-4AB776A9FD93}"/>
+              </a:ext>
+            </a:extLst>
+          </p:cNvPr>
+          <p:cNvSpPr/>
+          <p:nvPr/>
+        </p:nvSpPr>
+        <p:spPr>
+          <a:xfrm>
+            <a:off x="5735960" y="5193194"/>
+            <a:ext cx="3062950" cy="432048"/>
+          </a:xfrm>
+          <a:prstGeom prst="parallelogram">
+            <a:avLst/>
+          </a:prstGeom>
+          <a:noFill/>
+          <a:ln>
+            <a:solidFill>
+              <a:schemeClr val="tx1"/>
+            </a:solidFill>
+          </a:ln>
+        </p:spPr>
+        <p:style>
+          <a:lnRef idx="2">
+            <a:schemeClr val="accent1">
+              <a:shade val="50000"/>
+            </a:schemeClr>
+          </a:lnRef>
+          <a:fillRef idx="1">
+            <a:schemeClr val="accent1"/>
+          </a:fillRef>
+          <a:effectRef idx="0">
+            <a:schemeClr val="accent1"/>
+          </a:effectRef>
+          <a:fontRef idx="minor">
+            <a:schemeClr val="lt1"/>
+          </a:fontRef>
+        </p:style>
+        <p:txBody>
+          <a:bodyPr rtlCol="0" anchor="ctr"/>
+          <a:lstStyle/>
+          <a:p>
+            <a:pPr algn="ctr"/>
+            <a:r>
+              <a:rPr lang="en-US" b="1" dirty="0">
+                <a:solidFill>
+                  <a:schemeClr val="tx1"/>
+                </a:solidFill>
+              </a:rPr>
+              <a:t>KPIs</a:t>
+            </a:r>
+          </a:p>
+        </p:txBody>
+      </p:sp>
+      <p:cxnSp>
+        <p:nvCxnSpPr>
+          <p:cNvPr id="124" name="Straight Arrow Connector 123">
+            <a:extLst>
+              <a:ext uri="{FF2B5EF4-FFF2-40B4-BE49-F238E27FC236}">
+                <a16:creationId xmlns:a16="http://schemas.microsoft.com/office/drawing/2014/main" id="{E011DD27-8FD5-6164-051C-42E2C5DC21ED}"/>
+              </a:ext>
+            </a:extLst>
+          </p:cNvPr>
+          <p:cNvCxnSpPr>
+            <a:cxnSpLocks/>
+            <a:stCxn id="97" idx="4"/>
+            <a:endCxn id="111" idx="0"/>
+          </p:cNvCxnSpPr>
+          <p:nvPr/>
+        </p:nvCxnSpPr>
+        <p:spPr>
+          <a:xfrm flipH="1">
+            <a:off x="7267435" y="4797148"/>
+            <a:ext cx="9966" cy="396046"/>
+          </a:xfrm>
+          <a:prstGeom prst="straightConnector1">
+            <a:avLst/>
+          </a:prstGeom>
+          <a:ln w="28575">
+            <a:tailEnd type="triangle"/>
+          </a:ln>
+        </p:spPr>
+        <p:style>
+          <a:lnRef idx="1">
+            <a:schemeClr val="dk1"/>
+          </a:lnRef>
+          <a:fillRef idx="0">
+            <a:schemeClr val="dk1"/>
+          </a:fillRef>
+          <a:effectRef idx="0">
+            <a:schemeClr val="dk1"/>
+          </a:effectRef>
+          <a:fontRef idx="minor">
+            <a:schemeClr val="tx1"/>
+          </a:fontRef>
+        </p:style>
+      </p:cxnSp>
+      <p:sp>
+        <p:nvSpPr>
+          <p:cNvPr id="135" name="Rounded Rectangle 134">
+            <a:extLst>
+              <a:ext uri="{FF2B5EF4-FFF2-40B4-BE49-F238E27FC236}">
+                <a16:creationId xmlns:a16="http://schemas.microsoft.com/office/drawing/2014/main" id="{427AB17B-CC30-E769-EC0B-1185B6854D6C}"/>
+              </a:ext>
+            </a:extLst>
+          </p:cNvPr>
+          <p:cNvSpPr/>
+          <p:nvPr/>
+        </p:nvSpPr>
+        <p:spPr>
+          <a:xfrm>
+            <a:off x="5735961" y="3439188"/>
+            <a:ext cx="1108520" cy="493861"/>
+          </a:xfrm>
+          <a:prstGeom prst="roundRect">
+            <a:avLst/>
+          </a:prstGeom>
+          <a:noFill/>
+          <a:ln w="28575">
+            <a:solidFill>
+              <a:schemeClr val="tx1"/>
+            </a:solidFill>
+            <a:prstDash val="solid"/>
+          </a:ln>
+        </p:spPr>
+        <p:style>
+          <a:lnRef idx="2">
+            <a:schemeClr val="accent1">
+              <a:shade val="50000"/>
+            </a:schemeClr>
+          </a:lnRef>
+          <a:fillRef idx="1">
+            <a:schemeClr val="accent1"/>
+          </a:fillRef>
+          <a:effectRef idx="0">
+            <a:schemeClr val="accent1"/>
+          </a:effectRef>
+          <a:fontRef idx="minor">
+            <a:schemeClr val="lt1"/>
+          </a:fontRef>
+        </p:style>
+        <p:txBody>
+          <a:bodyPr rtlCol="0" anchor="ctr"/>
+          <a:lstStyle/>
+          <a:p>
+            <a:pPr algn="ctr"/>
+            <a:r>
+              <a:rPr lang="en-US" sz="1200" b="1" dirty="0">
+                <a:solidFill>
+                  <a:schemeClr val="tx1"/>
+                </a:solidFill>
+              </a:rPr>
+              <a:t>Systems</a:t>
+            </a:r>
+            <a:br>
+              <a:rPr lang="en-US" sz="1200" b="1" dirty="0">
+                <a:solidFill>
+                  <a:schemeClr val="tx1"/>
+                </a:solidFill>
+              </a:rPr>
+            </a:br>
+            <a:r>
+              <a:rPr lang="en-US" sz="1200" b="1" dirty="0">
+                <a:solidFill>
+                  <a:schemeClr val="tx1"/>
+                </a:solidFill>
+              </a:rPr>
+              <a:t>Specifications</a:t>
+            </a:r>
+          </a:p>
+        </p:txBody>
+      </p:sp>
+      <p:sp>
+        <p:nvSpPr>
+          <p:cNvPr id="140" name="Rounded Rectangle 139">
+            <a:extLst>
+              <a:ext uri="{FF2B5EF4-FFF2-40B4-BE49-F238E27FC236}">
+                <a16:creationId xmlns:a16="http://schemas.microsoft.com/office/drawing/2014/main" id="{810F7E2D-8E6B-EEED-D906-1E347B25489F}"/>
+              </a:ext>
+            </a:extLst>
+          </p:cNvPr>
+          <p:cNvSpPr/>
+          <p:nvPr/>
+        </p:nvSpPr>
+        <p:spPr>
+          <a:xfrm>
+            <a:off x="4612235" y="1530186"/>
+            <a:ext cx="1640656" cy="504056"/>
+          </a:xfrm>
+          <a:prstGeom prst="roundRect">
+            <a:avLst/>
+          </a:prstGeom>
+          <a:noFill/>
+          <a:ln w="28575">
+            <a:solidFill>
+              <a:schemeClr val="tx1"/>
+            </a:solidFill>
+            <a:prstDash val="sysDot"/>
+          </a:ln>
+        </p:spPr>
+        <p:style>
+          <a:lnRef idx="2">
+            <a:schemeClr val="accent1">
+              <a:shade val="50000"/>
+            </a:schemeClr>
+          </a:lnRef>
+          <a:fillRef idx="1">
+            <a:schemeClr val="accent1"/>
+          </a:fillRef>
+          <a:effectRef idx="0">
+            <a:schemeClr val="accent1"/>
+          </a:effectRef>
+          <a:fontRef idx="minor">
+            <a:schemeClr val="lt1"/>
+          </a:fontRef>
+        </p:style>
+        <p:txBody>
+          <a:bodyPr rtlCol="0" anchor="ctr"/>
+          <a:lstStyle/>
+          <a:p>
+            <a:pPr algn="ctr"/>
+            <a:r>
+              <a:rPr lang="en-US" sz="1200" b="1" dirty="0">
+                <a:solidFill>
+                  <a:schemeClr val="tx1"/>
+                </a:solidFill>
+              </a:rPr>
+              <a:t>Representative</a:t>
+            </a:r>
+            <a:br>
+              <a:rPr lang="en-US" sz="1200" b="1" dirty="0">
+                <a:solidFill>
+                  <a:schemeClr val="tx1"/>
+                </a:solidFill>
+              </a:rPr>
+            </a:br>
+            <a:r>
+              <a:rPr lang="en-US" sz="1200" b="1" dirty="0">
+                <a:solidFill>
+                  <a:schemeClr val="tx1"/>
+                </a:solidFill>
+              </a:rPr>
+              <a:t>Thermostat Setpoints</a:t>
+            </a:r>
+          </a:p>
+        </p:txBody>
+      </p:sp>
+      <p:cxnSp>
+        <p:nvCxnSpPr>
+          <p:cNvPr id="146" name="Straight Arrow Connector 145">
+            <a:extLst>
+              <a:ext uri="{FF2B5EF4-FFF2-40B4-BE49-F238E27FC236}">
+                <a16:creationId xmlns:a16="http://schemas.microsoft.com/office/drawing/2014/main" id="{80088855-FF0C-7255-1B0A-5E4A81CEE8AD}"/>
+              </a:ext>
+            </a:extLst>
+          </p:cNvPr>
+          <p:cNvCxnSpPr>
+            <a:cxnSpLocks/>
+            <a:stCxn id="140" idx="3"/>
+            <a:endCxn id="13" idx="1"/>
+          </p:cNvCxnSpPr>
+          <p:nvPr/>
+        </p:nvCxnSpPr>
+        <p:spPr>
+          <a:xfrm>
+            <a:off x="6252891" y="1782214"/>
+            <a:ext cx="591589" cy="3217"/>
+          </a:xfrm>
+          <a:prstGeom prst="straightConnector1">
+            <a:avLst/>
+          </a:prstGeom>
+          <a:ln w="28575">
+            <a:tailEnd type="triangle"/>
+          </a:ln>
+        </p:spPr>
+        <p:style>
+          <a:lnRef idx="1">
+            <a:schemeClr val="dk1"/>
+          </a:lnRef>
+          <a:fillRef idx="0">
+            <a:schemeClr val="dk1"/>
+          </a:fillRef>
+          <a:effectRef idx="0">
+            <a:schemeClr val="dk1"/>
+          </a:effectRef>
+          <a:fontRef idx="minor">
+            <a:schemeClr val="tx1"/>
+          </a:fontRef>
+        </p:style>
+      </p:cxnSp>
+      <p:cxnSp>
+        <p:nvCxnSpPr>
+          <p:cNvPr id="174" name="Straight Arrow Connector 173">
+            <a:extLst>
+              <a:ext uri="{FF2B5EF4-FFF2-40B4-BE49-F238E27FC236}">
+                <a16:creationId xmlns:a16="http://schemas.microsoft.com/office/drawing/2014/main" id="{FFE3F5EE-8540-8F00-0373-C3A15D678437}"/>
+              </a:ext>
+            </a:extLst>
+          </p:cNvPr>
+          <p:cNvCxnSpPr>
+            <a:cxnSpLocks/>
+            <a:stCxn id="62" idx="2"/>
+            <a:endCxn id="75" idx="0"/>
+          </p:cNvCxnSpPr>
+          <p:nvPr/>
+        </p:nvCxnSpPr>
+        <p:spPr>
+          <a:xfrm>
+            <a:off x="7257473" y="3179890"/>
+            <a:ext cx="9588" cy="259298"/>
+          </a:xfrm>
+          <a:prstGeom prst="straightConnector1">
+            <a:avLst/>
+          </a:prstGeom>
+          <a:ln w="28575">
+            <a:tailEnd type="triangle"/>
+          </a:ln>
+        </p:spPr>
+        <p:style>
+          <a:lnRef idx="1">
+            <a:schemeClr val="dk1"/>
+          </a:lnRef>
+          <a:fillRef idx="0">
+            <a:schemeClr val="dk1"/>
+          </a:fillRef>
+          <a:effectRef idx="0">
+            <a:schemeClr val="dk1"/>
+          </a:effectRef>
+          <a:fontRef idx="minor">
+            <a:schemeClr val="tx1"/>
+          </a:fontRef>
+        </p:style>
+      </p:cxnSp>
+      <p:cxnSp>
+        <p:nvCxnSpPr>
+          <p:cNvPr id="205" name="Straight Arrow Connector 204">
+            <a:extLst>
+              <a:ext uri="{FF2B5EF4-FFF2-40B4-BE49-F238E27FC236}">
+                <a16:creationId xmlns:a16="http://schemas.microsoft.com/office/drawing/2014/main" id="{D0E7D5D4-18E1-5DE2-C373-E505231F1A81}"/>
+              </a:ext>
+            </a:extLst>
+          </p:cNvPr>
+          <p:cNvCxnSpPr>
+            <a:cxnSpLocks/>
+            <a:stCxn id="75" idx="2"/>
+            <a:endCxn id="97" idx="0"/>
+          </p:cNvCxnSpPr>
+          <p:nvPr/>
+        </p:nvCxnSpPr>
+        <p:spPr>
+          <a:xfrm>
+            <a:off x="7267061" y="3943244"/>
+            <a:ext cx="10340" cy="421856"/>
+          </a:xfrm>
+          <a:prstGeom prst="straightConnector1">
+            <a:avLst/>
+          </a:prstGeom>
+          <a:ln w="28575">
+            <a:tailEnd type="triangle"/>
+          </a:ln>
+        </p:spPr>
+        <p:style>
+          <a:lnRef idx="1">
+            <a:schemeClr val="dk1"/>
+          </a:lnRef>
+          <a:fillRef idx="0">
+            <a:schemeClr val="dk1"/>
+          </a:fillRef>
+          <a:effectRef idx="0">
+            <a:schemeClr val="dk1"/>
+          </a:effectRef>
+          <a:fontRef idx="minor">
+            <a:schemeClr val="tx1"/>
+          </a:fontRef>
+        </p:style>
+      </p:cxnSp>
+      <p:cxnSp>
+        <p:nvCxnSpPr>
+          <p:cNvPr id="213" name="Straight Arrow Connector 212">
+            <a:extLst>
+              <a:ext uri="{FF2B5EF4-FFF2-40B4-BE49-F238E27FC236}">
+                <a16:creationId xmlns:a16="http://schemas.microsoft.com/office/drawing/2014/main" id="{18D93CFF-1E9F-27FB-59B8-3A9151F6E50D}"/>
+              </a:ext>
+            </a:extLst>
+          </p:cNvPr>
+          <p:cNvCxnSpPr>
+            <a:cxnSpLocks/>
+            <a:stCxn id="135" idx="2"/>
+          </p:cNvCxnSpPr>
+          <p:nvPr/>
+        </p:nvCxnSpPr>
+        <p:spPr>
+          <a:xfrm>
+            <a:off x="6290221" y="3933049"/>
+            <a:ext cx="2588" cy="449320"/>
+          </a:xfrm>
+          <a:prstGeom prst="straightConnector1">
+            <a:avLst/>
+          </a:prstGeom>
+          <a:ln w="28575">
+            <a:tailEnd type="triangle"/>
+          </a:ln>
+        </p:spPr>
+        <p:style>
+          <a:lnRef idx="1">
+            <a:schemeClr val="dk1"/>
+          </a:lnRef>
+          <a:fillRef idx="0">
+            <a:schemeClr val="dk1"/>
+          </a:fillRef>
+          <a:effectRef idx="0">
+            <a:schemeClr val="dk1"/>
+          </a:effectRef>
+          <a:fontRef idx="minor">
+            <a:schemeClr val="tx1"/>
+          </a:fontRef>
+        </p:style>
+      </p:cxnSp>
+      <p:cxnSp>
+        <p:nvCxnSpPr>
+          <p:cNvPr id="215" name="Straight Arrow Connector 214">
+            <a:extLst>
+              <a:ext uri="{FF2B5EF4-FFF2-40B4-BE49-F238E27FC236}">
+                <a16:creationId xmlns:a16="http://schemas.microsoft.com/office/drawing/2014/main" id="{AE9AF2D4-6B63-959B-8694-CB6BF9BC25E5}"/>
+              </a:ext>
+            </a:extLst>
+          </p:cNvPr>
+          <p:cNvCxnSpPr>
+            <a:cxnSpLocks/>
+            <a:stCxn id="91" idx="2"/>
+          </p:cNvCxnSpPr>
+          <p:nvPr/>
+        </p:nvCxnSpPr>
+        <p:spPr>
+          <a:xfrm>
+            <a:off x="8377690" y="3933049"/>
+            <a:ext cx="1" cy="432048"/>
+          </a:xfrm>
+          <a:prstGeom prst="straightConnector1">
+            <a:avLst/>
+          </a:prstGeom>
+          <a:ln w="28575">
+            <a:tailEnd type="triangle"/>
+          </a:ln>
+        </p:spPr>
+        <p:style>
+          <a:lnRef idx="1">
+            <a:schemeClr val="dk1"/>
+          </a:lnRef>
+          <a:fillRef idx="0">
+            <a:schemeClr val="dk1"/>
+          </a:fillRef>
+          <a:effectRef idx="0">
+            <a:schemeClr val="dk1"/>
+          </a:effectRef>
+          <a:fontRef idx="minor">
+            <a:schemeClr val="tx1"/>
+          </a:fontRef>
+        </p:style>
+      </p:cxnSp>
+      <p:grpSp>
+        <p:nvGrpSpPr>
+          <p:cNvPr id="223" name="Group 222">
+            <a:extLst>
+              <a:ext uri="{FF2B5EF4-FFF2-40B4-BE49-F238E27FC236}">
+                <a16:creationId xmlns:a16="http://schemas.microsoft.com/office/drawing/2014/main" id="{004616CF-586C-922A-69BC-33AC36D7A008}"/>
+              </a:ext>
+            </a:extLst>
+          </p:cNvPr>
+          <p:cNvGrpSpPr>
+            <a:grpSpLocks noChangeAspect="1"/>
+          </p:cNvGrpSpPr>
+          <p:nvPr/>
+        </p:nvGrpSpPr>
+        <p:grpSpPr>
+          <a:xfrm>
+            <a:off x="4483066" y="4220868"/>
+            <a:ext cx="777240" cy="802716"/>
+            <a:chOff x="6937314" y="2943131"/>
+            <a:chExt cx="597585" cy="617173"/>
+          </a:xfrm>
+          <a:noFill/>
+        </p:grpSpPr>
+        <p:sp>
+          <p:nvSpPr>
+            <p:cNvPr id="224" name="Oval 223">
+              <a:extLst>
+                <a:ext uri="{FF2B5EF4-FFF2-40B4-BE49-F238E27FC236}">
+                  <a16:creationId xmlns:a16="http://schemas.microsoft.com/office/drawing/2014/main" id="{B59D2803-77B6-AD1F-7EEC-14E5957A1051}"/>
+                </a:ext>
+              </a:extLst>
+            </p:cNvPr>
+            <p:cNvSpPr/>
+            <p:nvPr/>
+          </p:nvSpPr>
+          <p:spPr>
+            <a:xfrm>
+              <a:off x="6975940" y="2943131"/>
+              <a:ext cx="525923" cy="525923"/>
+            </a:xfrm>
+            <a:prstGeom prst="ellipse">
+              <a:avLst/>
+            </a:prstGeom>
+            <a:grpFill/>
+            <a:ln w="28575">
+              <a:solidFill>
+                <a:schemeClr val="tx1"/>
+              </a:solidFill>
+              <a:prstDash val="solid"/>
+            </a:ln>
+          </p:spPr>
+          <p:style>
+            <a:lnRef idx="2">
+              <a:schemeClr val="accent1">
+                <a:shade val="50000"/>
+              </a:schemeClr>
+            </a:lnRef>
+            <a:fillRef idx="1">
+              <a:schemeClr val="accent1"/>
+            </a:fillRef>
+            <a:effectRef idx="0">
+              <a:schemeClr val="accent1"/>
+            </a:effectRef>
+            <a:fontRef idx="minor">
+              <a:schemeClr val="lt1"/>
+            </a:fontRef>
+          </p:style>
+          <p:txBody>
+            <a:bodyPr rtlCol="0" anchor="ctr"/>
+            <a:lstStyle/>
+            <a:p>
+              <a:pPr algn="ctr"/>
+              <a:endParaRPr lang="en-US" dirty="0"/>
+            </a:p>
+          </p:txBody>
+        </p:sp>
+        <p:sp>
+          <p:nvSpPr>
+            <p:cNvPr id="225" name="TextBox 224">
+              <a:extLst>
+                <a:ext uri="{FF2B5EF4-FFF2-40B4-BE49-F238E27FC236}">
+                  <a16:creationId xmlns:a16="http://schemas.microsoft.com/office/drawing/2014/main" id="{00FE9146-01B6-967B-C1F3-B14D35216BCE}"/>
+                </a:ext>
+              </a:extLst>
+            </p:cNvPr>
+            <p:cNvSpPr txBox="1"/>
+            <p:nvPr/>
+          </p:nvSpPr>
+          <p:spPr>
+            <a:xfrm>
+              <a:off x="6937314" y="3013747"/>
+              <a:ext cx="597585" cy="546557"/>
+            </a:xfrm>
+            <a:prstGeom prst="rect">
+              <a:avLst/>
+            </a:prstGeom>
+            <a:grpFill/>
+            <a:ln>
+              <a:noFill/>
+              <a:prstDash val="solid"/>
+            </a:ln>
+          </p:spPr>
+          <p:txBody>
+            <a:bodyPr wrap="square" rtlCol="0">
+              <a:spAutoFit/>
+            </a:bodyPr>
+            <a:lstStyle/>
+            <a:p>
+              <a:pPr algn="ctr"/>
+              <a:r>
+                <a:rPr lang="en-US" sz="1200" b="1" dirty="0"/>
+                <a:t>Control</a:t>
+              </a:r>
+              <a:br>
+                <a:rPr lang="en-US" sz="1200" b="1" dirty="0"/>
+              </a:br>
+              <a:r>
+                <a:rPr lang="en-US" sz="1200" b="1" dirty="0"/>
+                <a:t>Agent(s)</a:t>
+              </a:r>
+            </a:p>
+          </p:txBody>
+        </p:sp>
+      </p:grpSp>
+      <p:cxnSp>
+        <p:nvCxnSpPr>
+          <p:cNvPr id="254" name="Straight Arrow Connector 253">
+            <a:extLst>
+              <a:ext uri="{FF2B5EF4-FFF2-40B4-BE49-F238E27FC236}">
+                <a16:creationId xmlns:a16="http://schemas.microsoft.com/office/drawing/2014/main" id="{4978A571-EFFF-1E48-89B9-E254764834FC}"/>
+              </a:ext>
+            </a:extLst>
+          </p:cNvPr>
+          <p:cNvCxnSpPr>
+            <a:cxnSpLocks/>
+            <a:endCxn id="97" idx="5"/>
+          </p:cNvCxnSpPr>
+          <p:nvPr/>
+        </p:nvCxnSpPr>
+        <p:spPr>
+          <a:xfrm>
+            <a:off x="5217338" y="4581124"/>
+            <a:ext cx="572628" cy="0"/>
+          </a:xfrm>
+          <a:prstGeom prst="straightConnector1">
+            <a:avLst/>
+          </a:prstGeom>
+          <a:ln w="28575">
+            <a:headEnd type="triangle" w="med" len="med"/>
+            <a:tailEnd type="triangle" w="med" len="med"/>
+          </a:ln>
+        </p:spPr>
+        <p:style>
+          <a:lnRef idx="1">
+            <a:schemeClr val="dk1"/>
+          </a:lnRef>
+          <a:fillRef idx="0">
+            <a:schemeClr val="dk1"/>
+          </a:fillRef>
+          <a:effectRef idx="0">
+            <a:schemeClr val="dk1"/>
+          </a:effectRef>
+          <a:fontRef idx="minor">
+            <a:schemeClr val="tx1"/>
+          </a:fontRef>
+        </p:style>
+      </p:cxnSp>
+      <p:cxnSp>
+        <p:nvCxnSpPr>
+          <p:cNvPr id="266" name="Straight Arrow Connector 265">
+            <a:extLst>
+              <a:ext uri="{FF2B5EF4-FFF2-40B4-BE49-F238E27FC236}">
+                <a16:creationId xmlns:a16="http://schemas.microsoft.com/office/drawing/2014/main" id="{12C4AD9F-69D2-087C-96B3-DBD6C198F922}"/>
+              </a:ext>
+            </a:extLst>
+          </p:cNvPr>
+          <p:cNvCxnSpPr>
+            <a:cxnSpLocks/>
+            <a:stCxn id="75" idx="3"/>
+            <a:endCxn id="91" idx="1"/>
+          </p:cNvCxnSpPr>
+          <p:nvPr/>
+        </p:nvCxnSpPr>
+        <p:spPr>
+          <a:xfrm flipV="1">
+            <a:off x="7574026" y="3681021"/>
+            <a:ext cx="362513" cy="10195"/>
+          </a:xfrm>
+          <a:prstGeom prst="straightConnector1">
+            <a:avLst/>
+          </a:prstGeom>
+          <a:ln w="28575">
+            <a:tailEnd type="triangle"/>
+          </a:ln>
+        </p:spPr>
+        <p:style>
+          <a:lnRef idx="1">
+            <a:schemeClr val="dk1"/>
+          </a:lnRef>
+          <a:fillRef idx="0">
+            <a:schemeClr val="dk1"/>
+          </a:fillRef>
+          <a:effectRef idx="0">
+            <a:schemeClr val="dk1"/>
+          </a:effectRef>
+          <a:fontRef idx="minor">
+            <a:schemeClr val="tx1"/>
+          </a:fontRef>
+        </p:style>
+      </p:cxnSp>
+      <p:sp>
+        <p:nvSpPr>
+          <p:cNvPr id="270" name="TextBox 269">
+            <a:extLst>
+              <a:ext uri="{FF2B5EF4-FFF2-40B4-BE49-F238E27FC236}">
+                <a16:creationId xmlns:a16="http://schemas.microsoft.com/office/drawing/2014/main" id="{3DCCB8A5-7387-7B69-172E-DAA0C375708F}"/>
+              </a:ext>
+            </a:extLst>
+          </p:cNvPr>
+          <p:cNvSpPr txBox="1"/>
+          <p:nvPr/>
+        </p:nvSpPr>
+        <p:spPr>
+          <a:xfrm>
+            <a:off x="7446664" y="308729"/>
+            <a:ext cx="1138773" cy="276999"/>
+          </a:xfrm>
+          <a:prstGeom prst="rect">
+            <a:avLst/>
+          </a:prstGeom>
+          <a:noFill/>
+        </p:spPr>
+        <p:txBody>
+          <a:bodyPr wrap="none" rtlCol="0">
+            <a:spAutoFit/>
+          </a:bodyPr>
+          <a:lstStyle/>
+          <a:p>
+            <a:r>
+              <a:rPr lang="en-US" sz="1200" b="1" dirty="0">
+                <a:solidFill>
+                  <a:srgbClr val="C00000"/>
+                </a:solidFill>
+              </a:rPr>
+              <a:t>EULP Database</a:t>
+            </a:r>
+          </a:p>
+        </p:txBody>
+      </p:sp>
+      <p:sp>
+        <p:nvSpPr>
+          <p:cNvPr id="275" name="TextBox 274">
+            <a:extLst>
+              <a:ext uri="{FF2B5EF4-FFF2-40B4-BE49-F238E27FC236}">
+                <a16:creationId xmlns:a16="http://schemas.microsoft.com/office/drawing/2014/main" id="{D30CCAD0-4072-9983-C400-3D101213FC8E}"/>
+              </a:ext>
+            </a:extLst>
+          </p:cNvPr>
+          <p:cNvSpPr txBox="1"/>
+          <p:nvPr/>
+        </p:nvSpPr>
+        <p:spPr>
+          <a:xfrm>
+            <a:off x="1023059" y="363047"/>
+            <a:ext cx="1449820" cy="1077218"/>
+          </a:xfrm>
+          <a:prstGeom prst="rect">
+            <a:avLst/>
+          </a:prstGeom>
+          <a:noFill/>
+        </p:spPr>
+        <p:txBody>
+          <a:bodyPr wrap="none" rtlCol="0">
+            <a:spAutoFit/>
+          </a:bodyPr>
+          <a:lstStyle/>
+          <a:p>
+            <a:pPr algn="r"/>
+            <a:r>
+              <a:rPr lang="en-US" sz="1600" b="1" dirty="0"/>
+              <a:t>Phase 1</a:t>
+            </a:r>
+            <a:br>
+              <a:rPr lang="en-US" sz="1600" b="1" dirty="0"/>
+            </a:br>
+            <a:r>
+              <a:rPr lang="en-US" sz="1600" dirty="0"/>
+              <a:t>Neighborhood</a:t>
+            </a:r>
+            <a:br>
+              <a:rPr lang="en-US" sz="1600" dirty="0"/>
+            </a:br>
+            <a:r>
+              <a:rPr lang="en-US" sz="1600" dirty="0"/>
+              <a:t> Design &amp;</a:t>
+            </a:r>
+          </a:p>
+          <a:p>
+            <a:pPr algn="r"/>
+            <a:r>
+              <a:rPr lang="en-US" sz="1600" dirty="0"/>
+              <a:t>Data Collection</a:t>
+            </a:r>
+          </a:p>
+        </p:txBody>
+      </p:sp>
+      <p:sp>
+        <p:nvSpPr>
+          <p:cNvPr id="276" name="TextBox 275">
+            <a:extLst>
+              <a:ext uri="{FF2B5EF4-FFF2-40B4-BE49-F238E27FC236}">
+                <a16:creationId xmlns:a16="http://schemas.microsoft.com/office/drawing/2014/main" id="{4EA72FA4-D2CA-AB19-EB04-6AF6A06A05C0}"/>
+              </a:ext>
+            </a:extLst>
+          </p:cNvPr>
+          <p:cNvSpPr txBox="1"/>
+          <p:nvPr/>
+        </p:nvSpPr>
+        <p:spPr>
+          <a:xfrm>
+            <a:off x="954191" y="2833481"/>
+            <a:ext cx="1518043" cy="1077218"/>
+          </a:xfrm>
+          <a:prstGeom prst="rect">
+            <a:avLst/>
+          </a:prstGeom>
+          <a:noFill/>
+        </p:spPr>
+        <p:txBody>
+          <a:bodyPr wrap="none" rtlCol="0">
+            <a:spAutoFit/>
+          </a:bodyPr>
+          <a:lstStyle/>
+          <a:p>
+            <a:pPr algn="r"/>
+            <a:r>
+              <a:rPr lang="en-US" sz="1600" b="1" dirty="0"/>
+              <a:t>Phase 2</a:t>
+            </a:r>
+            <a:br>
+              <a:rPr lang="en-US" sz="1600" b="1" dirty="0"/>
+            </a:br>
+            <a:r>
+              <a:rPr lang="en-US" sz="1600" dirty="0"/>
+              <a:t>Load Simulation</a:t>
+            </a:r>
+          </a:p>
+          <a:p>
+            <a:pPr algn="r"/>
+            <a:r>
+              <a:rPr lang="en-US" sz="1600" dirty="0"/>
+              <a:t>&amp;</a:t>
+            </a:r>
+            <a:r>
+              <a:rPr lang="en-US" sz="1600" b="1" dirty="0"/>
+              <a:t> </a:t>
+            </a:r>
+            <a:r>
+              <a:rPr lang="en-US" sz="1600" dirty="0"/>
+              <a:t>Dataset</a:t>
+            </a:r>
+          </a:p>
+          <a:p>
+            <a:pPr algn="r"/>
+            <a:r>
+              <a:rPr lang="en-US" sz="1600" dirty="0"/>
+              <a:t>Preparation</a:t>
+            </a:r>
+          </a:p>
+        </p:txBody>
+      </p:sp>
+      <p:sp>
+        <p:nvSpPr>
+          <p:cNvPr id="277" name="TextBox 276">
+            <a:extLst>
+              <a:ext uri="{FF2B5EF4-FFF2-40B4-BE49-F238E27FC236}">
+                <a16:creationId xmlns:a16="http://schemas.microsoft.com/office/drawing/2014/main" id="{40DB006A-9260-C592-AAC4-FFED39BB7B8C}"/>
+              </a:ext>
+            </a:extLst>
+          </p:cNvPr>
+          <p:cNvSpPr txBox="1"/>
+          <p:nvPr/>
+        </p:nvSpPr>
+        <p:spPr>
+          <a:xfrm>
+            <a:off x="1260182" y="4399457"/>
+            <a:ext cx="1214050" cy="1077218"/>
+          </a:xfrm>
+          <a:prstGeom prst="rect">
+            <a:avLst/>
+          </a:prstGeom>
+          <a:noFill/>
+        </p:spPr>
+        <p:txBody>
+          <a:bodyPr wrap="none" rtlCol="0">
+            <a:spAutoFit/>
+          </a:bodyPr>
+          <a:lstStyle/>
+          <a:p>
+            <a:pPr algn="r"/>
+            <a:r>
+              <a:rPr lang="en-US" sz="1600" b="1" dirty="0"/>
+              <a:t>Phase 3</a:t>
+            </a:r>
+            <a:br>
+              <a:rPr lang="en-US" sz="1600" b="1" dirty="0"/>
+            </a:br>
+            <a:r>
+              <a:rPr lang="en-US" sz="1600" dirty="0"/>
+              <a:t>Control</a:t>
+            </a:r>
+          </a:p>
+          <a:p>
+            <a:pPr algn="r"/>
+            <a:r>
+              <a:rPr lang="en-US" sz="1600" dirty="0"/>
+              <a:t>Simulation</a:t>
+            </a:r>
+            <a:br>
+              <a:rPr lang="en-US" sz="1600" dirty="0"/>
+            </a:br>
+            <a:r>
+              <a:rPr lang="en-US" sz="1600" dirty="0"/>
+              <a:t>&amp; Reporting</a:t>
+            </a:r>
+          </a:p>
+        </p:txBody>
+      </p:sp>
       <p:pic>
         <p:nvPicPr>
-          <p:cNvPr id="71" name="Picture 70">
-            <a:extLst>
-              <a:ext uri="{FF2B5EF4-FFF2-40B4-BE49-F238E27FC236}">
-                <a16:creationId xmlns:a16="http://schemas.microsoft.com/office/drawing/2014/main" id="{E888D89C-48C0-655D-3E76-EFFB1F712FC0}"/>
+          <p:cNvPr id="9" name="Picture 8" descr="Logo, company name&#10;&#10;Description automatically generated">
+            <a:extLst>
+              <a:ext uri="{FF2B5EF4-FFF2-40B4-BE49-F238E27FC236}">
+                <a16:creationId xmlns:a16="http://schemas.microsoft.com/office/drawing/2014/main" id="{10142BE9-4AF7-06AE-5962-1B0F6B953C3B}"/>
+              </a:ext>
+            </a:extLst>
+          </p:cNvPr>
+          <p:cNvPicPr>
+            <a:picLocks noChangeAspect="1"/>
+          </p:cNvPicPr>
+          <p:nvPr/>
+        </p:nvPicPr>
+        <p:blipFill>
+          <a:blip r:embed="rId2">
+            <a:extLst>
+              <a:ext uri="{28A0092B-C50C-407E-A947-70E740481C1C}">
+                <a14:useLocalDpi xmlns:a14="http://schemas.microsoft.com/office/drawing/2010/main" val="0"/>
+              </a:ext>
+              <a:ext uri="{837473B0-CC2E-450A-ABE3-18F120FF3D39}">
+                <a1611:picAttrSrcUrl xmlns:a1611="http://schemas.microsoft.com/office/drawing/2016/11/main" r:id="rId3"/>
+              </a:ext>
+            </a:extLst>
+          </a:blip>
+          <a:stretch>
+            <a:fillRect/>
+          </a:stretch>
+        </p:blipFill>
+        <p:spPr>
+          <a:xfrm>
+            <a:off x="7060504" y="1408153"/>
+            <a:ext cx="464842" cy="220335"/>
+          </a:xfrm>
+          <a:prstGeom prst="rect">
+            <a:avLst/>
+          </a:prstGeom>
+        </p:spPr>
+      </p:pic>
+      <p:pic>
+        <p:nvPicPr>
+          <p:cNvPr id="13" name="Picture 12" descr="Shape&#10;&#10;Description automatically generated with low confidence">
+            <a:extLst>
+              <a:ext uri="{FF2B5EF4-FFF2-40B4-BE49-F238E27FC236}">
+                <a16:creationId xmlns:a16="http://schemas.microsoft.com/office/drawing/2014/main" id="{F912ADC7-0E78-602A-1CED-B009B5CFA180}"/>
+              </a:ext>
+            </a:extLst>
+          </p:cNvPr>
+          <p:cNvPicPr>
+            <a:picLocks noChangeAspect="1"/>
+          </p:cNvPicPr>
+          <p:nvPr/>
+        </p:nvPicPr>
+        <p:blipFill>
+          <a:blip r:embed="rId4">
+            <a:extLst>
+              <a:ext uri="{28A0092B-C50C-407E-A947-70E740481C1C}">
+                <a14:useLocalDpi xmlns:a14="http://schemas.microsoft.com/office/drawing/2010/main" val="0"/>
+              </a:ext>
+            </a:extLst>
+          </a:blip>
+          <a:stretch>
+            <a:fillRect/>
+          </a:stretch>
+        </p:blipFill>
+        <p:spPr>
+          <a:xfrm>
+            <a:off x="6844480" y="1372438"/>
+            <a:ext cx="825985" cy="825985"/>
+          </a:xfrm>
+          <a:prstGeom prst="rect">
+            <a:avLst/>
+          </a:prstGeom>
+        </p:spPr>
+      </p:pic>
+      <p:cxnSp>
+        <p:nvCxnSpPr>
+          <p:cNvPr id="14" name="Straight Arrow Connector 13">
+            <a:extLst>
+              <a:ext uri="{FF2B5EF4-FFF2-40B4-BE49-F238E27FC236}">
+                <a16:creationId xmlns:a16="http://schemas.microsoft.com/office/drawing/2014/main" id="{0E3EA4B3-D710-8B8E-FB02-158A401CAF06}"/>
+              </a:ext>
+            </a:extLst>
+          </p:cNvPr>
+          <p:cNvCxnSpPr>
+            <a:cxnSpLocks/>
+            <a:endCxn id="13" idx="0"/>
+          </p:cNvCxnSpPr>
+          <p:nvPr/>
+        </p:nvCxnSpPr>
+        <p:spPr>
+          <a:xfrm>
+            <a:off x="7257473" y="1187309"/>
+            <a:ext cx="0" cy="185129"/>
+          </a:xfrm>
+          <a:prstGeom prst="straightConnector1">
+            <a:avLst/>
+          </a:prstGeom>
+          <a:ln w="28575">
+            <a:tailEnd type="triangle"/>
+          </a:ln>
+        </p:spPr>
+        <p:style>
+          <a:lnRef idx="1">
+            <a:schemeClr val="dk1"/>
+          </a:lnRef>
+          <a:fillRef idx="0">
+            <a:schemeClr val="dk1"/>
+          </a:fillRef>
+          <a:effectRef idx="0">
+            <a:schemeClr val="dk1"/>
+          </a:effectRef>
+          <a:fontRef idx="minor">
+            <a:schemeClr val="tx1"/>
+          </a:fontRef>
+        </p:style>
+      </p:cxnSp>
+      <p:sp>
+        <p:nvSpPr>
+          <p:cNvPr id="43" name="Rounded Rectangle 42">
+            <a:extLst>
+              <a:ext uri="{FF2B5EF4-FFF2-40B4-BE49-F238E27FC236}">
+                <a16:creationId xmlns:a16="http://schemas.microsoft.com/office/drawing/2014/main" id="{59EB3848-D5B2-E09D-399E-5E0DCD24EE39}"/>
+              </a:ext>
+            </a:extLst>
+          </p:cNvPr>
+          <p:cNvSpPr/>
+          <p:nvPr/>
+        </p:nvSpPr>
+        <p:spPr>
+          <a:xfrm>
+            <a:off x="2611538" y="512413"/>
+            <a:ext cx="1640656" cy="612331"/>
+          </a:xfrm>
+          <a:prstGeom prst="roundRect">
+            <a:avLst/>
+          </a:prstGeom>
+          <a:solidFill>
+            <a:schemeClr val="accent1">
+              <a:lumMod val="60000"/>
+              <a:lumOff val="40000"/>
+            </a:schemeClr>
+          </a:solidFill>
+          <a:ln w="28575">
+            <a:solidFill>
+              <a:schemeClr val="tx1"/>
+            </a:solidFill>
+            <a:prstDash val="solid"/>
+          </a:ln>
+        </p:spPr>
+        <p:style>
+          <a:lnRef idx="2">
+            <a:schemeClr val="accent1">
+              <a:shade val="50000"/>
+            </a:schemeClr>
+          </a:lnRef>
+          <a:fillRef idx="1">
+            <a:schemeClr val="accent1"/>
+          </a:fillRef>
+          <a:effectRef idx="0">
+            <a:schemeClr val="accent1"/>
+          </a:effectRef>
+          <a:fontRef idx="minor">
+            <a:schemeClr val="lt1"/>
+          </a:fontRef>
+        </p:style>
+        <p:txBody>
+          <a:bodyPr rtlCol="0" anchor="ctr"/>
+          <a:lstStyle/>
+          <a:p>
+            <a:pPr algn="ctr"/>
+            <a:r>
+              <a:rPr lang="en-US" sz="1200" b="1" dirty="0">
+                <a:solidFill>
+                  <a:schemeClr val="tx1"/>
+                </a:solidFill>
+              </a:rPr>
+              <a:t>Designer Option 1</a:t>
+            </a:r>
+          </a:p>
+          <a:p>
+            <a:pPr marL="171450" indent="-171450">
+              <a:buFont typeface="Arial" panose="020B0604020202020204" pitchFamily="34" charset="0"/>
+              <a:buChar char="•"/>
+            </a:pPr>
+            <a:r>
+              <a:rPr lang="en-US" sz="1200" dirty="0">
+                <a:solidFill>
+                  <a:schemeClr val="tx1"/>
+                </a:solidFill>
+              </a:rPr>
+              <a:t>Building Metadata</a:t>
+            </a:r>
+          </a:p>
+          <a:p>
+            <a:pPr marL="171450" indent="-171450">
+              <a:buFont typeface="Arial" panose="020B0604020202020204" pitchFamily="34" charset="0"/>
+              <a:buChar char="•"/>
+            </a:pPr>
+            <a:r>
+              <a:rPr lang="en-US" sz="1200" dirty="0">
+                <a:solidFill>
+                  <a:schemeClr val="tx1"/>
+                </a:solidFill>
+              </a:rPr>
+              <a:t>Building Count</a:t>
+            </a:r>
+          </a:p>
+        </p:txBody>
+      </p:sp>
+      <p:cxnSp>
+        <p:nvCxnSpPr>
+          <p:cNvPr id="46" name="Straight Arrow Connector 45">
+            <a:extLst>
+              <a:ext uri="{FF2B5EF4-FFF2-40B4-BE49-F238E27FC236}">
+                <a16:creationId xmlns:a16="http://schemas.microsoft.com/office/drawing/2014/main" id="{C42CE6B1-55DD-D430-CD71-92F1D9C53578}"/>
+              </a:ext>
+            </a:extLst>
+          </p:cNvPr>
+          <p:cNvCxnSpPr>
+            <a:cxnSpLocks/>
+            <a:stCxn id="33" idx="1"/>
+            <a:endCxn id="43" idx="3"/>
+          </p:cNvCxnSpPr>
+          <p:nvPr/>
+        </p:nvCxnSpPr>
+        <p:spPr>
+          <a:xfrm flipH="1" flipV="1">
+            <a:off x="4252194" y="818579"/>
+            <a:ext cx="360036" cy="2757"/>
+          </a:xfrm>
+          <a:prstGeom prst="straightConnector1">
+            <a:avLst/>
+          </a:prstGeom>
+          <a:ln w="28575">
+            <a:prstDash val="sysDot"/>
+            <a:headEnd type="triangle" w="med" len="med"/>
+            <a:tailEnd type="none" w="med" len="med"/>
+          </a:ln>
+        </p:spPr>
+        <p:style>
+          <a:lnRef idx="1">
+            <a:schemeClr val="dk1"/>
+          </a:lnRef>
+          <a:fillRef idx="0">
+            <a:schemeClr val="dk1"/>
+          </a:fillRef>
+          <a:effectRef idx="0">
+            <a:schemeClr val="dk1"/>
+          </a:effectRef>
+          <a:fontRef idx="minor">
+            <a:schemeClr val="tx1"/>
+          </a:fontRef>
+        </p:style>
+      </p:cxnSp>
+      <p:sp>
+        <p:nvSpPr>
+          <p:cNvPr id="49" name="Rounded Rectangle 48">
+            <a:extLst>
+              <a:ext uri="{FF2B5EF4-FFF2-40B4-BE49-F238E27FC236}">
+                <a16:creationId xmlns:a16="http://schemas.microsoft.com/office/drawing/2014/main" id="{35EC4D1D-9CDB-657A-2120-C65E5B61C7BF}"/>
+              </a:ext>
+            </a:extLst>
+          </p:cNvPr>
+          <p:cNvSpPr/>
+          <p:nvPr/>
+        </p:nvSpPr>
+        <p:spPr>
+          <a:xfrm>
+            <a:off x="2605788" y="3386581"/>
+            <a:ext cx="1640656" cy="612331"/>
+          </a:xfrm>
+          <a:prstGeom prst="roundRect">
+            <a:avLst/>
+          </a:prstGeom>
+          <a:solidFill>
+            <a:schemeClr val="accent1">
+              <a:lumMod val="60000"/>
+              <a:lumOff val="40000"/>
+            </a:schemeClr>
+          </a:solidFill>
+          <a:ln w="28575">
+            <a:solidFill>
+              <a:schemeClr val="tx1"/>
+            </a:solidFill>
+            <a:prstDash val="solid"/>
+          </a:ln>
+        </p:spPr>
+        <p:style>
+          <a:lnRef idx="2">
+            <a:schemeClr val="accent1">
+              <a:shade val="50000"/>
+            </a:schemeClr>
+          </a:lnRef>
+          <a:fillRef idx="1">
+            <a:schemeClr val="accent1"/>
+          </a:fillRef>
+          <a:effectRef idx="0">
+            <a:schemeClr val="accent1"/>
+          </a:effectRef>
+          <a:fontRef idx="minor">
+            <a:schemeClr val="lt1"/>
+          </a:fontRef>
+        </p:style>
+        <p:txBody>
+          <a:bodyPr rtlCol="0" anchor="ctr"/>
+          <a:lstStyle/>
+          <a:p>
+            <a:pPr algn="ctr"/>
+            <a:r>
+              <a:rPr lang="en-US" sz="1200" b="1" dirty="0">
+                <a:solidFill>
+                  <a:schemeClr val="tx1"/>
+                </a:solidFill>
+              </a:rPr>
+              <a:t>Designer Option 2</a:t>
+            </a:r>
+          </a:p>
+          <a:p>
+            <a:pPr marL="171450" indent="-171450">
+              <a:buFont typeface="Arial" panose="020B0604020202020204" pitchFamily="34" charset="0"/>
+              <a:buChar char="•"/>
+            </a:pPr>
+            <a:r>
+              <a:rPr lang="en-US" sz="1200" dirty="0">
+                <a:solidFill>
+                  <a:schemeClr val="tx1"/>
+                </a:solidFill>
+              </a:rPr>
+              <a:t>DER Availability</a:t>
+            </a:r>
+          </a:p>
+          <a:p>
+            <a:pPr marL="171450" indent="-171450">
+              <a:buFont typeface="Arial" panose="020B0604020202020204" pitchFamily="34" charset="0"/>
+              <a:buChar char="•"/>
+            </a:pPr>
+            <a:r>
+              <a:rPr lang="en-US" sz="1200" dirty="0">
+                <a:solidFill>
+                  <a:schemeClr val="tx1"/>
+                </a:solidFill>
+              </a:rPr>
+              <a:t>System Sizing</a:t>
+            </a:r>
+          </a:p>
+        </p:txBody>
+      </p:sp>
+      <p:cxnSp>
+        <p:nvCxnSpPr>
+          <p:cNvPr id="57" name="Straight Arrow Connector 56">
+            <a:extLst>
+              <a:ext uri="{FF2B5EF4-FFF2-40B4-BE49-F238E27FC236}">
+                <a16:creationId xmlns:a16="http://schemas.microsoft.com/office/drawing/2014/main" id="{1BFE49BE-8650-0AA8-4380-4D0371D35AE4}"/>
+              </a:ext>
+            </a:extLst>
+          </p:cNvPr>
+          <p:cNvCxnSpPr>
+            <a:cxnSpLocks/>
+            <a:stCxn id="135" idx="1"/>
+            <a:endCxn id="49" idx="3"/>
+          </p:cNvCxnSpPr>
+          <p:nvPr/>
+        </p:nvCxnSpPr>
+        <p:spPr>
+          <a:xfrm flipH="1">
+            <a:off x="4246444" y="3686119"/>
+            <a:ext cx="1489517" cy="6628"/>
+          </a:xfrm>
+          <a:prstGeom prst="straightConnector1">
+            <a:avLst/>
+          </a:prstGeom>
+          <a:ln w="28575">
+            <a:prstDash val="sysDot"/>
+            <a:headEnd type="triangle" w="med" len="med"/>
+            <a:tailEnd type="none" w="med" len="med"/>
+          </a:ln>
+        </p:spPr>
+        <p:style>
+          <a:lnRef idx="1">
+            <a:schemeClr val="dk1"/>
+          </a:lnRef>
+          <a:fillRef idx="0">
+            <a:schemeClr val="dk1"/>
+          </a:fillRef>
+          <a:effectRef idx="0">
+            <a:schemeClr val="dk1"/>
+          </a:effectRef>
+          <a:fontRef idx="minor">
+            <a:schemeClr val="tx1"/>
+          </a:fontRef>
+        </p:style>
+      </p:cxnSp>
+      <p:sp>
+        <p:nvSpPr>
+          <p:cNvPr id="72" name="Rounded Rectangle 71">
+            <a:extLst>
+              <a:ext uri="{FF2B5EF4-FFF2-40B4-BE49-F238E27FC236}">
+                <a16:creationId xmlns:a16="http://schemas.microsoft.com/office/drawing/2014/main" id="{3FCC2018-36E9-93C2-D3B1-CC2EC2FF77E2}"/>
+              </a:ext>
+            </a:extLst>
+          </p:cNvPr>
+          <p:cNvSpPr/>
+          <p:nvPr/>
+        </p:nvSpPr>
+        <p:spPr>
+          <a:xfrm>
+            <a:off x="2618250" y="4252471"/>
+            <a:ext cx="1640656" cy="612331"/>
+          </a:xfrm>
+          <a:prstGeom prst="roundRect">
+            <a:avLst/>
+          </a:prstGeom>
+          <a:solidFill>
+            <a:schemeClr val="accent1">
+              <a:lumMod val="60000"/>
+              <a:lumOff val="40000"/>
+            </a:schemeClr>
+          </a:solidFill>
+          <a:ln w="28575">
+            <a:solidFill>
+              <a:schemeClr val="tx1"/>
+            </a:solidFill>
+            <a:prstDash val="solid"/>
+          </a:ln>
+        </p:spPr>
+        <p:style>
+          <a:lnRef idx="2">
+            <a:schemeClr val="accent1">
+              <a:shade val="50000"/>
+            </a:schemeClr>
+          </a:lnRef>
+          <a:fillRef idx="1">
+            <a:schemeClr val="accent1"/>
+          </a:fillRef>
+          <a:effectRef idx="0">
+            <a:schemeClr val="accent1"/>
+          </a:effectRef>
+          <a:fontRef idx="minor">
+            <a:schemeClr val="lt1"/>
+          </a:fontRef>
+        </p:style>
+        <p:txBody>
+          <a:bodyPr rtlCol="0" anchor="ctr"/>
+          <a:lstStyle/>
+          <a:p>
+            <a:pPr algn="ctr"/>
+            <a:r>
+              <a:rPr lang="en-US" sz="1200" b="1" dirty="0">
+                <a:solidFill>
+                  <a:schemeClr val="tx1"/>
+                </a:solidFill>
+              </a:rPr>
+              <a:t>Designer Option 4</a:t>
+            </a:r>
+          </a:p>
+          <a:p>
+            <a:pPr marL="171450" indent="-171450">
+              <a:buFont typeface="Arial" panose="020B0604020202020204" pitchFamily="34" charset="0"/>
+              <a:buChar char="•"/>
+            </a:pPr>
+            <a:r>
+              <a:rPr lang="en-US" sz="1200" dirty="0">
+                <a:solidFill>
+                  <a:schemeClr val="tx1"/>
+                </a:solidFill>
+              </a:rPr>
+              <a:t>Control Algorithm</a:t>
+            </a:r>
+          </a:p>
+        </p:txBody>
+      </p:sp>
+      <p:cxnSp>
+        <p:nvCxnSpPr>
+          <p:cNvPr id="74" name="Straight Arrow Connector 73">
+            <a:extLst>
+              <a:ext uri="{FF2B5EF4-FFF2-40B4-BE49-F238E27FC236}">
+                <a16:creationId xmlns:a16="http://schemas.microsoft.com/office/drawing/2014/main" id="{59E30A26-4392-5624-0EB6-D5FD2603E8B0}"/>
+              </a:ext>
+            </a:extLst>
+          </p:cNvPr>
+          <p:cNvCxnSpPr>
+            <a:cxnSpLocks/>
+            <a:stCxn id="224" idx="2"/>
+            <a:endCxn id="72" idx="3"/>
+          </p:cNvCxnSpPr>
+          <p:nvPr/>
+        </p:nvCxnSpPr>
+        <p:spPr>
+          <a:xfrm flipH="1" flipV="1">
+            <a:off x="4258906" y="4558637"/>
+            <a:ext cx="274398" cy="4248"/>
+          </a:xfrm>
+          <a:prstGeom prst="straightConnector1">
+            <a:avLst/>
+          </a:prstGeom>
+          <a:ln w="28575">
+            <a:prstDash val="sysDot"/>
+            <a:headEnd type="triangle" w="med" len="med"/>
+            <a:tailEnd type="none" w="med" len="med"/>
+          </a:ln>
+        </p:spPr>
+        <p:style>
+          <a:lnRef idx="1">
+            <a:schemeClr val="dk1"/>
+          </a:lnRef>
+          <a:fillRef idx="0">
+            <a:schemeClr val="dk1"/>
+          </a:fillRef>
+          <a:effectRef idx="0">
+            <a:schemeClr val="dk1"/>
+          </a:effectRef>
+          <a:fontRef idx="minor">
+            <a:schemeClr val="tx1"/>
+          </a:fontRef>
+        </p:style>
+      </p:cxnSp>
+      <p:sp>
+        <p:nvSpPr>
+          <p:cNvPr id="92" name="Rounded Rectangle 91">
+            <a:extLst>
+              <a:ext uri="{FF2B5EF4-FFF2-40B4-BE49-F238E27FC236}">
+                <a16:creationId xmlns:a16="http://schemas.microsoft.com/office/drawing/2014/main" id="{881393E7-E7B2-C8DC-2D6E-46389E4F6E3F}"/>
+              </a:ext>
+            </a:extLst>
+          </p:cNvPr>
+          <p:cNvSpPr/>
+          <p:nvPr/>
+        </p:nvSpPr>
+        <p:spPr>
+          <a:xfrm>
+            <a:off x="2618250" y="5109921"/>
+            <a:ext cx="1640656" cy="612331"/>
+          </a:xfrm>
+          <a:prstGeom prst="roundRect">
+            <a:avLst/>
+          </a:prstGeom>
+          <a:solidFill>
+            <a:schemeClr val="accent1">
+              <a:lumMod val="60000"/>
+              <a:lumOff val="40000"/>
+            </a:schemeClr>
+          </a:solidFill>
+          <a:ln w="28575">
+            <a:solidFill>
+              <a:schemeClr val="tx1"/>
+            </a:solidFill>
+            <a:prstDash val="solid"/>
+          </a:ln>
+        </p:spPr>
+        <p:style>
+          <a:lnRef idx="2">
+            <a:schemeClr val="accent1">
+              <a:shade val="50000"/>
+            </a:schemeClr>
+          </a:lnRef>
+          <a:fillRef idx="1">
+            <a:schemeClr val="accent1"/>
+          </a:fillRef>
+          <a:effectRef idx="0">
+            <a:schemeClr val="accent1"/>
+          </a:effectRef>
+          <a:fontRef idx="minor">
+            <a:schemeClr val="lt1"/>
+          </a:fontRef>
+        </p:style>
+        <p:txBody>
+          <a:bodyPr rtlCol="0" anchor="ctr"/>
+          <a:lstStyle/>
+          <a:p>
+            <a:pPr algn="ctr"/>
+            <a:r>
+              <a:rPr lang="en-US" sz="1200" b="1" dirty="0">
+                <a:solidFill>
+                  <a:schemeClr val="tx1"/>
+                </a:solidFill>
+              </a:rPr>
+              <a:t>Designer Option 5</a:t>
+            </a:r>
+          </a:p>
+          <a:p>
+            <a:pPr marL="171450" indent="-171450">
+              <a:buFont typeface="Arial" panose="020B0604020202020204" pitchFamily="34" charset="0"/>
+              <a:buChar char="•"/>
+            </a:pPr>
+            <a:r>
+              <a:rPr lang="en-US" sz="1200" dirty="0">
+                <a:solidFill>
+                  <a:schemeClr val="tx1"/>
+                </a:solidFill>
+              </a:rPr>
+              <a:t>KPI Selection</a:t>
+            </a:r>
+          </a:p>
+        </p:txBody>
+      </p:sp>
+      <p:cxnSp>
+        <p:nvCxnSpPr>
+          <p:cNvPr id="93" name="Straight Arrow Connector 92">
+            <a:extLst>
+              <a:ext uri="{FF2B5EF4-FFF2-40B4-BE49-F238E27FC236}">
+                <a16:creationId xmlns:a16="http://schemas.microsoft.com/office/drawing/2014/main" id="{55D2C185-2317-901F-E4AC-2AD5484B597E}"/>
+              </a:ext>
+            </a:extLst>
+          </p:cNvPr>
+          <p:cNvCxnSpPr>
+            <a:cxnSpLocks/>
+            <a:stCxn id="111" idx="5"/>
+            <a:endCxn id="92" idx="3"/>
+          </p:cNvCxnSpPr>
+          <p:nvPr/>
+        </p:nvCxnSpPr>
+        <p:spPr>
+          <a:xfrm flipH="1">
+            <a:off x="4258906" y="5409218"/>
+            <a:ext cx="1531060" cy="6869"/>
+          </a:xfrm>
+          <a:prstGeom prst="straightConnector1">
+            <a:avLst/>
+          </a:prstGeom>
+          <a:ln w="28575">
+            <a:prstDash val="sysDot"/>
+            <a:headEnd type="triangle" w="med" len="med"/>
+            <a:tailEnd type="none" w="med" len="med"/>
+          </a:ln>
+        </p:spPr>
+        <p:style>
+          <a:lnRef idx="1">
+            <a:schemeClr val="dk1"/>
+          </a:lnRef>
+          <a:fillRef idx="0">
+            <a:schemeClr val="dk1"/>
+          </a:fillRef>
+          <a:effectRef idx="0">
+            <a:schemeClr val="dk1"/>
+          </a:effectRef>
+          <a:fontRef idx="minor">
+            <a:schemeClr val="tx1"/>
+          </a:fontRef>
+        </p:style>
+      </p:cxnSp>
+      <p:sp>
+        <p:nvSpPr>
+          <p:cNvPr id="100" name="Rounded Rectangle 99">
+            <a:extLst>
+              <a:ext uri="{FF2B5EF4-FFF2-40B4-BE49-F238E27FC236}">
+                <a16:creationId xmlns:a16="http://schemas.microsoft.com/office/drawing/2014/main" id="{183687B7-9E75-C5E2-5BD7-B878A12B208F}"/>
+              </a:ext>
+            </a:extLst>
+          </p:cNvPr>
+          <p:cNvSpPr/>
+          <p:nvPr/>
+        </p:nvSpPr>
+        <p:spPr>
+          <a:xfrm>
+            <a:off x="9867951" y="3374855"/>
+            <a:ext cx="1640656" cy="612331"/>
+          </a:xfrm>
+          <a:prstGeom prst="roundRect">
+            <a:avLst/>
+          </a:prstGeom>
+          <a:solidFill>
+            <a:schemeClr val="accent1">
+              <a:lumMod val="60000"/>
+              <a:lumOff val="40000"/>
+            </a:schemeClr>
+          </a:solidFill>
+          <a:ln w="28575">
+            <a:solidFill>
+              <a:schemeClr val="tx1"/>
+            </a:solidFill>
+            <a:prstDash val="solid"/>
+          </a:ln>
+        </p:spPr>
+        <p:style>
+          <a:lnRef idx="2">
+            <a:schemeClr val="accent1">
+              <a:shade val="50000"/>
+            </a:schemeClr>
+          </a:lnRef>
+          <a:fillRef idx="1">
+            <a:schemeClr val="accent1"/>
+          </a:fillRef>
+          <a:effectRef idx="0">
+            <a:schemeClr val="accent1"/>
+          </a:effectRef>
+          <a:fontRef idx="minor">
+            <a:schemeClr val="lt1"/>
+          </a:fontRef>
+        </p:style>
+        <p:txBody>
+          <a:bodyPr rtlCol="0" anchor="ctr"/>
+          <a:lstStyle/>
+          <a:p>
+            <a:pPr algn="ctr"/>
+            <a:r>
+              <a:rPr lang="en-US" sz="1200" b="1" dirty="0">
+                <a:solidFill>
+                  <a:schemeClr val="tx1"/>
+                </a:solidFill>
+              </a:rPr>
+              <a:t>Designer Option 3</a:t>
+            </a:r>
+          </a:p>
+          <a:p>
+            <a:pPr marL="171450" indent="-171450">
+              <a:buFont typeface="Arial" panose="020B0604020202020204" pitchFamily="34" charset="0"/>
+              <a:buChar char="•"/>
+            </a:pPr>
+            <a:r>
+              <a:rPr lang="en-US" sz="1200" dirty="0">
+                <a:solidFill>
+                  <a:schemeClr val="tx1"/>
+                </a:solidFill>
+              </a:rPr>
+              <a:t>Model Type</a:t>
+            </a:r>
+          </a:p>
+        </p:txBody>
+      </p:sp>
+      <p:cxnSp>
+        <p:nvCxnSpPr>
+          <p:cNvPr id="101" name="Straight Arrow Connector 100">
+            <a:extLst>
+              <a:ext uri="{FF2B5EF4-FFF2-40B4-BE49-F238E27FC236}">
+                <a16:creationId xmlns:a16="http://schemas.microsoft.com/office/drawing/2014/main" id="{E546CBAB-FFAB-BEFC-B4C3-91AED4FB8420}"/>
+              </a:ext>
+            </a:extLst>
+          </p:cNvPr>
+          <p:cNvCxnSpPr>
+            <a:cxnSpLocks/>
+            <a:stCxn id="91" idx="3"/>
+            <a:endCxn id="100" idx="1"/>
+          </p:cNvCxnSpPr>
+          <p:nvPr/>
+        </p:nvCxnSpPr>
+        <p:spPr>
+          <a:xfrm>
+            <a:off x="8818841" y="3681021"/>
+            <a:ext cx="1049110" cy="0"/>
+          </a:xfrm>
+          <a:prstGeom prst="straightConnector1">
+            <a:avLst/>
+          </a:prstGeom>
+          <a:ln w="28575">
+            <a:prstDash val="sysDot"/>
+            <a:headEnd type="triangle" w="med" len="med"/>
+            <a:tailEnd type="none" w="med" len="med"/>
+          </a:ln>
+        </p:spPr>
+        <p:style>
+          <a:lnRef idx="1">
+            <a:schemeClr val="dk1"/>
+          </a:lnRef>
+          <a:fillRef idx="0">
+            <a:schemeClr val="dk1"/>
+          </a:fillRef>
+          <a:effectRef idx="0">
+            <a:schemeClr val="dk1"/>
+          </a:effectRef>
+          <a:fontRef idx="minor">
+            <a:schemeClr val="tx1"/>
+          </a:fontRef>
+        </p:style>
+      </p:cxnSp>
+    </p:spTree>
+    <p:extLst>
+      <p:ext uri="{BB962C8B-B14F-4D97-AF65-F5344CB8AC3E}">
+        <p14:creationId xmlns:p14="http://schemas.microsoft.com/office/powerpoint/2010/main" val="4025712641"/>
+      </p:ext>
+    </p:extLst>
+  </p:cSld>
+  <p:clrMapOvr>
+    <a:masterClrMapping/>
+  </p:clrMapOvr>
+</p:sld>
+</file>
+
+<file path=ppt/slides/slide6.xml><?xml version="1.0" encoding="utf-8"?>
+<p:sld xmlns:a="http://schemas.openxmlformats.org/drawingml/2006/main" xmlns:r="http://schemas.openxmlformats.org/officeDocument/2006/relationships" xmlns:p="http://schemas.openxmlformats.org/presentationml/2006/main">
+  <p:cSld>
+    <p:spTree>
+      <p:nvGrpSpPr>
+        <p:cNvPr id="1" name=""/>
+        <p:cNvGrpSpPr/>
+        <p:nvPr/>
+      </p:nvGrpSpPr>
+      <p:grpSpPr>
+        <a:xfrm>
+          <a:off x="0" y="0"/>
+          <a:ext cx="0" cy="0"/>
+          <a:chOff x="0" y="0"/>
+          <a:chExt cx="0" cy="0"/>
+        </a:xfrm>
+      </p:grpSpPr>
+      <p:pic>
+        <p:nvPicPr>
+          <p:cNvPr id="7" name="Picture 6">
+            <a:extLst>
+              <a:ext uri="{FF2B5EF4-FFF2-40B4-BE49-F238E27FC236}">
+                <a16:creationId xmlns:a16="http://schemas.microsoft.com/office/drawing/2014/main" id="{883A036A-1E44-3D9B-6B79-F078260A1528}"/>
               </a:ext>
             </a:extLst>
           </p:cNvPr>
@@ -8659,8 +11337,8 @@
         </p:blipFill>
         <p:spPr>
           <a:xfrm>
-            <a:off x="2209800" y="537844"/>
-            <a:ext cx="7772400" cy="5782311"/>
+            <a:off x="2209800" y="1343949"/>
+            <a:ext cx="7772400" cy="4170102"/>
           </a:xfrm>
           <a:prstGeom prst="rect">
             <a:avLst/>
@@ -8671,6 +11349,1434 @@
     <p:extLst>
       <p:ext uri="{BB962C8B-B14F-4D97-AF65-F5344CB8AC3E}">
         <p14:creationId xmlns:p14="http://schemas.microsoft.com/office/powerpoint/2010/main" val="2663083143"/>
+      </p:ext>
+    </p:extLst>
+  </p:cSld>
+  <p:clrMapOvr>
+    <a:masterClrMapping/>
+  </p:clrMapOvr>
+</p:sld>
+</file>
+
+<file path=ppt/slides/slide7.xml><?xml version="1.0" encoding="utf-8"?>
+<p:sld xmlns:a="http://schemas.openxmlformats.org/drawingml/2006/main" xmlns:r="http://schemas.openxmlformats.org/officeDocument/2006/relationships" xmlns:p="http://schemas.openxmlformats.org/presentationml/2006/main">
+  <p:cSld>
+    <p:spTree>
+      <p:nvGrpSpPr>
+        <p:cNvPr id="1" name=""/>
+        <p:cNvGrpSpPr/>
+        <p:nvPr/>
+      </p:nvGrpSpPr>
+      <p:grpSpPr>
+        <a:xfrm>
+          <a:off x="0" y="0"/>
+          <a:ext cx="0" cy="0"/>
+          <a:chOff x="0" y="0"/>
+          <a:chExt cx="0" cy="0"/>
+        </a:xfrm>
+      </p:grpSpPr>
+      <p:sp>
+        <p:nvSpPr>
+          <p:cNvPr id="33" name="Rounded Rectangle 32">
+            <a:extLst>
+              <a:ext uri="{FF2B5EF4-FFF2-40B4-BE49-F238E27FC236}">
+                <a16:creationId xmlns:a16="http://schemas.microsoft.com/office/drawing/2014/main" id="{F76D5F61-4F81-2884-0420-2637C297334F}"/>
+              </a:ext>
+            </a:extLst>
+          </p:cNvPr>
+          <p:cNvSpPr/>
+          <p:nvPr/>
+        </p:nvSpPr>
+        <p:spPr>
+          <a:xfrm>
+            <a:off x="826952" y="1146400"/>
+            <a:ext cx="2068117" cy="973074"/>
+          </a:xfrm>
+          <a:prstGeom prst="roundRect">
+            <a:avLst/>
+          </a:prstGeom>
+          <a:noFill/>
+          <a:ln w="28575">
+            <a:solidFill>
+              <a:schemeClr val="tx1"/>
+            </a:solidFill>
+            <a:prstDash val="solid"/>
+          </a:ln>
+        </p:spPr>
+        <p:style>
+          <a:lnRef idx="2">
+            <a:schemeClr val="accent1">
+              <a:shade val="50000"/>
+            </a:schemeClr>
+          </a:lnRef>
+          <a:fillRef idx="1">
+            <a:schemeClr val="accent1"/>
+          </a:fillRef>
+          <a:effectRef idx="0">
+            <a:schemeClr val="accent1"/>
+          </a:effectRef>
+          <a:fontRef idx="minor">
+            <a:schemeClr val="lt1"/>
+          </a:fontRef>
+        </p:style>
+        <p:txBody>
+          <a:bodyPr rtlCol="0" anchor="ctr"/>
+          <a:lstStyle/>
+          <a:p>
+            <a:pPr algn="ctr"/>
+            <a:r>
+              <a:rPr lang="en-US" sz="1200" b="1" dirty="0">
+                <a:solidFill>
+                  <a:schemeClr val="tx1"/>
+                </a:solidFill>
+              </a:rPr>
+              <a:t>County EULP Metadata</a:t>
+            </a:r>
+          </a:p>
+          <a:p>
+            <a:pPr algn="ctr"/>
+            <a:r>
+              <a:rPr lang="en-US" sz="1200" dirty="0">
+                <a:solidFill>
+                  <a:schemeClr val="tx1"/>
+                </a:solidFill>
+              </a:rPr>
+              <a:t>Vintage, Orientation, Occupant Count, Infiltration Rate, Insulation, WWR, EUI </a:t>
+            </a:r>
+          </a:p>
+        </p:txBody>
+      </p:sp>
+      <p:sp>
+        <p:nvSpPr>
+          <p:cNvPr id="3" name="Rounded Rectangle 2">
+            <a:extLst>
+              <a:ext uri="{FF2B5EF4-FFF2-40B4-BE49-F238E27FC236}">
+                <a16:creationId xmlns:a16="http://schemas.microsoft.com/office/drawing/2014/main" id="{6FC45DF0-AFFF-ED38-E7A2-9F3B99E65A64}"/>
+              </a:ext>
+            </a:extLst>
+          </p:cNvPr>
+          <p:cNvSpPr/>
+          <p:nvPr/>
+        </p:nvSpPr>
+        <p:spPr>
+          <a:xfrm>
+            <a:off x="826953" y="2315510"/>
+            <a:ext cx="2068116" cy="432048"/>
+          </a:xfrm>
+          <a:prstGeom prst="roundRect">
+            <a:avLst/>
+          </a:prstGeom>
+          <a:noFill/>
+          <a:ln w="28575">
+            <a:solidFill>
+              <a:schemeClr val="tx1"/>
+            </a:solidFill>
+            <a:prstDash val="sysDot"/>
+          </a:ln>
+        </p:spPr>
+        <p:style>
+          <a:lnRef idx="2">
+            <a:schemeClr val="accent1">
+              <a:shade val="50000"/>
+            </a:schemeClr>
+          </a:lnRef>
+          <a:fillRef idx="1">
+            <a:schemeClr val="accent1"/>
+          </a:fillRef>
+          <a:effectRef idx="0">
+            <a:schemeClr val="accent1"/>
+          </a:effectRef>
+          <a:fontRef idx="minor">
+            <a:schemeClr val="lt1"/>
+          </a:fontRef>
+        </p:style>
+        <p:txBody>
+          <a:bodyPr rtlCol="0" anchor="ctr"/>
+          <a:lstStyle/>
+          <a:p>
+            <a:pPr algn="ctr"/>
+            <a:r>
+              <a:rPr lang="en-US" sz="1200" b="1" dirty="0">
+                <a:solidFill>
+                  <a:schemeClr val="tx1"/>
+                </a:solidFill>
+              </a:rPr>
+              <a:t>Metadata Transformation</a:t>
+            </a:r>
+            <a:endParaRPr lang="en-US" sz="1200" dirty="0">
+              <a:solidFill>
+                <a:schemeClr val="tx1"/>
+              </a:solidFill>
+            </a:endParaRPr>
+          </a:p>
+        </p:txBody>
+      </p:sp>
+      <p:sp>
+        <p:nvSpPr>
+          <p:cNvPr id="4" name="Rounded Rectangle 3">
+            <a:extLst>
+              <a:ext uri="{FF2B5EF4-FFF2-40B4-BE49-F238E27FC236}">
+                <a16:creationId xmlns:a16="http://schemas.microsoft.com/office/drawing/2014/main" id="{ACBD8D99-982F-1D3A-9670-3FBA8085CA97}"/>
+              </a:ext>
+            </a:extLst>
+          </p:cNvPr>
+          <p:cNvSpPr/>
+          <p:nvPr/>
+        </p:nvSpPr>
+        <p:spPr>
+          <a:xfrm>
+            <a:off x="826953" y="2944322"/>
+            <a:ext cx="2068116" cy="432048"/>
+          </a:xfrm>
+          <a:prstGeom prst="roundRect">
+            <a:avLst/>
+          </a:prstGeom>
+          <a:noFill/>
+          <a:ln w="28575">
+            <a:solidFill>
+              <a:schemeClr val="tx1"/>
+            </a:solidFill>
+            <a:prstDash val="sysDot"/>
+          </a:ln>
+        </p:spPr>
+        <p:style>
+          <a:lnRef idx="2">
+            <a:schemeClr val="accent1">
+              <a:shade val="50000"/>
+            </a:schemeClr>
+          </a:lnRef>
+          <a:fillRef idx="1">
+            <a:schemeClr val="accent1"/>
+          </a:fillRef>
+          <a:effectRef idx="0">
+            <a:schemeClr val="accent1"/>
+          </a:effectRef>
+          <a:fontRef idx="minor">
+            <a:schemeClr val="lt1"/>
+          </a:fontRef>
+        </p:style>
+        <p:txBody>
+          <a:bodyPr rtlCol="0" anchor="ctr"/>
+          <a:lstStyle/>
+          <a:p>
+            <a:pPr algn="ctr"/>
+            <a:r>
+              <a:rPr lang="en-US" sz="1200" b="1" dirty="0">
+                <a:solidFill>
+                  <a:schemeClr val="tx1"/>
+                </a:solidFill>
+              </a:rPr>
+              <a:t>K-mean Clustering</a:t>
+            </a:r>
+            <a:endParaRPr lang="en-US" sz="1200" dirty="0">
+              <a:solidFill>
+                <a:schemeClr val="tx1"/>
+              </a:solidFill>
+            </a:endParaRPr>
+          </a:p>
+        </p:txBody>
+      </p:sp>
+      <p:sp>
+        <p:nvSpPr>
+          <p:cNvPr id="5" name="Rounded Rectangle 4">
+            <a:extLst>
+              <a:ext uri="{FF2B5EF4-FFF2-40B4-BE49-F238E27FC236}">
+                <a16:creationId xmlns:a16="http://schemas.microsoft.com/office/drawing/2014/main" id="{C9C6048E-540B-D6FE-45BB-9B6FC7EEDD1B}"/>
+              </a:ext>
+            </a:extLst>
+          </p:cNvPr>
+          <p:cNvSpPr/>
+          <p:nvPr/>
+        </p:nvSpPr>
+        <p:spPr>
+          <a:xfrm>
+            <a:off x="826952" y="3573134"/>
+            <a:ext cx="2068115" cy="432048"/>
+          </a:xfrm>
+          <a:prstGeom prst="roundRect">
+            <a:avLst/>
+          </a:prstGeom>
+          <a:noFill/>
+          <a:ln w="28575">
+            <a:solidFill>
+              <a:schemeClr val="tx1"/>
+            </a:solidFill>
+            <a:prstDash val="sysDot"/>
+          </a:ln>
+        </p:spPr>
+        <p:style>
+          <a:lnRef idx="2">
+            <a:schemeClr val="accent1">
+              <a:shade val="50000"/>
+            </a:schemeClr>
+          </a:lnRef>
+          <a:fillRef idx="1">
+            <a:schemeClr val="accent1"/>
+          </a:fillRef>
+          <a:effectRef idx="0">
+            <a:schemeClr val="accent1"/>
+          </a:effectRef>
+          <a:fontRef idx="minor">
+            <a:schemeClr val="lt1"/>
+          </a:fontRef>
+        </p:style>
+        <p:txBody>
+          <a:bodyPr rtlCol="0" anchor="ctr"/>
+          <a:lstStyle/>
+          <a:p>
+            <a:pPr algn="ctr"/>
+            <a:r>
+              <a:rPr lang="en-US" sz="1200" b="1" dirty="0">
+                <a:solidFill>
+                  <a:schemeClr val="tx1"/>
+                </a:solidFill>
+              </a:rPr>
+              <a:t>Optimal n-clusters Selection</a:t>
+            </a:r>
+            <a:endParaRPr lang="en-US" sz="1200" dirty="0">
+              <a:solidFill>
+                <a:schemeClr val="tx1"/>
+              </a:solidFill>
+            </a:endParaRPr>
+          </a:p>
+        </p:txBody>
+      </p:sp>
+      <p:sp>
+        <p:nvSpPr>
+          <p:cNvPr id="6" name="Rounded Rectangle 5">
+            <a:extLst>
+              <a:ext uri="{FF2B5EF4-FFF2-40B4-BE49-F238E27FC236}">
+                <a16:creationId xmlns:a16="http://schemas.microsoft.com/office/drawing/2014/main" id="{B88ECCBA-9188-D999-2B84-1F1AC6AF607A}"/>
+              </a:ext>
+            </a:extLst>
+          </p:cNvPr>
+          <p:cNvSpPr/>
+          <p:nvPr/>
+        </p:nvSpPr>
+        <p:spPr>
+          <a:xfrm>
+            <a:off x="838826" y="4840802"/>
+            <a:ext cx="2056243" cy="432048"/>
+          </a:xfrm>
+          <a:prstGeom prst="roundRect">
+            <a:avLst/>
+          </a:prstGeom>
+          <a:noFill/>
+          <a:ln w="28575">
+            <a:solidFill>
+              <a:schemeClr val="tx1"/>
+            </a:solidFill>
+            <a:prstDash val="solid"/>
+          </a:ln>
+        </p:spPr>
+        <p:style>
+          <a:lnRef idx="2">
+            <a:schemeClr val="accent1">
+              <a:shade val="50000"/>
+            </a:schemeClr>
+          </a:lnRef>
+          <a:fillRef idx="1">
+            <a:schemeClr val="accent1"/>
+          </a:fillRef>
+          <a:effectRef idx="0">
+            <a:schemeClr val="accent1"/>
+          </a:effectRef>
+          <a:fontRef idx="minor">
+            <a:schemeClr val="lt1"/>
+          </a:fontRef>
+        </p:style>
+        <p:txBody>
+          <a:bodyPr rtlCol="0" anchor="ctr"/>
+          <a:lstStyle/>
+          <a:p>
+            <a:pPr algn="ctr"/>
+            <a:r>
+              <a:rPr lang="en-US" sz="1200" b="1" dirty="0">
+                <a:solidFill>
+                  <a:schemeClr val="tx1"/>
+                </a:solidFill>
+              </a:rPr>
+              <a:t>Representative Buildings</a:t>
+            </a:r>
+            <a:endParaRPr lang="en-US" sz="1200" dirty="0">
+              <a:solidFill>
+                <a:schemeClr val="tx1"/>
+              </a:solidFill>
+            </a:endParaRPr>
+          </a:p>
+        </p:txBody>
+      </p:sp>
+      <p:sp>
+        <p:nvSpPr>
+          <p:cNvPr id="11" name="Rounded Rectangle 10">
+            <a:extLst>
+              <a:ext uri="{FF2B5EF4-FFF2-40B4-BE49-F238E27FC236}">
+                <a16:creationId xmlns:a16="http://schemas.microsoft.com/office/drawing/2014/main" id="{0DD4F99B-3F20-4212-1ABA-74F1588B6D77}"/>
+              </a:ext>
+            </a:extLst>
+          </p:cNvPr>
+          <p:cNvSpPr/>
+          <p:nvPr/>
+        </p:nvSpPr>
+        <p:spPr>
+          <a:xfrm>
+            <a:off x="826951" y="4206968"/>
+            <a:ext cx="2068115" cy="432048"/>
+          </a:xfrm>
+          <a:prstGeom prst="roundRect">
+            <a:avLst/>
+          </a:prstGeom>
+          <a:noFill/>
+          <a:ln w="28575">
+            <a:solidFill>
+              <a:schemeClr val="tx1"/>
+            </a:solidFill>
+            <a:prstDash val="sysDot"/>
+          </a:ln>
+        </p:spPr>
+        <p:style>
+          <a:lnRef idx="2">
+            <a:schemeClr val="accent1">
+              <a:shade val="50000"/>
+            </a:schemeClr>
+          </a:lnRef>
+          <a:fillRef idx="1">
+            <a:schemeClr val="accent1"/>
+          </a:fillRef>
+          <a:effectRef idx="0">
+            <a:schemeClr val="accent1"/>
+          </a:effectRef>
+          <a:fontRef idx="minor">
+            <a:schemeClr val="lt1"/>
+          </a:fontRef>
+        </p:style>
+        <p:txBody>
+          <a:bodyPr rtlCol="0" anchor="ctr"/>
+          <a:lstStyle/>
+          <a:p>
+            <a:pPr algn="ctr"/>
+            <a:r>
+              <a:rPr lang="en-US" sz="1200" b="1" dirty="0">
+                <a:solidFill>
+                  <a:schemeClr val="tx1"/>
+                </a:solidFill>
+              </a:rPr>
+              <a:t>Weighted random selection</a:t>
+            </a:r>
+            <a:endParaRPr lang="en-US" sz="1200" dirty="0">
+              <a:solidFill>
+                <a:schemeClr val="tx1"/>
+              </a:solidFill>
+            </a:endParaRPr>
+          </a:p>
+        </p:txBody>
+      </p:sp>
+      <p:cxnSp>
+        <p:nvCxnSpPr>
+          <p:cNvPr id="15" name="Straight Arrow Connector 14">
+            <a:extLst>
+              <a:ext uri="{FF2B5EF4-FFF2-40B4-BE49-F238E27FC236}">
+                <a16:creationId xmlns:a16="http://schemas.microsoft.com/office/drawing/2014/main" id="{A4F7D5C5-A5EC-74D2-3438-4BF7CEE4C09E}"/>
+              </a:ext>
+            </a:extLst>
+          </p:cNvPr>
+          <p:cNvCxnSpPr>
+            <a:cxnSpLocks/>
+            <a:stCxn id="33" idx="2"/>
+            <a:endCxn id="3" idx="0"/>
+          </p:cNvCxnSpPr>
+          <p:nvPr/>
+        </p:nvCxnSpPr>
+        <p:spPr>
+          <a:xfrm>
+            <a:off x="1861011" y="2119474"/>
+            <a:ext cx="0" cy="196036"/>
+          </a:xfrm>
+          <a:prstGeom prst="straightConnector1">
+            <a:avLst/>
+          </a:prstGeom>
+          <a:ln w="28575">
+            <a:tailEnd type="triangle"/>
+          </a:ln>
+        </p:spPr>
+        <p:style>
+          <a:lnRef idx="1">
+            <a:schemeClr val="dk1"/>
+          </a:lnRef>
+          <a:fillRef idx="0">
+            <a:schemeClr val="dk1"/>
+          </a:fillRef>
+          <a:effectRef idx="0">
+            <a:schemeClr val="dk1"/>
+          </a:effectRef>
+          <a:fontRef idx="minor">
+            <a:schemeClr val="tx1"/>
+          </a:fontRef>
+        </p:style>
+      </p:cxnSp>
+      <p:cxnSp>
+        <p:nvCxnSpPr>
+          <p:cNvPr id="18" name="Straight Arrow Connector 17">
+            <a:extLst>
+              <a:ext uri="{FF2B5EF4-FFF2-40B4-BE49-F238E27FC236}">
+                <a16:creationId xmlns:a16="http://schemas.microsoft.com/office/drawing/2014/main" id="{8D783222-9884-B0DF-4BD3-F528E555DAFD}"/>
+              </a:ext>
+            </a:extLst>
+          </p:cNvPr>
+          <p:cNvCxnSpPr>
+            <a:cxnSpLocks/>
+            <a:stCxn id="3" idx="2"/>
+            <a:endCxn id="4" idx="0"/>
+          </p:cNvCxnSpPr>
+          <p:nvPr/>
+        </p:nvCxnSpPr>
+        <p:spPr>
+          <a:xfrm>
+            <a:off x="1861011" y="2747558"/>
+            <a:ext cx="0" cy="196764"/>
+          </a:xfrm>
+          <a:prstGeom prst="straightConnector1">
+            <a:avLst/>
+          </a:prstGeom>
+          <a:ln w="28575">
+            <a:tailEnd type="triangle"/>
+          </a:ln>
+        </p:spPr>
+        <p:style>
+          <a:lnRef idx="1">
+            <a:schemeClr val="dk1"/>
+          </a:lnRef>
+          <a:fillRef idx="0">
+            <a:schemeClr val="dk1"/>
+          </a:fillRef>
+          <a:effectRef idx="0">
+            <a:schemeClr val="dk1"/>
+          </a:effectRef>
+          <a:fontRef idx="minor">
+            <a:schemeClr val="tx1"/>
+          </a:fontRef>
+        </p:style>
+      </p:cxnSp>
+      <p:cxnSp>
+        <p:nvCxnSpPr>
+          <p:cNvPr id="21" name="Straight Arrow Connector 20">
+            <a:extLst>
+              <a:ext uri="{FF2B5EF4-FFF2-40B4-BE49-F238E27FC236}">
+                <a16:creationId xmlns:a16="http://schemas.microsoft.com/office/drawing/2014/main" id="{0C2696C6-2440-ECA1-EC06-80B0ECB7512B}"/>
+              </a:ext>
+            </a:extLst>
+          </p:cNvPr>
+          <p:cNvCxnSpPr>
+            <a:cxnSpLocks/>
+            <a:stCxn id="4" idx="2"/>
+            <a:endCxn id="5" idx="0"/>
+          </p:cNvCxnSpPr>
+          <p:nvPr/>
+        </p:nvCxnSpPr>
+        <p:spPr>
+          <a:xfrm flipH="1">
+            <a:off x="1861010" y="3376370"/>
+            <a:ext cx="1" cy="196764"/>
+          </a:xfrm>
+          <a:prstGeom prst="straightConnector1">
+            <a:avLst/>
+          </a:prstGeom>
+          <a:ln w="28575">
+            <a:tailEnd type="triangle"/>
+          </a:ln>
+        </p:spPr>
+        <p:style>
+          <a:lnRef idx="1">
+            <a:schemeClr val="dk1"/>
+          </a:lnRef>
+          <a:fillRef idx="0">
+            <a:schemeClr val="dk1"/>
+          </a:fillRef>
+          <a:effectRef idx="0">
+            <a:schemeClr val="dk1"/>
+          </a:effectRef>
+          <a:fontRef idx="minor">
+            <a:schemeClr val="tx1"/>
+          </a:fontRef>
+        </p:style>
+      </p:cxnSp>
+      <p:cxnSp>
+        <p:nvCxnSpPr>
+          <p:cNvPr id="28" name="Straight Arrow Connector 27">
+            <a:extLst>
+              <a:ext uri="{FF2B5EF4-FFF2-40B4-BE49-F238E27FC236}">
+                <a16:creationId xmlns:a16="http://schemas.microsoft.com/office/drawing/2014/main" id="{26898F2D-881E-B68D-5214-D176EC5AB306}"/>
+              </a:ext>
+            </a:extLst>
+          </p:cNvPr>
+          <p:cNvCxnSpPr>
+            <a:cxnSpLocks/>
+            <a:stCxn id="5" idx="2"/>
+            <a:endCxn id="11" idx="0"/>
+          </p:cNvCxnSpPr>
+          <p:nvPr/>
+        </p:nvCxnSpPr>
+        <p:spPr>
+          <a:xfrm flipH="1">
+            <a:off x="1861009" y="4005182"/>
+            <a:ext cx="1" cy="201786"/>
+          </a:xfrm>
+          <a:prstGeom prst="straightConnector1">
+            <a:avLst/>
+          </a:prstGeom>
+          <a:ln w="28575">
+            <a:tailEnd type="triangle"/>
+          </a:ln>
+        </p:spPr>
+        <p:style>
+          <a:lnRef idx="1">
+            <a:schemeClr val="dk1"/>
+          </a:lnRef>
+          <a:fillRef idx="0">
+            <a:schemeClr val="dk1"/>
+          </a:fillRef>
+          <a:effectRef idx="0">
+            <a:schemeClr val="dk1"/>
+          </a:effectRef>
+          <a:fontRef idx="minor">
+            <a:schemeClr val="tx1"/>
+          </a:fontRef>
+        </p:style>
+      </p:cxnSp>
+      <p:cxnSp>
+        <p:nvCxnSpPr>
+          <p:cNvPr id="31" name="Straight Arrow Connector 30">
+            <a:extLst>
+              <a:ext uri="{FF2B5EF4-FFF2-40B4-BE49-F238E27FC236}">
+                <a16:creationId xmlns:a16="http://schemas.microsoft.com/office/drawing/2014/main" id="{55B1B5B6-A1B4-7E73-8477-703982C1C0E8}"/>
+              </a:ext>
+            </a:extLst>
+          </p:cNvPr>
+          <p:cNvCxnSpPr>
+            <a:cxnSpLocks/>
+            <a:stCxn id="11" idx="2"/>
+            <a:endCxn id="6" idx="0"/>
+          </p:cNvCxnSpPr>
+          <p:nvPr/>
+        </p:nvCxnSpPr>
+        <p:spPr>
+          <a:xfrm>
+            <a:off x="1861009" y="4639016"/>
+            <a:ext cx="5939" cy="201786"/>
+          </a:xfrm>
+          <a:prstGeom prst="straightConnector1">
+            <a:avLst/>
+          </a:prstGeom>
+          <a:ln w="28575">
+            <a:tailEnd type="triangle"/>
+          </a:ln>
+        </p:spPr>
+        <p:style>
+          <a:lnRef idx="1">
+            <a:schemeClr val="dk1"/>
+          </a:lnRef>
+          <a:fillRef idx="0">
+            <a:schemeClr val="dk1"/>
+          </a:fillRef>
+          <a:effectRef idx="0">
+            <a:schemeClr val="dk1"/>
+          </a:effectRef>
+          <a:fontRef idx="minor">
+            <a:schemeClr val="tx1"/>
+          </a:fontRef>
+        </p:style>
+      </p:cxnSp>
+      <p:sp>
+        <p:nvSpPr>
+          <p:cNvPr id="38" name="Rounded Rectangle 37">
+            <a:extLst>
+              <a:ext uri="{FF2B5EF4-FFF2-40B4-BE49-F238E27FC236}">
+                <a16:creationId xmlns:a16="http://schemas.microsoft.com/office/drawing/2014/main" id="{2AB2334E-D147-CE4F-BADA-5A2E512BBB0E}"/>
+              </a:ext>
+            </a:extLst>
+          </p:cNvPr>
+          <p:cNvSpPr/>
+          <p:nvPr/>
+        </p:nvSpPr>
+        <p:spPr>
+          <a:xfrm>
+            <a:off x="3388941" y="849695"/>
+            <a:ext cx="2068117" cy="639768"/>
+          </a:xfrm>
+          <a:prstGeom prst="roundRect">
+            <a:avLst/>
+          </a:prstGeom>
+          <a:noFill/>
+          <a:ln w="28575">
+            <a:solidFill>
+              <a:schemeClr val="tx1"/>
+            </a:solidFill>
+            <a:prstDash val="solid"/>
+          </a:ln>
+        </p:spPr>
+        <p:style>
+          <a:lnRef idx="2">
+            <a:schemeClr val="accent1">
+              <a:shade val="50000"/>
+            </a:schemeClr>
+          </a:lnRef>
+          <a:fillRef idx="1">
+            <a:schemeClr val="accent1"/>
+          </a:fillRef>
+          <a:effectRef idx="0">
+            <a:schemeClr val="accent1"/>
+          </a:effectRef>
+          <a:fontRef idx="minor">
+            <a:schemeClr val="lt1"/>
+          </a:fontRef>
+        </p:style>
+        <p:txBody>
+          <a:bodyPr rtlCol="0" anchor="ctr"/>
+          <a:lstStyle/>
+          <a:p>
+            <a:pPr algn="ctr"/>
+            <a:r>
+              <a:rPr lang="en-US" sz="1200" b="1" dirty="0">
+                <a:solidFill>
+                  <a:schemeClr val="tx1"/>
+                </a:solidFill>
+              </a:rPr>
+              <a:t>County Climate Classification with Degree Days</a:t>
+            </a:r>
+          </a:p>
+        </p:txBody>
+      </p:sp>
+      <p:sp>
+        <p:nvSpPr>
+          <p:cNvPr id="39" name="Rounded Rectangle 38">
+            <a:extLst>
+              <a:ext uri="{FF2B5EF4-FFF2-40B4-BE49-F238E27FC236}">
+                <a16:creationId xmlns:a16="http://schemas.microsoft.com/office/drawing/2014/main" id="{AE0CE8E3-D141-1E3D-5E41-38295813ADC6}"/>
+              </a:ext>
+            </a:extLst>
+          </p:cNvPr>
+          <p:cNvSpPr/>
+          <p:nvPr/>
+        </p:nvSpPr>
+        <p:spPr>
+          <a:xfrm>
+            <a:off x="3391834" y="1685344"/>
+            <a:ext cx="2068116" cy="432048"/>
+          </a:xfrm>
+          <a:prstGeom prst="roundRect">
+            <a:avLst/>
+          </a:prstGeom>
+          <a:noFill/>
+          <a:ln w="28575">
+            <a:solidFill>
+              <a:schemeClr val="tx1"/>
+            </a:solidFill>
+            <a:prstDash val="sysDot"/>
+          </a:ln>
+        </p:spPr>
+        <p:style>
+          <a:lnRef idx="2">
+            <a:schemeClr val="accent1">
+              <a:shade val="50000"/>
+            </a:schemeClr>
+          </a:lnRef>
+          <a:fillRef idx="1">
+            <a:schemeClr val="accent1"/>
+          </a:fillRef>
+          <a:effectRef idx="0">
+            <a:schemeClr val="accent1"/>
+          </a:effectRef>
+          <a:fontRef idx="minor">
+            <a:schemeClr val="lt1"/>
+          </a:fontRef>
+        </p:style>
+        <p:txBody>
+          <a:bodyPr rtlCol="0" anchor="ctr"/>
+          <a:lstStyle/>
+          <a:p>
+            <a:pPr algn="ctr"/>
+            <a:r>
+              <a:rPr lang="en-US" sz="1200" b="1" dirty="0" err="1">
+                <a:solidFill>
+                  <a:schemeClr val="tx1"/>
+                </a:solidFill>
+              </a:rPr>
+              <a:t>ecobee</a:t>
+            </a:r>
+            <a:r>
+              <a:rPr lang="en-US" sz="1200" b="1" dirty="0">
+                <a:solidFill>
+                  <a:schemeClr val="tx1"/>
+                </a:solidFill>
+              </a:rPr>
+              <a:t> Database Query</a:t>
+            </a:r>
+            <a:endParaRPr lang="en-US" sz="1200" dirty="0">
+              <a:solidFill>
+                <a:schemeClr val="tx1"/>
+              </a:solidFill>
+            </a:endParaRPr>
+          </a:p>
+        </p:txBody>
+      </p:sp>
+      <p:sp>
+        <p:nvSpPr>
+          <p:cNvPr id="40" name="Rounded Rectangle 39">
+            <a:extLst>
+              <a:ext uri="{FF2B5EF4-FFF2-40B4-BE49-F238E27FC236}">
+                <a16:creationId xmlns:a16="http://schemas.microsoft.com/office/drawing/2014/main" id="{34DD7D3B-23C1-4AE9-5B9A-CC74531C194A}"/>
+              </a:ext>
+            </a:extLst>
+          </p:cNvPr>
+          <p:cNvSpPr/>
+          <p:nvPr/>
+        </p:nvSpPr>
+        <p:spPr>
+          <a:xfrm>
+            <a:off x="3391834" y="2314127"/>
+            <a:ext cx="2068116" cy="432048"/>
+          </a:xfrm>
+          <a:prstGeom prst="roundRect">
+            <a:avLst/>
+          </a:prstGeom>
+          <a:noFill/>
+          <a:ln w="28575">
+            <a:solidFill>
+              <a:schemeClr val="tx1"/>
+            </a:solidFill>
+            <a:prstDash val="sysDot"/>
+          </a:ln>
+        </p:spPr>
+        <p:style>
+          <a:lnRef idx="2">
+            <a:schemeClr val="accent1">
+              <a:shade val="50000"/>
+            </a:schemeClr>
+          </a:lnRef>
+          <a:fillRef idx="1">
+            <a:schemeClr val="accent1"/>
+          </a:fillRef>
+          <a:effectRef idx="0">
+            <a:schemeClr val="accent1"/>
+          </a:effectRef>
+          <a:fontRef idx="minor">
+            <a:schemeClr val="lt1"/>
+          </a:fontRef>
+        </p:style>
+        <p:txBody>
+          <a:bodyPr rtlCol="0" anchor="ctr"/>
+          <a:lstStyle/>
+          <a:p>
+            <a:pPr algn="ctr"/>
+            <a:r>
+              <a:rPr lang="en-US" sz="1200" b="1" dirty="0">
+                <a:solidFill>
+                  <a:schemeClr val="tx1"/>
+                </a:solidFill>
+              </a:rPr>
+              <a:t>Average Daily Profile</a:t>
+            </a:r>
+            <a:endParaRPr lang="en-US" sz="1200" dirty="0">
+              <a:solidFill>
+                <a:schemeClr val="tx1"/>
+              </a:solidFill>
+            </a:endParaRPr>
+          </a:p>
+        </p:txBody>
+      </p:sp>
+      <p:sp>
+        <p:nvSpPr>
+          <p:cNvPr id="41" name="Rounded Rectangle 40">
+            <a:extLst>
+              <a:ext uri="{FF2B5EF4-FFF2-40B4-BE49-F238E27FC236}">
+                <a16:creationId xmlns:a16="http://schemas.microsoft.com/office/drawing/2014/main" id="{096EBC94-6E0D-B5F6-0870-FCCA2665C1C5}"/>
+              </a:ext>
+            </a:extLst>
+          </p:cNvPr>
+          <p:cNvSpPr/>
+          <p:nvPr/>
+        </p:nvSpPr>
+        <p:spPr>
+          <a:xfrm>
+            <a:off x="3393633" y="2944322"/>
+            <a:ext cx="2068115" cy="432048"/>
+          </a:xfrm>
+          <a:prstGeom prst="roundRect">
+            <a:avLst/>
+          </a:prstGeom>
+          <a:noFill/>
+          <a:ln w="28575">
+            <a:solidFill>
+              <a:schemeClr val="tx1"/>
+            </a:solidFill>
+            <a:prstDash val="sysDot"/>
+          </a:ln>
+        </p:spPr>
+        <p:style>
+          <a:lnRef idx="2">
+            <a:schemeClr val="accent1">
+              <a:shade val="50000"/>
+            </a:schemeClr>
+          </a:lnRef>
+          <a:fillRef idx="1">
+            <a:schemeClr val="accent1"/>
+          </a:fillRef>
+          <a:effectRef idx="0">
+            <a:schemeClr val="accent1"/>
+          </a:effectRef>
+          <a:fontRef idx="minor">
+            <a:schemeClr val="lt1"/>
+          </a:fontRef>
+        </p:style>
+        <p:txBody>
+          <a:bodyPr rtlCol="0" anchor="ctr"/>
+          <a:lstStyle/>
+          <a:p>
+            <a:pPr algn="ctr"/>
+            <a:r>
+              <a:rPr lang="en-US" sz="1200" b="1" dirty="0">
+                <a:solidFill>
+                  <a:schemeClr val="tx1"/>
+                </a:solidFill>
+              </a:rPr>
+              <a:t>Dynamic Time Warping </a:t>
+            </a:r>
+          </a:p>
+          <a:p>
+            <a:pPr algn="ctr"/>
+            <a:r>
+              <a:rPr lang="en-US" sz="1200" b="1" dirty="0">
+                <a:solidFill>
+                  <a:schemeClr val="tx1"/>
+                </a:solidFill>
+              </a:rPr>
+              <a:t>k-shape Clustering</a:t>
+            </a:r>
+            <a:endParaRPr lang="en-US" sz="1200" dirty="0">
+              <a:solidFill>
+                <a:schemeClr val="tx1"/>
+              </a:solidFill>
+            </a:endParaRPr>
+          </a:p>
+        </p:txBody>
+      </p:sp>
+      <p:sp>
+        <p:nvSpPr>
+          <p:cNvPr id="42" name="Rounded Rectangle 41">
+            <a:extLst>
+              <a:ext uri="{FF2B5EF4-FFF2-40B4-BE49-F238E27FC236}">
+                <a16:creationId xmlns:a16="http://schemas.microsoft.com/office/drawing/2014/main" id="{A1A7129E-A409-9AE3-7164-18B48DC382B4}"/>
+              </a:ext>
+            </a:extLst>
+          </p:cNvPr>
+          <p:cNvSpPr/>
+          <p:nvPr/>
+        </p:nvSpPr>
+        <p:spPr>
+          <a:xfrm>
+            <a:off x="3403709" y="4840802"/>
+            <a:ext cx="2056243" cy="432048"/>
+          </a:xfrm>
+          <a:prstGeom prst="roundRect">
+            <a:avLst/>
+          </a:prstGeom>
+          <a:noFill/>
+          <a:ln w="28575">
+            <a:solidFill>
+              <a:schemeClr val="tx1"/>
+            </a:solidFill>
+            <a:prstDash val="solid"/>
+          </a:ln>
+        </p:spPr>
+        <p:style>
+          <a:lnRef idx="2">
+            <a:schemeClr val="accent1">
+              <a:shade val="50000"/>
+            </a:schemeClr>
+          </a:lnRef>
+          <a:fillRef idx="1">
+            <a:schemeClr val="accent1"/>
+          </a:fillRef>
+          <a:effectRef idx="0">
+            <a:schemeClr val="accent1"/>
+          </a:effectRef>
+          <a:fontRef idx="minor">
+            <a:schemeClr val="lt1"/>
+          </a:fontRef>
+        </p:style>
+        <p:txBody>
+          <a:bodyPr rtlCol="0" anchor="ctr"/>
+          <a:lstStyle/>
+          <a:p>
+            <a:pPr algn="ctr"/>
+            <a:r>
+              <a:rPr lang="en-US" sz="1200" b="1" dirty="0">
+                <a:solidFill>
+                  <a:schemeClr val="tx1"/>
+                </a:solidFill>
+              </a:rPr>
+              <a:t>Representative Setpoints</a:t>
+            </a:r>
+            <a:endParaRPr lang="en-US" sz="1200" dirty="0">
+              <a:solidFill>
+                <a:schemeClr val="tx1"/>
+              </a:solidFill>
+            </a:endParaRPr>
+          </a:p>
+        </p:txBody>
+      </p:sp>
+      <p:sp>
+        <p:nvSpPr>
+          <p:cNvPr id="44" name="Rounded Rectangle 43">
+            <a:extLst>
+              <a:ext uri="{FF2B5EF4-FFF2-40B4-BE49-F238E27FC236}">
+                <a16:creationId xmlns:a16="http://schemas.microsoft.com/office/drawing/2014/main" id="{D6E79108-720E-1FB2-3684-F67981A90356}"/>
+              </a:ext>
+            </a:extLst>
+          </p:cNvPr>
+          <p:cNvSpPr/>
+          <p:nvPr/>
+        </p:nvSpPr>
+        <p:spPr>
+          <a:xfrm>
+            <a:off x="3391835" y="3573134"/>
+            <a:ext cx="2068115" cy="432048"/>
+          </a:xfrm>
+          <a:prstGeom prst="roundRect">
+            <a:avLst/>
+          </a:prstGeom>
+          <a:noFill/>
+          <a:ln w="28575">
+            <a:solidFill>
+              <a:schemeClr val="tx1"/>
+            </a:solidFill>
+            <a:prstDash val="sysDot"/>
+          </a:ln>
+        </p:spPr>
+        <p:style>
+          <a:lnRef idx="2">
+            <a:schemeClr val="accent1">
+              <a:shade val="50000"/>
+            </a:schemeClr>
+          </a:lnRef>
+          <a:fillRef idx="1">
+            <a:schemeClr val="accent1"/>
+          </a:fillRef>
+          <a:effectRef idx="0">
+            <a:schemeClr val="accent1"/>
+          </a:effectRef>
+          <a:fontRef idx="minor">
+            <a:schemeClr val="lt1"/>
+          </a:fontRef>
+        </p:style>
+        <p:txBody>
+          <a:bodyPr rtlCol="0" anchor="ctr"/>
+          <a:lstStyle/>
+          <a:p>
+            <a:pPr algn="ctr"/>
+            <a:r>
+              <a:rPr lang="en-US" sz="1200" b="1" dirty="0">
+                <a:solidFill>
+                  <a:schemeClr val="tx1"/>
+                </a:solidFill>
+              </a:rPr>
+              <a:t>Optimal n-clusters Selection</a:t>
+            </a:r>
+            <a:endParaRPr lang="en-US" sz="1200" dirty="0">
+              <a:solidFill>
+                <a:schemeClr val="tx1"/>
+              </a:solidFill>
+            </a:endParaRPr>
+          </a:p>
+        </p:txBody>
+      </p:sp>
+      <p:cxnSp>
+        <p:nvCxnSpPr>
+          <p:cNvPr id="45" name="Straight Arrow Connector 44">
+            <a:extLst>
+              <a:ext uri="{FF2B5EF4-FFF2-40B4-BE49-F238E27FC236}">
+                <a16:creationId xmlns:a16="http://schemas.microsoft.com/office/drawing/2014/main" id="{3B5D5B0F-0858-5281-E541-949DEB8F6412}"/>
+              </a:ext>
+            </a:extLst>
+          </p:cNvPr>
+          <p:cNvCxnSpPr>
+            <a:cxnSpLocks/>
+            <a:stCxn id="38" idx="2"/>
+            <a:endCxn id="39" idx="0"/>
+          </p:cNvCxnSpPr>
+          <p:nvPr/>
+        </p:nvCxnSpPr>
+        <p:spPr>
+          <a:xfrm>
+            <a:off x="4423000" y="1489463"/>
+            <a:ext cx="2892" cy="195881"/>
+          </a:xfrm>
+          <a:prstGeom prst="straightConnector1">
+            <a:avLst/>
+          </a:prstGeom>
+          <a:ln w="28575">
+            <a:tailEnd type="triangle"/>
+          </a:ln>
+        </p:spPr>
+        <p:style>
+          <a:lnRef idx="1">
+            <a:schemeClr val="dk1"/>
+          </a:lnRef>
+          <a:fillRef idx="0">
+            <a:schemeClr val="dk1"/>
+          </a:fillRef>
+          <a:effectRef idx="0">
+            <a:schemeClr val="dk1"/>
+          </a:effectRef>
+          <a:fontRef idx="minor">
+            <a:schemeClr val="tx1"/>
+          </a:fontRef>
+        </p:style>
+      </p:cxnSp>
+      <p:cxnSp>
+        <p:nvCxnSpPr>
+          <p:cNvPr id="47" name="Straight Arrow Connector 46">
+            <a:extLst>
+              <a:ext uri="{FF2B5EF4-FFF2-40B4-BE49-F238E27FC236}">
+                <a16:creationId xmlns:a16="http://schemas.microsoft.com/office/drawing/2014/main" id="{BC52FE76-BFAA-AE78-7196-909D9E8DA33F}"/>
+              </a:ext>
+            </a:extLst>
+          </p:cNvPr>
+          <p:cNvCxnSpPr>
+            <a:cxnSpLocks/>
+            <a:stCxn id="39" idx="2"/>
+            <a:endCxn id="40" idx="0"/>
+          </p:cNvCxnSpPr>
+          <p:nvPr/>
+        </p:nvCxnSpPr>
+        <p:spPr>
+          <a:xfrm>
+            <a:off x="4425892" y="2117392"/>
+            <a:ext cx="0" cy="196735"/>
+          </a:xfrm>
+          <a:prstGeom prst="straightConnector1">
+            <a:avLst/>
+          </a:prstGeom>
+          <a:ln w="28575">
+            <a:tailEnd type="triangle"/>
+          </a:ln>
+        </p:spPr>
+        <p:style>
+          <a:lnRef idx="1">
+            <a:schemeClr val="dk1"/>
+          </a:lnRef>
+          <a:fillRef idx="0">
+            <a:schemeClr val="dk1"/>
+          </a:fillRef>
+          <a:effectRef idx="0">
+            <a:schemeClr val="dk1"/>
+          </a:effectRef>
+          <a:fontRef idx="minor">
+            <a:schemeClr val="tx1"/>
+          </a:fontRef>
+        </p:style>
+      </p:cxnSp>
+      <p:cxnSp>
+        <p:nvCxnSpPr>
+          <p:cNvPr id="48" name="Straight Arrow Connector 47">
+            <a:extLst>
+              <a:ext uri="{FF2B5EF4-FFF2-40B4-BE49-F238E27FC236}">
+                <a16:creationId xmlns:a16="http://schemas.microsoft.com/office/drawing/2014/main" id="{787E3FE3-2089-4F23-47AF-68A24DB2AC5F}"/>
+              </a:ext>
+            </a:extLst>
+          </p:cNvPr>
+          <p:cNvCxnSpPr>
+            <a:cxnSpLocks/>
+            <a:stCxn id="40" idx="2"/>
+            <a:endCxn id="41" idx="0"/>
+          </p:cNvCxnSpPr>
+          <p:nvPr/>
+        </p:nvCxnSpPr>
+        <p:spPr>
+          <a:xfrm>
+            <a:off x="4425892" y="2746175"/>
+            <a:ext cx="1799" cy="198147"/>
+          </a:xfrm>
+          <a:prstGeom prst="straightConnector1">
+            <a:avLst/>
+          </a:prstGeom>
+          <a:ln w="28575">
+            <a:tailEnd type="triangle"/>
+          </a:ln>
+        </p:spPr>
+        <p:style>
+          <a:lnRef idx="1">
+            <a:schemeClr val="dk1"/>
+          </a:lnRef>
+          <a:fillRef idx="0">
+            <a:schemeClr val="dk1"/>
+          </a:fillRef>
+          <a:effectRef idx="0">
+            <a:schemeClr val="dk1"/>
+          </a:effectRef>
+          <a:fontRef idx="minor">
+            <a:schemeClr val="tx1"/>
+          </a:fontRef>
+        </p:style>
+      </p:cxnSp>
+      <p:cxnSp>
+        <p:nvCxnSpPr>
+          <p:cNvPr id="50" name="Straight Arrow Connector 49">
+            <a:extLst>
+              <a:ext uri="{FF2B5EF4-FFF2-40B4-BE49-F238E27FC236}">
+                <a16:creationId xmlns:a16="http://schemas.microsoft.com/office/drawing/2014/main" id="{6E93696A-0CF9-4EFD-4047-C01EF87234EB}"/>
+              </a:ext>
+            </a:extLst>
+          </p:cNvPr>
+          <p:cNvCxnSpPr>
+            <a:cxnSpLocks/>
+            <a:stCxn id="41" idx="2"/>
+            <a:endCxn id="44" idx="0"/>
+          </p:cNvCxnSpPr>
+          <p:nvPr/>
+        </p:nvCxnSpPr>
+        <p:spPr>
+          <a:xfrm flipH="1">
+            <a:off x="4425893" y="3376370"/>
+            <a:ext cx="1798" cy="196764"/>
+          </a:xfrm>
+          <a:prstGeom prst="straightConnector1">
+            <a:avLst/>
+          </a:prstGeom>
+          <a:ln w="28575">
+            <a:tailEnd type="triangle"/>
+          </a:ln>
+        </p:spPr>
+        <p:style>
+          <a:lnRef idx="1">
+            <a:schemeClr val="dk1"/>
+          </a:lnRef>
+          <a:fillRef idx="0">
+            <a:schemeClr val="dk1"/>
+          </a:fillRef>
+          <a:effectRef idx="0">
+            <a:schemeClr val="dk1"/>
+          </a:effectRef>
+          <a:fontRef idx="minor">
+            <a:schemeClr val="tx1"/>
+          </a:fontRef>
+        </p:style>
+      </p:cxnSp>
+      <p:sp>
+        <p:nvSpPr>
+          <p:cNvPr id="65" name="Rounded Rectangle 64">
+            <a:extLst>
+              <a:ext uri="{FF2B5EF4-FFF2-40B4-BE49-F238E27FC236}">
+                <a16:creationId xmlns:a16="http://schemas.microsoft.com/office/drawing/2014/main" id="{4542BD40-1238-A22A-576E-E8D755F6351B}"/>
+              </a:ext>
+            </a:extLst>
+          </p:cNvPr>
+          <p:cNvSpPr/>
+          <p:nvPr/>
+        </p:nvSpPr>
+        <p:spPr>
+          <a:xfrm>
+            <a:off x="3391836" y="4206968"/>
+            <a:ext cx="2068115" cy="432048"/>
+          </a:xfrm>
+          <a:prstGeom prst="roundRect">
+            <a:avLst/>
+          </a:prstGeom>
+          <a:noFill/>
+          <a:ln w="28575">
+            <a:solidFill>
+              <a:schemeClr val="tx1"/>
+            </a:solidFill>
+            <a:prstDash val="sysDot"/>
+          </a:ln>
+        </p:spPr>
+        <p:style>
+          <a:lnRef idx="2">
+            <a:schemeClr val="accent1">
+              <a:shade val="50000"/>
+            </a:schemeClr>
+          </a:lnRef>
+          <a:fillRef idx="1">
+            <a:schemeClr val="accent1"/>
+          </a:fillRef>
+          <a:effectRef idx="0">
+            <a:schemeClr val="accent1"/>
+          </a:effectRef>
+          <a:fontRef idx="minor">
+            <a:schemeClr val="lt1"/>
+          </a:fontRef>
+        </p:style>
+        <p:txBody>
+          <a:bodyPr rtlCol="0" anchor="ctr"/>
+          <a:lstStyle/>
+          <a:p>
+            <a:pPr algn="ctr"/>
+            <a:r>
+              <a:rPr lang="en-US" sz="1200" b="1" dirty="0">
+                <a:solidFill>
+                  <a:schemeClr val="tx1"/>
+                </a:solidFill>
+              </a:rPr>
+              <a:t>Weighted random selection</a:t>
+            </a:r>
+            <a:endParaRPr lang="en-US" sz="1200" dirty="0">
+              <a:solidFill>
+                <a:schemeClr val="tx1"/>
+              </a:solidFill>
+            </a:endParaRPr>
+          </a:p>
+        </p:txBody>
+      </p:sp>
+      <p:cxnSp>
+        <p:nvCxnSpPr>
+          <p:cNvPr id="68" name="Straight Arrow Connector 67">
+            <a:extLst>
+              <a:ext uri="{FF2B5EF4-FFF2-40B4-BE49-F238E27FC236}">
+                <a16:creationId xmlns:a16="http://schemas.microsoft.com/office/drawing/2014/main" id="{6759353F-E230-1080-4612-BF9B77E5BA1A}"/>
+              </a:ext>
+            </a:extLst>
+          </p:cNvPr>
+          <p:cNvCxnSpPr>
+            <a:cxnSpLocks/>
+            <a:stCxn id="44" idx="2"/>
+            <a:endCxn id="65" idx="0"/>
+          </p:cNvCxnSpPr>
+          <p:nvPr/>
+        </p:nvCxnSpPr>
+        <p:spPr>
+          <a:xfrm>
+            <a:off x="4425893" y="4005182"/>
+            <a:ext cx="1" cy="201786"/>
+          </a:xfrm>
+          <a:prstGeom prst="straightConnector1">
+            <a:avLst/>
+          </a:prstGeom>
+          <a:ln w="28575">
+            <a:tailEnd type="triangle"/>
+          </a:ln>
+        </p:spPr>
+        <p:style>
+          <a:lnRef idx="1">
+            <a:schemeClr val="dk1"/>
+          </a:lnRef>
+          <a:fillRef idx="0">
+            <a:schemeClr val="dk1"/>
+          </a:fillRef>
+          <a:effectRef idx="0">
+            <a:schemeClr val="dk1"/>
+          </a:effectRef>
+          <a:fontRef idx="minor">
+            <a:schemeClr val="tx1"/>
+          </a:fontRef>
+        </p:style>
+      </p:cxnSp>
+      <p:cxnSp>
+        <p:nvCxnSpPr>
+          <p:cNvPr id="71" name="Straight Arrow Connector 70">
+            <a:extLst>
+              <a:ext uri="{FF2B5EF4-FFF2-40B4-BE49-F238E27FC236}">
+                <a16:creationId xmlns:a16="http://schemas.microsoft.com/office/drawing/2014/main" id="{FB17F571-8DE8-D2BD-7D4F-C0A40DA9D095}"/>
+              </a:ext>
+            </a:extLst>
+          </p:cNvPr>
+          <p:cNvCxnSpPr>
+            <a:cxnSpLocks/>
+            <a:stCxn id="65" idx="2"/>
+            <a:endCxn id="42" idx="0"/>
+          </p:cNvCxnSpPr>
+          <p:nvPr/>
+        </p:nvCxnSpPr>
+        <p:spPr>
+          <a:xfrm>
+            <a:off x="4425894" y="4639016"/>
+            <a:ext cx="5937" cy="201786"/>
+          </a:xfrm>
+          <a:prstGeom prst="straightConnector1">
+            <a:avLst/>
+          </a:prstGeom>
+          <a:ln w="28575">
+            <a:tailEnd type="triangle"/>
+          </a:ln>
+        </p:spPr>
+        <p:style>
+          <a:lnRef idx="1">
+            <a:schemeClr val="dk1"/>
+          </a:lnRef>
+          <a:fillRef idx="0">
+            <a:schemeClr val="dk1"/>
+          </a:fillRef>
+          <a:effectRef idx="0">
+            <a:schemeClr val="dk1"/>
+          </a:effectRef>
+          <a:fontRef idx="minor">
+            <a:schemeClr val="tx1"/>
+          </a:fontRef>
+        </p:style>
+      </p:cxnSp>
+      <p:pic>
+        <p:nvPicPr>
+          <p:cNvPr id="121" name="Picture 120">
+            <a:extLst>
+              <a:ext uri="{FF2B5EF4-FFF2-40B4-BE49-F238E27FC236}">
+                <a16:creationId xmlns:a16="http://schemas.microsoft.com/office/drawing/2014/main" id="{66A07F9F-4827-E841-8999-3805ECEF546A}"/>
+              </a:ext>
+            </a:extLst>
+          </p:cNvPr>
+          <p:cNvPicPr>
+            <a:picLocks noChangeAspect="1"/>
+          </p:cNvPicPr>
+          <p:nvPr/>
+        </p:nvPicPr>
+        <p:blipFill>
+          <a:blip r:embed="rId2"/>
+          <a:stretch>
+            <a:fillRect/>
+          </a:stretch>
+        </p:blipFill>
+        <p:spPr>
+          <a:xfrm>
+            <a:off x="6384032" y="1169579"/>
+            <a:ext cx="2108200" cy="4165600"/>
+          </a:xfrm>
+          <a:prstGeom prst="rect">
+            <a:avLst/>
+          </a:prstGeom>
+        </p:spPr>
+      </p:pic>
+      <p:pic>
+        <p:nvPicPr>
+          <p:cNvPr id="122" name="Picture 121">
+            <a:extLst>
+              <a:ext uri="{FF2B5EF4-FFF2-40B4-BE49-F238E27FC236}">
+                <a16:creationId xmlns:a16="http://schemas.microsoft.com/office/drawing/2014/main" id="{2C9513A0-BCA9-FF54-4B63-E6B96441F0E9}"/>
+              </a:ext>
+            </a:extLst>
+          </p:cNvPr>
+          <p:cNvPicPr>
+            <a:picLocks noChangeAspect="1"/>
+          </p:cNvPicPr>
+          <p:nvPr/>
+        </p:nvPicPr>
+        <p:blipFill>
+          <a:blip r:embed="rId3"/>
+          <a:stretch>
+            <a:fillRect/>
+          </a:stretch>
+        </p:blipFill>
+        <p:spPr>
+          <a:xfrm>
+            <a:off x="8946021" y="863266"/>
+            <a:ext cx="2108200" cy="4457700"/>
+          </a:xfrm>
+          <a:prstGeom prst="rect">
+            <a:avLst/>
+          </a:prstGeom>
+        </p:spPr>
+      </p:pic>
+    </p:spTree>
+    <p:extLst>
+      <p:ext uri="{BB962C8B-B14F-4D97-AF65-F5344CB8AC3E}">
+        <p14:creationId xmlns:p14="http://schemas.microsoft.com/office/powerpoint/2010/main" val="484356989"/>
       </p:ext>
     </p:extLst>
   </p:cSld>

--- a/assets/images/citylearn_systems.pptx
+++ b/assets/images/citylearn_systems.pptx
@@ -255,7 +255,7 @@
           <a:p>
             <a:fld id="{C375809C-1078-40E5-8D78-A06230988E2D}" type="datetimeFigureOut">
               <a:rPr lang="en-US" smtClean="0"/>
-              <a:t>3/20/23</a:t>
+              <a:t>3/24/23</a:t>
             </a:fld>
             <a:endParaRPr lang="en-US"/>
           </a:p>
@@ -433,7 +433,7 @@
             <a:fld id="{2B843C7C-BC90-49F1-B4F6-A48532280559}" type="datetimeFigureOut">
               <a:rPr lang="de-DE" smtClean="0"/>
               <a:pPr/>
-              <a:t>20.03.23</a:t>
+              <a:t>24.03.23</a:t>
             </a:fld>
             <a:endParaRPr lang="de-DE"/>
           </a:p>
@@ -3806,7 +3806,7 @@
             <a:pPr algn="ctr"/>
             <a:r>
               <a:rPr lang="en-US" sz="1600" b="1" dirty="0"/>
-              <a:t>Building N </a:t>
+              <a:t>Building 1 </a:t>
             </a:r>
           </a:p>
         </p:txBody>
@@ -4550,7 +4550,7 @@
                     <a:schemeClr val="bg1"/>
                   </a:solidFill>
                 </a:rPr>
-                <a:t>Agent</a:t>
+                <a:t>Agent N</a:t>
               </a:r>
             </a:p>
           </p:txBody>
@@ -5187,7 +5187,7 @@
         <p:spPr>
           <a:xfrm>
             <a:off x="4511824" y="4346470"/>
-            <a:ext cx="1296144" cy="600164"/>
+            <a:ext cx="1296144" cy="430887"/>
           </a:xfrm>
           <a:prstGeom prst="rect">
             <a:avLst/>
@@ -5209,7 +5209,7 @@
                   </a:schemeClr>
                 </a:solidFill>
               </a:rPr>
-              <a:t>Domestic hot water and/or space heating storage</a:t>
+              <a:t>Domestic hot water  heating storage</a:t>
             </a:r>
           </a:p>
         </p:txBody>
@@ -5342,10 +5342,10 @@
       </p:sp>
       <p:sp>
         <p:nvSpPr>
-          <p:cNvPr id="21" name="TextBox 20">
-            <a:extLst>
-              <a:ext uri="{FF2B5EF4-FFF2-40B4-BE49-F238E27FC236}">
-                <a16:creationId xmlns:a16="http://schemas.microsoft.com/office/drawing/2014/main" id="{9646944C-E545-CC65-C376-35CE2B679906}"/>
+          <p:cNvPr id="35" name="TextBox 34">
+            <a:extLst>
+              <a:ext uri="{FF2B5EF4-FFF2-40B4-BE49-F238E27FC236}">
+                <a16:creationId xmlns:a16="http://schemas.microsoft.com/office/drawing/2014/main" id="{C7FA50B3-91A7-8B9A-3D20-AD2E9C97EF1A}"/>
               </a:ext>
             </a:extLst>
           </p:cNvPr>
@@ -5354,8 +5354,8 @@
         </p:nvSpPr>
         <p:spPr>
           <a:xfrm>
-            <a:off x="6599332" y="2359913"/>
-            <a:ext cx="1008837" cy="276999"/>
+            <a:off x="5074327" y="1063768"/>
+            <a:ext cx="1567954" cy="338554"/>
           </a:xfrm>
           <a:prstGeom prst="rect">
             <a:avLst/>
@@ -5370,87 +5370,8 @@
           <a:p>
             <a:pPr algn="ctr"/>
             <a:r>
-              <a:rPr lang="en-US" sz="1200" b="1" dirty="0"/>
-              <a:t>Power</a:t>
-            </a:r>
-          </a:p>
-        </p:txBody>
-      </p:sp>
-      <p:cxnSp>
-        <p:nvCxnSpPr>
-          <p:cNvPr id="24" name="Straight Arrow Connector 23">
-            <a:extLst>
-              <a:ext uri="{FF2B5EF4-FFF2-40B4-BE49-F238E27FC236}">
-                <a16:creationId xmlns:a16="http://schemas.microsoft.com/office/drawing/2014/main" id="{2331EED1-A828-CDC3-1182-038326048AE0}"/>
-              </a:ext>
-            </a:extLst>
-          </p:cNvPr>
-          <p:cNvCxnSpPr>
-            <a:cxnSpLocks/>
-            <a:stCxn id="58" idx="0"/>
-            <a:endCxn id="46" idx="3"/>
-          </p:cNvCxnSpPr>
-          <p:nvPr/>
-        </p:nvCxnSpPr>
-        <p:spPr>
-          <a:xfrm rot="16200000" flipV="1">
-            <a:off x="6871924" y="2351748"/>
-            <a:ext cx="797913" cy="1378657"/>
-          </a:xfrm>
-          <a:prstGeom prst="bentConnector2">
-            <a:avLst/>
-          </a:prstGeom>
-          <a:ln w="28575">
-            <a:tailEnd type="triangle"/>
-          </a:ln>
-        </p:spPr>
-        <p:style>
-          <a:lnRef idx="1">
-            <a:schemeClr val="dk1"/>
-          </a:lnRef>
-          <a:fillRef idx="0">
-            <a:schemeClr val="dk1"/>
-          </a:fillRef>
-          <a:effectRef idx="0">
-            <a:schemeClr val="dk1"/>
-          </a:effectRef>
-          <a:fontRef idx="minor">
-            <a:schemeClr val="tx1"/>
-          </a:fontRef>
-        </p:style>
-      </p:cxnSp>
-      <p:sp>
-        <p:nvSpPr>
-          <p:cNvPr id="35" name="TextBox 34">
-            <a:extLst>
-              <a:ext uri="{FF2B5EF4-FFF2-40B4-BE49-F238E27FC236}">
-                <a16:creationId xmlns:a16="http://schemas.microsoft.com/office/drawing/2014/main" id="{C7FA50B3-91A7-8B9A-3D20-AD2E9C97EF1A}"/>
-              </a:ext>
-            </a:extLst>
-          </p:cNvPr>
-          <p:cNvSpPr txBox="1"/>
-          <p:nvPr/>
-        </p:nvSpPr>
-        <p:spPr>
-          <a:xfrm>
-            <a:off x="5074327" y="1063768"/>
-            <a:ext cx="1567954" cy="338554"/>
-          </a:xfrm>
-          <a:prstGeom prst="rect">
-            <a:avLst/>
-          </a:prstGeom>
-          <a:noFill/>
-        </p:spPr>
-        <p:txBody>
-          <a:bodyPr wrap="square" rtlCol="0">
-            <a:spAutoFit/>
-          </a:bodyPr>
-          <a:lstStyle/>
-          <a:p>
-            <a:pPr algn="ctr"/>
-            <a:r>
               <a:rPr lang="en-US" sz="1600" b="1" dirty="0"/>
-              <a:t>Building 1</a:t>
+              <a:t>Building N</a:t>
             </a:r>
           </a:p>
         </p:txBody>
@@ -5487,10 +5408,10 @@
       </p:grpSpPr>
       <p:pic>
         <p:nvPicPr>
-          <p:cNvPr id="2" name="Picture 1">
-            <a:extLst>
-              <a:ext uri="{FF2B5EF4-FFF2-40B4-BE49-F238E27FC236}">
-                <a16:creationId xmlns:a16="http://schemas.microsoft.com/office/drawing/2014/main" id="{ED7714F7-D8C6-E1C1-EA3B-684CCB0824A6}"/>
+          <p:cNvPr id="3" name="Picture 2">
+            <a:extLst>
+              <a:ext uri="{FF2B5EF4-FFF2-40B4-BE49-F238E27FC236}">
+                <a16:creationId xmlns:a16="http://schemas.microsoft.com/office/drawing/2014/main" id="{54F0E7B7-7764-5D78-5ADB-3FB3DCAA5D20}"/>
               </a:ext>
             </a:extLst>
           </p:cNvPr>
@@ -9297,8 +9218,8 @@
         </p:nvCxnSpPr>
         <p:spPr>
           <a:xfrm flipH="1">
-            <a:off x="7670465" y="1782214"/>
-            <a:ext cx="947849" cy="3217"/>
+            <a:off x="7670466" y="1782214"/>
+            <a:ext cx="947848" cy="3510"/>
           </a:xfrm>
           <a:prstGeom prst="straightConnector1">
             <a:avLst/>
@@ -9339,9 +9260,9 @@
           <p:nvPr/>
         </p:nvCxnSpPr>
         <p:spPr>
-          <a:xfrm>
-            <a:off x="7257473" y="2198423"/>
-            <a:ext cx="0" cy="477411"/>
+          <a:xfrm flipH="1">
+            <a:off x="7257473" y="2198716"/>
+            <a:ext cx="1" cy="477118"/>
           </a:xfrm>
           <a:prstGeom prst="straightConnector1">
             <a:avLst/>
@@ -9898,7 +9819,7 @@
         <p:spPr>
           <a:xfrm>
             <a:off x="6252891" y="1782214"/>
-            <a:ext cx="591589" cy="3217"/>
+            <a:ext cx="591590" cy="3510"/>
           </a:xfrm>
           <a:prstGeom prst="straightConnector1">
             <a:avLst/>
@@ -10551,7 +10472,7 @@
         </p:blipFill>
         <p:spPr>
           <a:xfrm>
-            <a:off x="7060504" y="1408153"/>
+            <a:off x="11356365" y="252879"/>
             <a:ext cx="464842" cy="220335"/>
           </a:xfrm>
           <a:prstGeom prst="rect">
@@ -10587,7 +10508,7 @@
         </p:blipFill>
         <p:spPr>
           <a:xfrm>
-            <a:off x="6844480" y="1372438"/>
+            <a:off x="6844481" y="1372731"/>
             <a:ext cx="825985" cy="825985"/>
           </a:xfrm>
           <a:prstGeom prst="rect">
@@ -10612,7 +10533,7 @@
         </p:nvCxnSpPr>
         <p:spPr>
           <a:xfrm>
-            <a:off x="7257473" y="1187309"/>
+            <a:off x="7257474" y="1187602"/>
             <a:ext cx="0" cy="185129"/>
           </a:xfrm>
           <a:prstGeom prst="straightConnector1">
@@ -11317,10 +11238,10 @@
       </p:grpSpPr>
       <p:pic>
         <p:nvPicPr>
-          <p:cNvPr id="7" name="Picture 6">
-            <a:extLst>
-              <a:ext uri="{FF2B5EF4-FFF2-40B4-BE49-F238E27FC236}">
-                <a16:creationId xmlns:a16="http://schemas.microsoft.com/office/drawing/2014/main" id="{883A036A-1E44-3D9B-6B79-F078260A1528}"/>
+          <p:cNvPr id="2" name="Picture 1">
+            <a:extLst>
+              <a:ext uri="{FF2B5EF4-FFF2-40B4-BE49-F238E27FC236}">
+                <a16:creationId xmlns:a16="http://schemas.microsoft.com/office/drawing/2014/main" id="{AE666E81-A703-8369-1FD1-C4046468FA34}"/>
               </a:ext>
             </a:extLst>
           </p:cNvPr>
